--- a/Deep Reinforcement Learning.pptx
+++ b/Deep Reinforcement Learning.pptx
@@ -5,48 +5,49 @@
     <p:sldMasterId id="2147483648" r:id="rId1"/>
   </p:sldMasterIdLst>
   <p:notesMasterIdLst>
-    <p:notesMasterId r:id="rId41"/>
+    <p:notesMasterId r:id="rId42"/>
   </p:notesMasterIdLst>
   <p:sldIdLst>
     <p:sldId id="256" r:id="rId2"/>
-    <p:sldId id="312" r:id="rId3"/>
-    <p:sldId id="257" r:id="rId4"/>
-    <p:sldId id="311" r:id="rId5"/>
-    <p:sldId id="260" r:id="rId6"/>
-    <p:sldId id="261" r:id="rId7"/>
-    <p:sldId id="263" r:id="rId8"/>
-    <p:sldId id="289" r:id="rId9"/>
-    <p:sldId id="303" r:id="rId10"/>
-    <p:sldId id="285" r:id="rId11"/>
-    <p:sldId id="264" r:id="rId12"/>
-    <p:sldId id="291" r:id="rId13"/>
-    <p:sldId id="277" r:id="rId14"/>
-    <p:sldId id="278" r:id="rId15"/>
-    <p:sldId id="279" r:id="rId16"/>
-    <p:sldId id="280" r:id="rId17"/>
-    <p:sldId id="292" r:id="rId18"/>
-    <p:sldId id="281" r:id="rId19"/>
-    <p:sldId id="282" r:id="rId20"/>
-    <p:sldId id="287" r:id="rId21"/>
-    <p:sldId id="293" r:id="rId22"/>
-    <p:sldId id="295" r:id="rId23"/>
-    <p:sldId id="294" r:id="rId24"/>
-    <p:sldId id="290" r:id="rId25"/>
-    <p:sldId id="296" r:id="rId26"/>
-    <p:sldId id="297" r:id="rId27"/>
-    <p:sldId id="298" r:id="rId28"/>
-    <p:sldId id="301" r:id="rId29"/>
-    <p:sldId id="299" r:id="rId30"/>
-    <p:sldId id="300" r:id="rId31"/>
-    <p:sldId id="302" r:id="rId32"/>
-    <p:sldId id="308" r:id="rId33"/>
-    <p:sldId id="309" r:id="rId34"/>
-    <p:sldId id="304" r:id="rId35"/>
-    <p:sldId id="305" r:id="rId36"/>
-    <p:sldId id="306" r:id="rId37"/>
-    <p:sldId id="310" r:id="rId38"/>
-    <p:sldId id="313" r:id="rId39"/>
-    <p:sldId id="307" r:id="rId40"/>
+    <p:sldId id="314" r:id="rId3"/>
+    <p:sldId id="312" r:id="rId4"/>
+    <p:sldId id="257" r:id="rId5"/>
+    <p:sldId id="311" r:id="rId6"/>
+    <p:sldId id="260" r:id="rId7"/>
+    <p:sldId id="261" r:id="rId8"/>
+    <p:sldId id="263" r:id="rId9"/>
+    <p:sldId id="289" r:id="rId10"/>
+    <p:sldId id="303" r:id="rId11"/>
+    <p:sldId id="285" r:id="rId12"/>
+    <p:sldId id="264" r:id="rId13"/>
+    <p:sldId id="291" r:id="rId14"/>
+    <p:sldId id="277" r:id="rId15"/>
+    <p:sldId id="278" r:id="rId16"/>
+    <p:sldId id="279" r:id="rId17"/>
+    <p:sldId id="280" r:id="rId18"/>
+    <p:sldId id="292" r:id="rId19"/>
+    <p:sldId id="281" r:id="rId20"/>
+    <p:sldId id="282" r:id="rId21"/>
+    <p:sldId id="287" r:id="rId22"/>
+    <p:sldId id="293" r:id="rId23"/>
+    <p:sldId id="295" r:id="rId24"/>
+    <p:sldId id="294" r:id="rId25"/>
+    <p:sldId id="290" r:id="rId26"/>
+    <p:sldId id="296" r:id="rId27"/>
+    <p:sldId id="297" r:id="rId28"/>
+    <p:sldId id="298" r:id="rId29"/>
+    <p:sldId id="301" r:id="rId30"/>
+    <p:sldId id="299" r:id="rId31"/>
+    <p:sldId id="300" r:id="rId32"/>
+    <p:sldId id="302" r:id="rId33"/>
+    <p:sldId id="308" r:id="rId34"/>
+    <p:sldId id="309" r:id="rId35"/>
+    <p:sldId id="304" r:id="rId36"/>
+    <p:sldId id="305" r:id="rId37"/>
+    <p:sldId id="306" r:id="rId38"/>
+    <p:sldId id="310" r:id="rId39"/>
+    <p:sldId id="313" r:id="rId40"/>
+    <p:sldId id="307" r:id="rId41"/>
   </p:sldIdLst>
   <p:sldSz cx="12192000" cy="6858000"/>
   <p:notesSz cx="6858000" cy="9144000"/>
@@ -235,7 +236,7 @@
           <a:p>
             <a:fld id="{AEA6D994-7382-430E-B2BD-A16741A1135D}" type="datetimeFigureOut">
               <a:rPr lang="en-US" smtClean="0"/>
-              <a:t>10/20/2021</a:t>
+              <a:t>10/22/2021</a:t>
             </a:fld>
             <a:endParaRPr lang="en-US"/>
           </a:p>
@@ -567,7 +568,7 @@
           <a:p>
             <a:fld id="{F45D4765-6990-4DB3-A2C2-A10A8E8BC82D}" type="slidenum">
               <a:rPr lang="en-US" smtClean="0"/>
-              <a:t>5</a:t>
+              <a:t>6</a:t>
             </a:fld>
             <a:endParaRPr lang="en-US"/>
           </a:p>
@@ -832,7 +833,7 @@
             <a:fld id="{B61BEF0D-F0BB-DE4B-95CE-6DB70DBA9567}" type="datetimeFigureOut">
               <a:rPr lang="en-US" dirty="0"/>
               <a:pPr/>
-              <a:t>10/20/2021</a:t>
+              <a:t>10/22/2021</a:t>
             </a:fld>
             <a:endParaRPr lang="en-US" dirty="0"/>
           </a:p>
@@ -1091,7 +1092,7 @@
             <a:fld id="{B61BEF0D-F0BB-DE4B-95CE-6DB70DBA9567}" type="datetimeFigureOut">
               <a:rPr lang="en-US" dirty="0"/>
               <a:pPr/>
-              <a:t>10/20/2021</a:t>
+              <a:t>10/22/2021</a:t>
             </a:fld>
             <a:endParaRPr lang="en-US" dirty="0"/>
           </a:p>
@@ -1323,7 +1324,7 @@
             <a:fld id="{B61BEF0D-F0BB-DE4B-95CE-6DB70DBA9567}" type="datetimeFigureOut">
               <a:rPr lang="en-US" dirty="0"/>
               <a:pPr/>
-              <a:t>10/20/2021</a:t>
+              <a:t>10/22/2021</a:t>
             </a:fld>
             <a:endParaRPr lang="en-US" dirty="0"/>
           </a:p>
@@ -1560,7 +1561,7 @@
             <a:fld id="{B61BEF0D-F0BB-DE4B-95CE-6DB70DBA9567}" type="datetimeFigureOut">
               <a:rPr lang="en-US" dirty="0"/>
               <a:pPr/>
-              <a:t>10/20/2021</a:t>
+              <a:t>10/22/2021</a:t>
             </a:fld>
             <a:endParaRPr lang="en-US" dirty="0"/>
           </a:p>
@@ -1864,7 +1865,7 @@
             <a:fld id="{B61BEF0D-F0BB-DE4B-95CE-6DB70DBA9567}" type="datetimeFigureOut">
               <a:rPr lang="en-US" dirty="0"/>
               <a:pPr/>
-              <a:t>10/20/2021</a:t>
+              <a:t>10/22/2021</a:t>
             </a:fld>
             <a:endParaRPr lang="en-US" dirty="0"/>
           </a:p>
@@ -2163,7 +2164,7 @@
             <a:fld id="{B61BEF0D-F0BB-DE4B-95CE-6DB70DBA9567}" type="datetimeFigureOut">
               <a:rPr lang="en-US" dirty="0"/>
               <a:pPr/>
-              <a:t>10/20/2021</a:t>
+              <a:t>10/22/2021</a:t>
             </a:fld>
             <a:endParaRPr lang="en-US" dirty="0"/>
           </a:p>
@@ -2582,7 +2583,7 @@
             <a:fld id="{B61BEF0D-F0BB-DE4B-95CE-6DB70DBA9567}" type="datetimeFigureOut">
               <a:rPr lang="en-US" dirty="0"/>
               <a:pPr/>
-              <a:t>10/20/2021</a:t>
+              <a:t>10/22/2021</a:t>
             </a:fld>
             <a:endParaRPr lang="en-US" dirty="0"/>
           </a:p>
@@ -2741,7 +2742,7 @@
             <a:fld id="{B61BEF0D-F0BB-DE4B-95CE-6DB70DBA9567}" type="datetimeFigureOut">
               <a:rPr lang="en-US" dirty="0"/>
               <a:pPr/>
-              <a:t>10/20/2021</a:t>
+              <a:t>10/22/2021</a:t>
             </a:fld>
             <a:endParaRPr lang="en-US" dirty="0"/>
           </a:p>
@@ -2833,7 +2834,7 @@
             <a:fld id="{B61BEF0D-F0BB-DE4B-95CE-6DB70DBA9567}" type="datetimeFigureOut">
               <a:rPr lang="en-US" dirty="0"/>
               <a:pPr/>
-              <a:t>10/20/2021</a:t>
+              <a:t>10/22/2021</a:t>
             </a:fld>
             <a:endParaRPr lang="en-US" dirty="0"/>
           </a:p>
@@ -3208,7 +3209,7 @@
             <a:fld id="{B61BEF0D-F0BB-DE4B-95CE-6DB70DBA9567}" type="datetimeFigureOut">
               <a:rPr lang="en-US" dirty="0"/>
               <a:pPr/>
-              <a:t>10/20/2021</a:t>
+              <a:t>10/22/2021</a:t>
             </a:fld>
             <a:endParaRPr lang="en-US" dirty="0"/>
           </a:p>
@@ -3494,7 +3495,7 @@
             <a:fld id="{B61BEF0D-F0BB-DE4B-95CE-6DB70DBA9567}" type="datetimeFigureOut">
               <a:rPr lang="en-US" dirty="0"/>
               <a:pPr/>
-              <a:t>10/20/2021</a:t>
+              <a:t>10/22/2021</a:t>
             </a:fld>
             <a:endParaRPr lang="en-US" dirty="0"/>
           </a:p>
@@ -3702,7 +3703,7 @@
             <a:fld id="{B61BEF0D-F0BB-DE4B-95CE-6DB70DBA9567}" type="datetimeFigureOut">
               <a:rPr lang="en-US" dirty="0"/>
               <a:pPr/>
-              <a:t>10/20/2021</a:t>
+              <a:t>10/22/2021</a:t>
             </a:fld>
             <a:endParaRPr lang="en-US" dirty="0"/>
           </a:p>
@@ -4436,6 +4437,1625 @@
       </p:grpSpPr>
       <p:sp>
         <p:nvSpPr>
+          <p:cNvPr id="2" name="Title 1">
+            <a:extLst>
+              <a:ext uri="{FF2B5EF4-FFF2-40B4-BE49-F238E27FC236}">
+                <a16:creationId xmlns:a16="http://schemas.microsoft.com/office/drawing/2014/main" id="{758F2BD1-FE55-4062-ACE6-33496EA6EAA2}"/>
+              </a:ext>
+            </a:extLst>
+          </p:cNvPr>
+          <p:cNvSpPr>
+            <a:spLocks noGrp="1"/>
+          </p:cNvSpPr>
+          <p:nvPr>
+            <p:ph type="title"/>
+          </p:nvPr>
+        </p:nvSpPr>
+        <p:spPr/>
+        <p:txBody>
+          <a:bodyPr/>
+          <a:lstStyle/>
+          <a:p>
+            <a:r>
+              <a:rPr lang="en-US" dirty="0"/>
+              <a:t>Optimal value function and optimal policy</a:t>
+            </a:r>
+          </a:p>
+        </p:txBody>
+      </p:sp>
+      <p:graphicFrame>
+        <p:nvGraphicFramePr>
+          <p:cNvPr id="4" name="Object 3">
+            <a:extLst>
+              <a:ext uri="{FF2B5EF4-FFF2-40B4-BE49-F238E27FC236}">
+                <a16:creationId xmlns:a16="http://schemas.microsoft.com/office/drawing/2014/main" id="{3C2CB22A-E836-42DD-A996-0CC34F8DF848}"/>
+              </a:ext>
+            </a:extLst>
+          </p:cNvPr>
+          <p:cNvGraphicFramePr>
+            <a:graphicFrameLocks noChangeAspect="1"/>
+          </p:cNvGraphicFramePr>
+          <p:nvPr>
+            <p:extLst>
+              <p:ext uri="{D42A27DB-BD31-4B8C-83A1-F6EECF244321}">
+                <p14:modId xmlns:p14="http://schemas.microsoft.com/office/powerpoint/2010/main" val="1560153497"/>
+              </p:ext>
+            </p:extLst>
+          </p:nvPr>
+        </p:nvGraphicFramePr>
+        <p:xfrm>
+          <a:off x="581025" y="3176588"/>
+          <a:ext cx="4491038" cy="3162300"/>
+        </p:xfrm>
+        <a:graphic>
+          <a:graphicData uri="http://schemas.openxmlformats.org/presentationml/2006/ole">
+            <mc:AlternateContent xmlns:mc="http://schemas.openxmlformats.org/markup-compatibility/2006">
+              <mc:Choice xmlns:v="urn:schemas-microsoft-com:vml" Requires="v">
+                <p:oleObj spid="_x0000_s22687" name="Worksheet" r:id="rId3" imgW="2704923" imgH="1905174" progId="Excel.Sheet.12">
+                  <p:embed/>
+                </p:oleObj>
+              </mc:Choice>
+              <mc:Fallback>
+                <p:oleObj name="Worksheet" r:id="rId3" imgW="2704923" imgH="1905174" progId="Excel.Sheet.12">
+                  <p:embed/>
+                  <p:pic>
+                    <p:nvPicPr>
+                      <p:cNvPr id="44" name="Object 43">
+                        <a:extLst>
+                          <a:ext uri="{FF2B5EF4-FFF2-40B4-BE49-F238E27FC236}">
+                            <a16:creationId xmlns:a16="http://schemas.microsoft.com/office/drawing/2014/main" id="{FB0F746A-1B38-4E29-8AF3-AA4C0193481D}"/>
+                          </a:ext>
+                        </a:extLst>
+                      </p:cNvPr>
+                      <p:cNvPicPr/>
+                      <p:nvPr/>
+                    </p:nvPicPr>
+                    <p:blipFill>
+                      <a:blip r:embed="rId4"/>
+                      <a:stretch>
+                        <a:fillRect/>
+                      </a:stretch>
+                    </p:blipFill>
+                    <p:spPr>
+                      <a:xfrm>
+                        <a:off x="581025" y="3176588"/>
+                        <a:ext cx="4491038" cy="3162300"/>
+                      </a:xfrm>
+                      <a:prstGeom prst="rect">
+                        <a:avLst/>
+                      </a:prstGeom>
+                    </p:spPr>
+                  </p:pic>
+                </p:oleObj>
+              </mc:Fallback>
+            </mc:AlternateContent>
+          </a:graphicData>
+        </a:graphic>
+      </p:graphicFrame>
+      <p:sp>
+        <p:nvSpPr>
+          <p:cNvPr id="5" name="Content Placeholder 2">
+            <a:extLst>
+              <a:ext uri="{FF2B5EF4-FFF2-40B4-BE49-F238E27FC236}">
+                <a16:creationId xmlns:a16="http://schemas.microsoft.com/office/drawing/2014/main" id="{F779849B-0873-4979-98E9-5C25C643279F}"/>
+              </a:ext>
+            </a:extLst>
+          </p:cNvPr>
+          <p:cNvSpPr txBox="1">
+            <a:spLocks/>
+          </p:cNvSpPr>
+          <p:nvPr/>
+        </p:nvSpPr>
+        <p:spPr>
+          <a:xfrm>
+            <a:off x="581192" y="2132872"/>
+            <a:ext cx="4812081" cy="641362"/>
+          </a:xfrm>
+          <a:prstGeom prst="rect">
+            <a:avLst/>
+          </a:prstGeom>
+        </p:spPr>
+        <p:txBody>
+          <a:bodyPr vert="horz" lIns="91440" tIns="45720" rIns="91440" bIns="45720" rtlCol="0" anchor="t">
+            <a:normAutofit/>
+          </a:bodyPr>
+          <a:lstStyle>
+            <a:lvl1pPr marL="306000" indent="-306000" algn="l" defTabSz="457200" rtl="0" eaLnBrk="1" latinLnBrk="0" hangingPunct="1">
+              <a:spcBef>
+                <a:spcPct val="20000"/>
+              </a:spcBef>
+              <a:spcAft>
+                <a:spcPts val="600"/>
+              </a:spcAft>
+              <a:buClr>
+                <a:schemeClr val="accent2"/>
+              </a:buClr>
+              <a:buSzPct val="92000"/>
+              <a:buFont typeface="Wingdings 2" panose="05020102010507070707" pitchFamily="18" charset="2"/>
+              <a:buChar char=""/>
+              <a:defRPr sz="1800" kern="1200">
+                <a:solidFill>
+                  <a:schemeClr val="tx2"/>
+                </a:solidFill>
+                <a:latin typeface="+mn-lt"/>
+                <a:ea typeface="+mn-ea"/>
+                <a:cs typeface="+mn-cs"/>
+              </a:defRPr>
+            </a:lvl1pPr>
+            <a:lvl2pPr marL="630000" indent="-306000" algn="l" defTabSz="457200" rtl="0" eaLnBrk="1" latinLnBrk="0" hangingPunct="1">
+              <a:spcBef>
+                <a:spcPct val="20000"/>
+              </a:spcBef>
+              <a:spcAft>
+                <a:spcPts val="600"/>
+              </a:spcAft>
+              <a:buClr>
+                <a:schemeClr val="accent2"/>
+              </a:buClr>
+              <a:buSzPct val="92000"/>
+              <a:buFont typeface="Wingdings 2" panose="05020102010507070707" pitchFamily="18" charset="2"/>
+              <a:buChar char=""/>
+              <a:defRPr sz="1600" kern="1200">
+                <a:solidFill>
+                  <a:schemeClr val="tx2"/>
+                </a:solidFill>
+                <a:latin typeface="+mn-lt"/>
+                <a:ea typeface="+mn-ea"/>
+                <a:cs typeface="+mn-cs"/>
+              </a:defRPr>
+            </a:lvl2pPr>
+            <a:lvl3pPr marL="900000" indent="-270000" algn="l" defTabSz="457200" rtl="0" eaLnBrk="1" latinLnBrk="0" hangingPunct="1">
+              <a:spcBef>
+                <a:spcPct val="20000"/>
+              </a:spcBef>
+              <a:spcAft>
+                <a:spcPts val="600"/>
+              </a:spcAft>
+              <a:buClr>
+                <a:schemeClr val="accent2"/>
+              </a:buClr>
+              <a:buSzPct val="92000"/>
+              <a:buFont typeface="Wingdings 2" panose="05020102010507070707" pitchFamily="18" charset="2"/>
+              <a:buChar char=""/>
+              <a:defRPr sz="1400" kern="1200">
+                <a:solidFill>
+                  <a:schemeClr val="tx2"/>
+                </a:solidFill>
+                <a:latin typeface="+mn-lt"/>
+                <a:ea typeface="+mn-ea"/>
+                <a:cs typeface="+mn-cs"/>
+              </a:defRPr>
+            </a:lvl3pPr>
+            <a:lvl4pPr marL="1242000" indent="-234000" algn="l" defTabSz="457200" rtl="0" eaLnBrk="1" latinLnBrk="0" hangingPunct="1">
+              <a:spcBef>
+                <a:spcPct val="20000"/>
+              </a:spcBef>
+              <a:spcAft>
+                <a:spcPts val="600"/>
+              </a:spcAft>
+              <a:buClr>
+                <a:schemeClr val="accent2"/>
+              </a:buClr>
+              <a:buSzPct val="92000"/>
+              <a:buFont typeface="Wingdings 2" panose="05020102010507070707" pitchFamily="18" charset="2"/>
+              <a:buChar char=""/>
+              <a:defRPr sz="1200" kern="1200">
+                <a:solidFill>
+                  <a:schemeClr val="tx2"/>
+                </a:solidFill>
+                <a:latin typeface="+mn-lt"/>
+                <a:ea typeface="+mn-ea"/>
+                <a:cs typeface="+mn-cs"/>
+              </a:defRPr>
+            </a:lvl4pPr>
+            <a:lvl5pPr marL="1602000" indent="-234000" algn="l" defTabSz="457200" rtl="0" eaLnBrk="1" latinLnBrk="0" hangingPunct="1">
+              <a:spcBef>
+                <a:spcPct val="20000"/>
+              </a:spcBef>
+              <a:spcAft>
+                <a:spcPts val="600"/>
+              </a:spcAft>
+              <a:buClr>
+                <a:schemeClr val="accent2"/>
+              </a:buClr>
+              <a:buSzPct val="92000"/>
+              <a:buFont typeface="Wingdings 2" panose="05020102010507070707" pitchFamily="18" charset="2"/>
+              <a:buChar char=""/>
+              <a:defRPr sz="1200" kern="1200">
+                <a:solidFill>
+                  <a:schemeClr val="tx2"/>
+                </a:solidFill>
+                <a:latin typeface="+mn-lt"/>
+                <a:ea typeface="+mn-ea"/>
+                <a:cs typeface="+mn-cs"/>
+              </a:defRPr>
+            </a:lvl5pPr>
+            <a:lvl6pPr marL="1900000" indent="-228600" algn="l" defTabSz="457200" rtl="0" eaLnBrk="1" latinLnBrk="0" hangingPunct="1">
+              <a:spcBef>
+                <a:spcPct val="20000"/>
+              </a:spcBef>
+              <a:spcAft>
+                <a:spcPts val="600"/>
+              </a:spcAft>
+              <a:buClr>
+                <a:schemeClr val="accent2"/>
+              </a:buClr>
+              <a:buSzPct val="92000"/>
+              <a:buFont typeface="Wingdings 2" panose="05020102010507070707" pitchFamily="18" charset="2"/>
+              <a:buChar char=""/>
+              <a:defRPr sz="1200" kern="1200">
+                <a:solidFill>
+                  <a:schemeClr val="tx2"/>
+                </a:solidFill>
+                <a:latin typeface="+mn-lt"/>
+                <a:ea typeface="+mn-ea"/>
+                <a:cs typeface="+mn-cs"/>
+              </a:defRPr>
+            </a:lvl6pPr>
+            <a:lvl7pPr marL="2200000" indent="-228600" algn="l" defTabSz="457200" rtl="0" eaLnBrk="1" latinLnBrk="0" hangingPunct="1">
+              <a:spcBef>
+                <a:spcPct val="20000"/>
+              </a:spcBef>
+              <a:spcAft>
+                <a:spcPts val="600"/>
+              </a:spcAft>
+              <a:buClr>
+                <a:schemeClr val="accent2"/>
+              </a:buClr>
+              <a:buSzPct val="92000"/>
+              <a:buFont typeface="Wingdings 2" panose="05020102010507070707" pitchFamily="18" charset="2"/>
+              <a:buChar char=""/>
+              <a:defRPr sz="1200" kern="1200">
+                <a:solidFill>
+                  <a:schemeClr val="tx2"/>
+                </a:solidFill>
+                <a:latin typeface="+mn-lt"/>
+                <a:ea typeface="+mn-ea"/>
+                <a:cs typeface="+mn-cs"/>
+              </a:defRPr>
+            </a:lvl7pPr>
+            <a:lvl8pPr marL="2500000" indent="-228600" algn="l" defTabSz="457200" rtl="0" eaLnBrk="1" latinLnBrk="0" hangingPunct="1">
+              <a:spcBef>
+                <a:spcPct val="20000"/>
+              </a:spcBef>
+              <a:spcAft>
+                <a:spcPts val="600"/>
+              </a:spcAft>
+              <a:buClr>
+                <a:schemeClr val="accent2"/>
+              </a:buClr>
+              <a:buSzPct val="92000"/>
+              <a:buFont typeface="Wingdings 2" panose="05020102010507070707" pitchFamily="18" charset="2"/>
+              <a:buChar char=""/>
+              <a:defRPr sz="1200" kern="1200">
+                <a:solidFill>
+                  <a:schemeClr val="tx2"/>
+                </a:solidFill>
+                <a:latin typeface="+mn-lt"/>
+                <a:ea typeface="+mn-ea"/>
+                <a:cs typeface="+mn-cs"/>
+              </a:defRPr>
+            </a:lvl8pPr>
+            <a:lvl9pPr marL="2800000" indent="-228600" algn="l" defTabSz="457200" rtl="0" eaLnBrk="1" latinLnBrk="0" hangingPunct="1">
+              <a:spcBef>
+                <a:spcPct val="20000"/>
+              </a:spcBef>
+              <a:spcAft>
+                <a:spcPts val="600"/>
+              </a:spcAft>
+              <a:buClr>
+                <a:schemeClr val="accent2"/>
+              </a:buClr>
+              <a:buSzPct val="92000"/>
+              <a:buFont typeface="Wingdings 2" panose="05020102010507070707" pitchFamily="18" charset="2"/>
+              <a:buChar char=""/>
+              <a:defRPr sz="1200" kern="1200">
+                <a:solidFill>
+                  <a:schemeClr val="tx2"/>
+                </a:solidFill>
+                <a:latin typeface="+mn-lt"/>
+                <a:ea typeface="+mn-ea"/>
+                <a:cs typeface="+mn-cs"/>
+              </a:defRPr>
+            </a:lvl9pPr>
+          </a:lstStyle>
+          <a:p>
+            <a:pPr marL="0" indent="0">
+              <a:buFont typeface="Wingdings 2" panose="05020102010507070707" pitchFamily="18" charset="2"/>
+              <a:buNone/>
+            </a:pPr>
+            <a:r>
+              <a:rPr lang="en-US" dirty="0"/>
+              <a:t>The Optimal Value Function:</a:t>
+            </a:r>
+          </a:p>
+        </p:txBody>
+      </p:sp>
+      <p:sp>
+        <p:nvSpPr>
+          <p:cNvPr id="6" name="Content Placeholder 2">
+            <a:extLst>
+              <a:ext uri="{FF2B5EF4-FFF2-40B4-BE49-F238E27FC236}">
+                <a16:creationId xmlns:a16="http://schemas.microsoft.com/office/drawing/2014/main" id="{1007E4DB-218A-4E00-AFC5-F724752E4400}"/>
+              </a:ext>
+            </a:extLst>
+          </p:cNvPr>
+          <p:cNvSpPr>
+            <a:spLocks noGrp="1"/>
+          </p:cNvSpPr>
+          <p:nvPr>
+            <p:ph idx="1"/>
+          </p:nvPr>
+        </p:nvSpPr>
+        <p:spPr>
+          <a:xfrm>
+            <a:off x="5477042" y="2305019"/>
+            <a:ext cx="5058013" cy="641362"/>
+          </a:xfrm>
+        </p:spPr>
+        <p:txBody>
+          <a:bodyPr anchor="t"/>
+          <a:lstStyle/>
+          <a:p>
+            <a:r>
+              <a:rPr lang="en-US" dirty="0"/>
+              <a:t>An optimal policy can be created from the optimal value function</a:t>
+            </a:r>
+          </a:p>
+        </p:txBody>
+      </p:sp>
+      <p:grpSp>
+        <p:nvGrpSpPr>
+          <p:cNvPr id="7" name="Group 6">
+            <a:extLst>
+              <a:ext uri="{FF2B5EF4-FFF2-40B4-BE49-F238E27FC236}">
+                <a16:creationId xmlns:a16="http://schemas.microsoft.com/office/drawing/2014/main" id="{E4A2D465-D19A-467E-B801-66AE6D389652}"/>
+              </a:ext>
+            </a:extLst>
+          </p:cNvPr>
+          <p:cNvGrpSpPr/>
+          <p:nvPr/>
+        </p:nvGrpSpPr>
+        <p:grpSpPr>
+          <a:xfrm>
+            <a:off x="5477042" y="3113017"/>
+            <a:ext cx="4738060" cy="3235324"/>
+            <a:chOff x="4019550" y="3165475"/>
+            <a:chExt cx="2749550" cy="1911350"/>
+          </a:xfrm>
+        </p:grpSpPr>
+        <p:graphicFrame>
+          <p:nvGraphicFramePr>
+            <p:cNvPr id="8" name="Object 7">
+              <a:extLst>
+                <a:ext uri="{FF2B5EF4-FFF2-40B4-BE49-F238E27FC236}">
+                  <a16:creationId xmlns:a16="http://schemas.microsoft.com/office/drawing/2014/main" id="{2A01E366-2E95-41F8-9763-997257219256}"/>
+                </a:ext>
+              </a:extLst>
+            </p:cNvPr>
+            <p:cNvGraphicFramePr>
+              <a:graphicFrameLocks noChangeAspect="1"/>
+            </p:cNvGraphicFramePr>
+            <p:nvPr/>
+          </p:nvGraphicFramePr>
+          <p:xfrm>
+            <a:off x="4019550" y="3165475"/>
+            <a:ext cx="2749550" cy="1911350"/>
+          </p:xfrm>
+          <a:graphic>
+            <a:graphicData uri="http://schemas.openxmlformats.org/presentationml/2006/ole">
+              <mc:AlternateContent xmlns:mc="http://schemas.openxmlformats.org/markup-compatibility/2006">
+                <mc:Choice xmlns:v="urn:schemas-microsoft-com:vml" Requires="v">
+                  <p:oleObj spid="_x0000_s22688" name="Worksheet" r:id="rId5" imgW="2749680" imgH="1911583" progId="Excel.Sheet.12">
+                    <p:embed/>
+                  </p:oleObj>
+                </mc:Choice>
+                <mc:Fallback>
+                  <p:oleObj name="Worksheet" r:id="rId5" imgW="2749680" imgH="1911583" progId="Excel.Sheet.12">
+                    <p:embed/>
+                    <p:pic>
+                      <p:nvPicPr>
+                        <p:cNvPr id="6" name="Object 5">
+                          <a:extLst>
+                            <a:ext uri="{FF2B5EF4-FFF2-40B4-BE49-F238E27FC236}">
+                              <a16:creationId xmlns:a16="http://schemas.microsoft.com/office/drawing/2014/main" id="{DC98B481-9318-4ED1-9B2E-B03AB07F0C92}"/>
+                            </a:ext>
+                          </a:extLst>
+                        </p:cNvPr>
+                        <p:cNvPicPr/>
+                        <p:nvPr/>
+                      </p:nvPicPr>
+                      <p:blipFill>
+                        <a:blip r:embed="rId6"/>
+                        <a:stretch>
+                          <a:fillRect/>
+                        </a:stretch>
+                      </p:blipFill>
+                      <p:spPr>
+                        <a:xfrm>
+                          <a:off x="4019550" y="3165475"/>
+                          <a:ext cx="2749550" cy="1911350"/>
+                        </a:xfrm>
+                        <a:prstGeom prst="rect">
+                          <a:avLst/>
+                        </a:prstGeom>
+                      </p:spPr>
+                    </p:pic>
+                  </p:oleObj>
+                </mc:Fallback>
+              </mc:AlternateContent>
+            </a:graphicData>
+          </a:graphic>
+        </p:graphicFrame>
+        <p:sp>
+          <p:nvSpPr>
+            <p:cNvPr id="9" name="Arrow: Down 5">
+              <a:extLst>
+                <a:ext uri="{FF2B5EF4-FFF2-40B4-BE49-F238E27FC236}">
+                  <a16:creationId xmlns:a16="http://schemas.microsoft.com/office/drawing/2014/main" id="{7862CD87-ADB6-477C-B73A-11825120BA8C}"/>
+                </a:ext>
+              </a:extLst>
+            </p:cNvPr>
+            <p:cNvSpPr/>
+            <p:nvPr/>
+          </p:nvSpPr>
+          <p:spPr>
+            <a:xfrm flipV="1">
+              <a:off x="4379232" y="4651829"/>
+              <a:ext cx="184150" cy="215900"/>
+            </a:xfrm>
+            <a:prstGeom prst="downArrow">
+              <a:avLst/>
+            </a:prstGeom>
+          </p:spPr>
+          <p:style>
+            <a:lnRef idx="2">
+              <a:schemeClr val="dk1">
+                <a:shade val="50000"/>
+              </a:schemeClr>
+            </a:lnRef>
+            <a:fillRef idx="1">
+              <a:schemeClr val="dk1"/>
+            </a:fillRef>
+            <a:effectRef idx="0">
+              <a:schemeClr val="dk1"/>
+            </a:effectRef>
+            <a:fontRef idx="minor">
+              <a:schemeClr val="lt1"/>
+            </a:fontRef>
+          </p:style>
+          <p:txBody>
+            <a:bodyPr rot="0" spcFirstLastPara="0" vert="horz" wrap="square" lIns="91440" tIns="45720" rIns="91440" bIns="45720" numCol="1" spcCol="0" rtlCol="0" fromWordArt="0" anchor="t" anchorCtr="0" forceAA="0" compatLnSpc="1">
+              <a:prstTxWarp prst="textNoShape">
+                <a:avLst/>
+              </a:prstTxWarp>
+              <a:noAutofit/>
+            </a:bodyPr>
+            <a:lstStyle>
+              <a:lvl1pPr marL="0" indent="0">
+                <a:defRPr sz="1100">
+                  <a:solidFill>
+                    <a:schemeClr val="lt1"/>
+                  </a:solidFill>
+                  <a:latin typeface="+mn-lt"/>
+                  <a:ea typeface="+mn-ea"/>
+                  <a:cs typeface="+mn-cs"/>
+                </a:defRPr>
+              </a:lvl1pPr>
+              <a:lvl2pPr marL="457200" indent="0">
+                <a:defRPr sz="1100">
+                  <a:solidFill>
+                    <a:schemeClr val="lt1"/>
+                  </a:solidFill>
+                  <a:latin typeface="+mn-lt"/>
+                  <a:ea typeface="+mn-ea"/>
+                  <a:cs typeface="+mn-cs"/>
+                </a:defRPr>
+              </a:lvl2pPr>
+              <a:lvl3pPr marL="914400" indent="0">
+                <a:defRPr sz="1100">
+                  <a:solidFill>
+                    <a:schemeClr val="lt1"/>
+                  </a:solidFill>
+                  <a:latin typeface="+mn-lt"/>
+                  <a:ea typeface="+mn-ea"/>
+                  <a:cs typeface="+mn-cs"/>
+                </a:defRPr>
+              </a:lvl3pPr>
+              <a:lvl4pPr marL="1371600" indent="0">
+                <a:defRPr sz="1100">
+                  <a:solidFill>
+                    <a:schemeClr val="lt1"/>
+                  </a:solidFill>
+                  <a:latin typeface="+mn-lt"/>
+                  <a:ea typeface="+mn-ea"/>
+                  <a:cs typeface="+mn-cs"/>
+                </a:defRPr>
+              </a:lvl4pPr>
+              <a:lvl5pPr marL="1828800" indent="0">
+                <a:defRPr sz="1100">
+                  <a:solidFill>
+                    <a:schemeClr val="lt1"/>
+                  </a:solidFill>
+                  <a:latin typeface="+mn-lt"/>
+                  <a:ea typeface="+mn-ea"/>
+                  <a:cs typeface="+mn-cs"/>
+                </a:defRPr>
+              </a:lvl5pPr>
+              <a:lvl6pPr marL="2286000" indent="0">
+                <a:defRPr sz="1100">
+                  <a:solidFill>
+                    <a:schemeClr val="lt1"/>
+                  </a:solidFill>
+                  <a:latin typeface="+mn-lt"/>
+                  <a:ea typeface="+mn-ea"/>
+                  <a:cs typeface="+mn-cs"/>
+                </a:defRPr>
+              </a:lvl6pPr>
+              <a:lvl7pPr marL="2743200" indent="0">
+                <a:defRPr sz="1100">
+                  <a:solidFill>
+                    <a:schemeClr val="lt1"/>
+                  </a:solidFill>
+                  <a:latin typeface="+mn-lt"/>
+                  <a:ea typeface="+mn-ea"/>
+                  <a:cs typeface="+mn-cs"/>
+                </a:defRPr>
+              </a:lvl7pPr>
+              <a:lvl8pPr marL="3200400" indent="0">
+                <a:defRPr sz="1100">
+                  <a:solidFill>
+                    <a:schemeClr val="lt1"/>
+                  </a:solidFill>
+                  <a:latin typeface="+mn-lt"/>
+                  <a:ea typeface="+mn-ea"/>
+                  <a:cs typeface="+mn-cs"/>
+                </a:defRPr>
+              </a:lvl8pPr>
+              <a:lvl9pPr marL="3657600" indent="0">
+                <a:defRPr sz="1100">
+                  <a:solidFill>
+                    <a:schemeClr val="lt1"/>
+                  </a:solidFill>
+                  <a:latin typeface="+mn-lt"/>
+                  <a:ea typeface="+mn-ea"/>
+                  <a:cs typeface="+mn-cs"/>
+                </a:defRPr>
+              </a:lvl9pPr>
+            </a:lstStyle>
+            <a:p>
+              <a:pPr algn="l"/>
+              <a:endParaRPr lang="en-US" sz="1100"/>
+            </a:p>
+          </p:txBody>
+        </p:sp>
+        <p:sp>
+          <p:nvSpPr>
+            <p:cNvPr id="10" name="Arrow: Down 6">
+              <a:extLst>
+                <a:ext uri="{FF2B5EF4-FFF2-40B4-BE49-F238E27FC236}">
+                  <a16:creationId xmlns:a16="http://schemas.microsoft.com/office/drawing/2014/main" id="{F5ECB368-BFD5-45ED-99FB-28EC94AC3193}"/>
+                </a:ext>
+              </a:extLst>
+            </p:cNvPr>
+            <p:cNvSpPr/>
+            <p:nvPr/>
+          </p:nvSpPr>
+          <p:spPr>
+            <a:xfrm flipV="1">
+              <a:off x="4379232" y="4013427"/>
+              <a:ext cx="184150" cy="215900"/>
+            </a:xfrm>
+            <a:prstGeom prst="downArrow">
+              <a:avLst/>
+            </a:prstGeom>
+          </p:spPr>
+          <p:style>
+            <a:lnRef idx="2">
+              <a:schemeClr val="dk1">
+                <a:shade val="50000"/>
+              </a:schemeClr>
+            </a:lnRef>
+            <a:fillRef idx="1">
+              <a:schemeClr val="dk1"/>
+            </a:fillRef>
+            <a:effectRef idx="0">
+              <a:schemeClr val="dk1"/>
+            </a:effectRef>
+            <a:fontRef idx="minor">
+              <a:schemeClr val="lt1"/>
+            </a:fontRef>
+          </p:style>
+          <p:txBody>
+            <a:bodyPr rot="0" spcFirstLastPara="0" vert="horz" wrap="square" lIns="91440" tIns="45720" rIns="91440" bIns="45720" numCol="1" spcCol="0" rtlCol="0" fromWordArt="0" anchor="t" anchorCtr="0" forceAA="0" compatLnSpc="1">
+              <a:prstTxWarp prst="textNoShape">
+                <a:avLst/>
+              </a:prstTxWarp>
+              <a:noAutofit/>
+            </a:bodyPr>
+            <a:lstStyle>
+              <a:lvl1pPr marL="0" indent="0">
+                <a:defRPr sz="1100">
+                  <a:solidFill>
+                    <a:schemeClr val="lt1"/>
+                  </a:solidFill>
+                  <a:latin typeface="+mn-lt"/>
+                  <a:ea typeface="+mn-ea"/>
+                  <a:cs typeface="+mn-cs"/>
+                </a:defRPr>
+              </a:lvl1pPr>
+              <a:lvl2pPr marL="457200" indent="0">
+                <a:defRPr sz="1100">
+                  <a:solidFill>
+                    <a:schemeClr val="lt1"/>
+                  </a:solidFill>
+                  <a:latin typeface="+mn-lt"/>
+                  <a:ea typeface="+mn-ea"/>
+                  <a:cs typeface="+mn-cs"/>
+                </a:defRPr>
+              </a:lvl2pPr>
+              <a:lvl3pPr marL="914400" indent="0">
+                <a:defRPr sz="1100">
+                  <a:solidFill>
+                    <a:schemeClr val="lt1"/>
+                  </a:solidFill>
+                  <a:latin typeface="+mn-lt"/>
+                  <a:ea typeface="+mn-ea"/>
+                  <a:cs typeface="+mn-cs"/>
+                </a:defRPr>
+              </a:lvl3pPr>
+              <a:lvl4pPr marL="1371600" indent="0">
+                <a:defRPr sz="1100">
+                  <a:solidFill>
+                    <a:schemeClr val="lt1"/>
+                  </a:solidFill>
+                  <a:latin typeface="+mn-lt"/>
+                  <a:ea typeface="+mn-ea"/>
+                  <a:cs typeface="+mn-cs"/>
+                </a:defRPr>
+              </a:lvl4pPr>
+              <a:lvl5pPr marL="1828800" indent="0">
+                <a:defRPr sz="1100">
+                  <a:solidFill>
+                    <a:schemeClr val="lt1"/>
+                  </a:solidFill>
+                  <a:latin typeface="+mn-lt"/>
+                  <a:ea typeface="+mn-ea"/>
+                  <a:cs typeface="+mn-cs"/>
+                </a:defRPr>
+              </a:lvl5pPr>
+              <a:lvl6pPr marL="2286000" indent="0">
+                <a:defRPr sz="1100">
+                  <a:solidFill>
+                    <a:schemeClr val="lt1"/>
+                  </a:solidFill>
+                  <a:latin typeface="+mn-lt"/>
+                  <a:ea typeface="+mn-ea"/>
+                  <a:cs typeface="+mn-cs"/>
+                </a:defRPr>
+              </a:lvl6pPr>
+              <a:lvl7pPr marL="2743200" indent="0">
+                <a:defRPr sz="1100">
+                  <a:solidFill>
+                    <a:schemeClr val="lt1"/>
+                  </a:solidFill>
+                  <a:latin typeface="+mn-lt"/>
+                  <a:ea typeface="+mn-ea"/>
+                  <a:cs typeface="+mn-cs"/>
+                </a:defRPr>
+              </a:lvl7pPr>
+              <a:lvl8pPr marL="3200400" indent="0">
+                <a:defRPr sz="1100">
+                  <a:solidFill>
+                    <a:schemeClr val="lt1"/>
+                  </a:solidFill>
+                  <a:latin typeface="+mn-lt"/>
+                  <a:ea typeface="+mn-ea"/>
+                  <a:cs typeface="+mn-cs"/>
+                </a:defRPr>
+              </a:lvl8pPr>
+              <a:lvl9pPr marL="3657600" indent="0">
+                <a:defRPr sz="1100">
+                  <a:solidFill>
+                    <a:schemeClr val="lt1"/>
+                  </a:solidFill>
+                  <a:latin typeface="+mn-lt"/>
+                  <a:ea typeface="+mn-ea"/>
+                  <a:cs typeface="+mn-cs"/>
+                </a:defRPr>
+              </a:lvl9pPr>
+            </a:lstStyle>
+            <a:p>
+              <a:pPr algn="l"/>
+              <a:endParaRPr lang="en-US" sz="1100"/>
+            </a:p>
+          </p:txBody>
+        </p:sp>
+        <p:sp>
+          <p:nvSpPr>
+            <p:cNvPr id="11" name="Arrow: Down 7">
+              <a:extLst>
+                <a:ext uri="{FF2B5EF4-FFF2-40B4-BE49-F238E27FC236}">
+                  <a16:creationId xmlns:a16="http://schemas.microsoft.com/office/drawing/2014/main" id="{B9B9ADAA-9A9E-4E77-9874-D95D093F8344}"/>
+                </a:ext>
+              </a:extLst>
+            </p:cNvPr>
+            <p:cNvSpPr/>
+            <p:nvPr/>
+          </p:nvSpPr>
+          <p:spPr>
+            <a:xfrm flipV="1">
+              <a:off x="5301797" y="4013427"/>
+              <a:ext cx="184150" cy="215900"/>
+            </a:xfrm>
+            <a:prstGeom prst="downArrow">
+              <a:avLst/>
+            </a:prstGeom>
+          </p:spPr>
+          <p:style>
+            <a:lnRef idx="2">
+              <a:schemeClr val="dk1">
+                <a:shade val="50000"/>
+              </a:schemeClr>
+            </a:lnRef>
+            <a:fillRef idx="1">
+              <a:schemeClr val="dk1"/>
+            </a:fillRef>
+            <a:effectRef idx="0">
+              <a:schemeClr val="dk1"/>
+            </a:effectRef>
+            <a:fontRef idx="minor">
+              <a:schemeClr val="lt1"/>
+            </a:fontRef>
+          </p:style>
+          <p:txBody>
+            <a:bodyPr rot="0" spcFirstLastPara="0" vert="horz" wrap="square" lIns="91440" tIns="45720" rIns="91440" bIns="45720" numCol="1" spcCol="0" rtlCol="0" fromWordArt="0" anchor="t" anchorCtr="0" forceAA="0" compatLnSpc="1">
+              <a:prstTxWarp prst="textNoShape">
+                <a:avLst/>
+              </a:prstTxWarp>
+              <a:noAutofit/>
+            </a:bodyPr>
+            <a:lstStyle>
+              <a:lvl1pPr marL="0" indent="0">
+                <a:defRPr sz="1100">
+                  <a:solidFill>
+                    <a:schemeClr val="lt1"/>
+                  </a:solidFill>
+                  <a:latin typeface="+mn-lt"/>
+                  <a:ea typeface="+mn-ea"/>
+                  <a:cs typeface="+mn-cs"/>
+                </a:defRPr>
+              </a:lvl1pPr>
+              <a:lvl2pPr marL="457200" indent="0">
+                <a:defRPr sz="1100">
+                  <a:solidFill>
+                    <a:schemeClr val="lt1"/>
+                  </a:solidFill>
+                  <a:latin typeface="+mn-lt"/>
+                  <a:ea typeface="+mn-ea"/>
+                  <a:cs typeface="+mn-cs"/>
+                </a:defRPr>
+              </a:lvl2pPr>
+              <a:lvl3pPr marL="914400" indent="0">
+                <a:defRPr sz="1100">
+                  <a:solidFill>
+                    <a:schemeClr val="lt1"/>
+                  </a:solidFill>
+                  <a:latin typeface="+mn-lt"/>
+                  <a:ea typeface="+mn-ea"/>
+                  <a:cs typeface="+mn-cs"/>
+                </a:defRPr>
+              </a:lvl3pPr>
+              <a:lvl4pPr marL="1371600" indent="0">
+                <a:defRPr sz="1100">
+                  <a:solidFill>
+                    <a:schemeClr val="lt1"/>
+                  </a:solidFill>
+                  <a:latin typeface="+mn-lt"/>
+                  <a:ea typeface="+mn-ea"/>
+                  <a:cs typeface="+mn-cs"/>
+                </a:defRPr>
+              </a:lvl4pPr>
+              <a:lvl5pPr marL="1828800" indent="0">
+                <a:defRPr sz="1100">
+                  <a:solidFill>
+                    <a:schemeClr val="lt1"/>
+                  </a:solidFill>
+                  <a:latin typeface="+mn-lt"/>
+                  <a:ea typeface="+mn-ea"/>
+                  <a:cs typeface="+mn-cs"/>
+                </a:defRPr>
+              </a:lvl5pPr>
+              <a:lvl6pPr marL="2286000" indent="0">
+                <a:defRPr sz="1100">
+                  <a:solidFill>
+                    <a:schemeClr val="lt1"/>
+                  </a:solidFill>
+                  <a:latin typeface="+mn-lt"/>
+                  <a:ea typeface="+mn-ea"/>
+                  <a:cs typeface="+mn-cs"/>
+                </a:defRPr>
+              </a:lvl6pPr>
+              <a:lvl7pPr marL="2743200" indent="0">
+                <a:defRPr sz="1100">
+                  <a:solidFill>
+                    <a:schemeClr val="lt1"/>
+                  </a:solidFill>
+                  <a:latin typeface="+mn-lt"/>
+                  <a:ea typeface="+mn-ea"/>
+                  <a:cs typeface="+mn-cs"/>
+                </a:defRPr>
+              </a:lvl7pPr>
+              <a:lvl8pPr marL="3200400" indent="0">
+                <a:defRPr sz="1100">
+                  <a:solidFill>
+                    <a:schemeClr val="lt1"/>
+                  </a:solidFill>
+                  <a:latin typeface="+mn-lt"/>
+                  <a:ea typeface="+mn-ea"/>
+                  <a:cs typeface="+mn-cs"/>
+                </a:defRPr>
+              </a:lvl8pPr>
+              <a:lvl9pPr marL="3657600" indent="0">
+                <a:defRPr sz="1100">
+                  <a:solidFill>
+                    <a:schemeClr val="lt1"/>
+                  </a:solidFill>
+                  <a:latin typeface="+mn-lt"/>
+                  <a:ea typeface="+mn-ea"/>
+                  <a:cs typeface="+mn-cs"/>
+                </a:defRPr>
+              </a:lvl9pPr>
+            </a:lstStyle>
+            <a:p>
+              <a:pPr algn="l"/>
+              <a:endParaRPr lang="en-US" sz="1100"/>
+            </a:p>
+          </p:txBody>
+        </p:sp>
+        <p:sp>
+          <p:nvSpPr>
+            <p:cNvPr id="12" name="Arrow: Down 11">
+              <a:extLst>
+                <a:ext uri="{FF2B5EF4-FFF2-40B4-BE49-F238E27FC236}">
+                  <a16:creationId xmlns:a16="http://schemas.microsoft.com/office/drawing/2014/main" id="{279121E2-EF6B-4CDE-B764-37DB6E2D4DEC}"/>
+                </a:ext>
+              </a:extLst>
+            </p:cNvPr>
+            <p:cNvSpPr/>
+            <p:nvPr/>
+          </p:nvSpPr>
+          <p:spPr>
+            <a:xfrm flipV="1">
+              <a:off x="5301797" y="4651829"/>
+              <a:ext cx="184150" cy="215900"/>
+            </a:xfrm>
+            <a:prstGeom prst="downArrow">
+              <a:avLst/>
+            </a:prstGeom>
+          </p:spPr>
+          <p:style>
+            <a:lnRef idx="2">
+              <a:schemeClr val="dk1">
+                <a:shade val="50000"/>
+              </a:schemeClr>
+            </a:lnRef>
+            <a:fillRef idx="1">
+              <a:schemeClr val="dk1"/>
+            </a:fillRef>
+            <a:effectRef idx="0">
+              <a:schemeClr val="dk1"/>
+            </a:effectRef>
+            <a:fontRef idx="minor">
+              <a:schemeClr val="lt1"/>
+            </a:fontRef>
+          </p:style>
+          <p:txBody>
+            <a:bodyPr rot="0" spcFirstLastPara="0" vert="horz" wrap="square" lIns="91440" tIns="45720" rIns="91440" bIns="45720" numCol="1" spcCol="0" rtlCol="0" fromWordArt="0" anchor="t" anchorCtr="0" forceAA="0" compatLnSpc="1">
+              <a:prstTxWarp prst="textNoShape">
+                <a:avLst/>
+              </a:prstTxWarp>
+              <a:noAutofit/>
+            </a:bodyPr>
+            <a:lstStyle>
+              <a:lvl1pPr marL="0" indent="0">
+                <a:defRPr sz="1100">
+                  <a:solidFill>
+                    <a:schemeClr val="lt1"/>
+                  </a:solidFill>
+                  <a:latin typeface="+mn-lt"/>
+                  <a:ea typeface="+mn-ea"/>
+                  <a:cs typeface="+mn-cs"/>
+                </a:defRPr>
+              </a:lvl1pPr>
+              <a:lvl2pPr marL="457200" indent="0">
+                <a:defRPr sz="1100">
+                  <a:solidFill>
+                    <a:schemeClr val="lt1"/>
+                  </a:solidFill>
+                  <a:latin typeface="+mn-lt"/>
+                  <a:ea typeface="+mn-ea"/>
+                  <a:cs typeface="+mn-cs"/>
+                </a:defRPr>
+              </a:lvl2pPr>
+              <a:lvl3pPr marL="914400" indent="0">
+                <a:defRPr sz="1100">
+                  <a:solidFill>
+                    <a:schemeClr val="lt1"/>
+                  </a:solidFill>
+                  <a:latin typeface="+mn-lt"/>
+                  <a:ea typeface="+mn-ea"/>
+                  <a:cs typeface="+mn-cs"/>
+                </a:defRPr>
+              </a:lvl3pPr>
+              <a:lvl4pPr marL="1371600" indent="0">
+                <a:defRPr sz="1100">
+                  <a:solidFill>
+                    <a:schemeClr val="lt1"/>
+                  </a:solidFill>
+                  <a:latin typeface="+mn-lt"/>
+                  <a:ea typeface="+mn-ea"/>
+                  <a:cs typeface="+mn-cs"/>
+                </a:defRPr>
+              </a:lvl4pPr>
+              <a:lvl5pPr marL="1828800" indent="0">
+                <a:defRPr sz="1100">
+                  <a:solidFill>
+                    <a:schemeClr val="lt1"/>
+                  </a:solidFill>
+                  <a:latin typeface="+mn-lt"/>
+                  <a:ea typeface="+mn-ea"/>
+                  <a:cs typeface="+mn-cs"/>
+                </a:defRPr>
+              </a:lvl5pPr>
+              <a:lvl6pPr marL="2286000" indent="0">
+                <a:defRPr sz="1100">
+                  <a:solidFill>
+                    <a:schemeClr val="lt1"/>
+                  </a:solidFill>
+                  <a:latin typeface="+mn-lt"/>
+                  <a:ea typeface="+mn-ea"/>
+                  <a:cs typeface="+mn-cs"/>
+                </a:defRPr>
+              </a:lvl6pPr>
+              <a:lvl7pPr marL="2743200" indent="0">
+                <a:defRPr sz="1100">
+                  <a:solidFill>
+                    <a:schemeClr val="lt1"/>
+                  </a:solidFill>
+                  <a:latin typeface="+mn-lt"/>
+                  <a:ea typeface="+mn-ea"/>
+                  <a:cs typeface="+mn-cs"/>
+                </a:defRPr>
+              </a:lvl7pPr>
+              <a:lvl8pPr marL="3200400" indent="0">
+                <a:defRPr sz="1100">
+                  <a:solidFill>
+                    <a:schemeClr val="lt1"/>
+                  </a:solidFill>
+                  <a:latin typeface="+mn-lt"/>
+                  <a:ea typeface="+mn-ea"/>
+                  <a:cs typeface="+mn-cs"/>
+                </a:defRPr>
+              </a:lvl8pPr>
+              <a:lvl9pPr marL="3657600" indent="0">
+                <a:defRPr sz="1100">
+                  <a:solidFill>
+                    <a:schemeClr val="lt1"/>
+                  </a:solidFill>
+                  <a:latin typeface="+mn-lt"/>
+                  <a:ea typeface="+mn-ea"/>
+                  <a:cs typeface="+mn-cs"/>
+                </a:defRPr>
+              </a:lvl9pPr>
+            </a:lstStyle>
+            <a:p>
+              <a:pPr algn="l"/>
+              <a:endParaRPr lang="en-US" sz="1100"/>
+            </a:p>
+          </p:txBody>
+        </p:sp>
+        <p:sp>
+          <p:nvSpPr>
+            <p:cNvPr id="13" name="Arrow: Down 12">
+              <a:extLst>
+                <a:ext uri="{FF2B5EF4-FFF2-40B4-BE49-F238E27FC236}">
+                  <a16:creationId xmlns:a16="http://schemas.microsoft.com/office/drawing/2014/main" id="{12EFEC0D-C0E0-489C-8B8E-A494AF8738BD}"/>
+                </a:ext>
+              </a:extLst>
+            </p:cNvPr>
+            <p:cNvSpPr/>
+            <p:nvPr/>
+          </p:nvSpPr>
+          <p:spPr>
+            <a:xfrm flipV="1">
+              <a:off x="6195787" y="4651829"/>
+              <a:ext cx="184150" cy="215900"/>
+            </a:xfrm>
+            <a:prstGeom prst="downArrow">
+              <a:avLst/>
+            </a:prstGeom>
+          </p:spPr>
+          <p:style>
+            <a:lnRef idx="2">
+              <a:schemeClr val="dk1">
+                <a:shade val="50000"/>
+              </a:schemeClr>
+            </a:lnRef>
+            <a:fillRef idx="1">
+              <a:schemeClr val="dk1"/>
+            </a:fillRef>
+            <a:effectRef idx="0">
+              <a:schemeClr val="dk1"/>
+            </a:effectRef>
+            <a:fontRef idx="minor">
+              <a:schemeClr val="lt1"/>
+            </a:fontRef>
+          </p:style>
+          <p:txBody>
+            <a:bodyPr rot="0" spcFirstLastPara="0" vert="horz" wrap="square" lIns="91440" tIns="45720" rIns="91440" bIns="45720" numCol="1" spcCol="0" rtlCol="0" fromWordArt="0" anchor="t" anchorCtr="0" forceAA="0" compatLnSpc="1">
+              <a:prstTxWarp prst="textNoShape">
+                <a:avLst/>
+              </a:prstTxWarp>
+              <a:noAutofit/>
+            </a:bodyPr>
+            <a:lstStyle>
+              <a:lvl1pPr marL="0" indent="0">
+                <a:defRPr sz="1100">
+                  <a:solidFill>
+                    <a:schemeClr val="lt1"/>
+                  </a:solidFill>
+                  <a:latin typeface="+mn-lt"/>
+                  <a:ea typeface="+mn-ea"/>
+                  <a:cs typeface="+mn-cs"/>
+                </a:defRPr>
+              </a:lvl1pPr>
+              <a:lvl2pPr marL="457200" indent="0">
+                <a:defRPr sz="1100">
+                  <a:solidFill>
+                    <a:schemeClr val="lt1"/>
+                  </a:solidFill>
+                  <a:latin typeface="+mn-lt"/>
+                  <a:ea typeface="+mn-ea"/>
+                  <a:cs typeface="+mn-cs"/>
+                </a:defRPr>
+              </a:lvl2pPr>
+              <a:lvl3pPr marL="914400" indent="0">
+                <a:defRPr sz="1100">
+                  <a:solidFill>
+                    <a:schemeClr val="lt1"/>
+                  </a:solidFill>
+                  <a:latin typeface="+mn-lt"/>
+                  <a:ea typeface="+mn-ea"/>
+                  <a:cs typeface="+mn-cs"/>
+                </a:defRPr>
+              </a:lvl3pPr>
+              <a:lvl4pPr marL="1371600" indent="0">
+                <a:defRPr sz="1100">
+                  <a:solidFill>
+                    <a:schemeClr val="lt1"/>
+                  </a:solidFill>
+                  <a:latin typeface="+mn-lt"/>
+                  <a:ea typeface="+mn-ea"/>
+                  <a:cs typeface="+mn-cs"/>
+                </a:defRPr>
+              </a:lvl4pPr>
+              <a:lvl5pPr marL="1828800" indent="0">
+                <a:defRPr sz="1100">
+                  <a:solidFill>
+                    <a:schemeClr val="lt1"/>
+                  </a:solidFill>
+                  <a:latin typeface="+mn-lt"/>
+                  <a:ea typeface="+mn-ea"/>
+                  <a:cs typeface="+mn-cs"/>
+                </a:defRPr>
+              </a:lvl5pPr>
+              <a:lvl6pPr marL="2286000" indent="0">
+                <a:defRPr sz="1100">
+                  <a:solidFill>
+                    <a:schemeClr val="lt1"/>
+                  </a:solidFill>
+                  <a:latin typeface="+mn-lt"/>
+                  <a:ea typeface="+mn-ea"/>
+                  <a:cs typeface="+mn-cs"/>
+                </a:defRPr>
+              </a:lvl6pPr>
+              <a:lvl7pPr marL="2743200" indent="0">
+                <a:defRPr sz="1100">
+                  <a:solidFill>
+                    <a:schemeClr val="lt1"/>
+                  </a:solidFill>
+                  <a:latin typeface="+mn-lt"/>
+                  <a:ea typeface="+mn-ea"/>
+                  <a:cs typeface="+mn-cs"/>
+                </a:defRPr>
+              </a:lvl7pPr>
+              <a:lvl8pPr marL="3200400" indent="0">
+                <a:defRPr sz="1100">
+                  <a:solidFill>
+                    <a:schemeClr val="lt1"/>
+                  </a:solidFill>
+                  <a:latin typeface="+mn-lt"/>
+                  <a:ea typeface="+mn-ea"/>
+                  <a:cs typeface="+mn-cs"/>
+                </a:defRPr>
+              </a:lvl8pPr>
+              <a:lvl9pPr marL="3657600" indent="0">
+                <a:defRPr sz="1100">
+                  <a:solidFill>
+                    <a:schemeClr val="lt1"/>
+                  </a:solidFill>
+                  <a:latin typeface="+mn-lt"/>
+                  <a:ea typeface="+mn-ea"/>
+                  <a:cs typeface="+mn-cs"/>
+                </a:defRPr>
+              </a:lvl9pPr>
+            </a:lstStyle>
+            <a:p>
+              <a:pPr algn="l"/>
+              <a:endParaRPr lang="en-US" sz="1100"/>
+            </a:p>
+          </p:txBody>
+        </p:sp>
+        <p:sp>
+          <p:nvSpPr>
+            <p:cNvPr id="14" name="Arrow: Down 13">
+              <a:extLst>
+                <a:ext uri="{FF2B5EF4-FFF2-40B4-BE49-F238E27FC236}">
+                  <a16:creationId xmlns:a16="http://schemas.microsoft.com/office/drawing/2014/main" id="{AB069AEA-A386-498C-A1D7-F979F1D34171}"/>
+                </a:ext>
+              </a:extLst>
+            </p:cNvPr>
+            <p:cNvSpPr/>
+            <p:nvPr/>
+          </p:nvSpPr>
+          <p:spPr>
+            <a:xfrm flipV="1">
+              <a:off x="6195787" y="4013427"/>
+              <a:ext cx="184150" cy="215900"/>
+            </a:xfrm>
+            <a:prstGeom prst="downArrow">
+              <a:avLst/>
+            </a:prstGeom>
+          </p:spPr>
+          <p:style>
+            <a:lnRef idx="2">
+              <a:schemeClr val="dk1">
+                <a:shade val="50000"/>
+              </a:schemeClr>
+            </a:lnRef>
+            <a:fillRef idx="1">
+              <a:schemeClr val="dk1"/>
+            </a:fillRef>
+            <a:effectRef idx="0">
+              <a:schemeClr val="dk1"/>
+            </a:effectRef>
+            <a:fontRef idx="minor">
+              <a:schemeClr val="lt1"/>
+            </a:fontRef>
+          </p:style>
+          <p:txBody>
+            <a:bodyPr rot="0" spcFirstLastPara="0" vert="horz" wrap="square" lIns="91440" tIns="45720" rIns="91440" bIns="45720" numCol="1" spcCol="0" rtlCol="0" fromWordArt="0" anchor="t" anchorCtr="0" forceAA="0" compatLnSpc="1">
+              <a:prstTxWarp prst="textNoShape">
+                <a:avLst/>
+              </a:prstTxWarp>
+              <a:noAutofit/>
+            </a:bodyPr>
+            <a:lstStyle>
+              <a:lvl1pPr marL="0" indent="0">
+                <a:defRPr sz="1100">
+                  <a:solidFill>
+                    <a:schemeClr val="lt1"/>
+                  </a:solidFill>
+                  <a:latin typeface="+mn-lt"/>
+                  <a:ea typeface="+mn-ea"/>
+                  <a:cs typeface="+mn-cs"/>
+                </a:defRPr>
+              </a:lvl1pPr>
+              <a:lvl2pPr marL="457200" indent="0">
+                <a:defRPr sz="1100">
+                  <a:solidFill>
+                    <a:schemeClr val="lt1"/>
+                  </a:solidFill>
+                  <a:latin typeface="+mn-lt"/>
+                  <a:ea typeface="+mn-ea"/>
+                  <a:cs typeface="+mn-cs"/>
+                </a:defRPr>
+              </a:lvl2pPr>
+              <a:lvl3pPr marL="914400" indent="0">
+                <a:defRPr sz="1100">
+                  <a:solidFill>
+                    <a:schemeClr val="lt1"/>
+                  </a:solidFill>
+                  <a:latin typeface="+mn-lt"/>
+                  <a:ea typeface="+mn-ea"/>
+                  <a:cs typeface="+mn-cs"/>
+                </a:defRPr>
+              </a:lvl3pPr>
+              <a:lvl4pPr marL="1371600" indent="0">
+                <a:defRPr sz="1100">
+                  <a:solidFill>
+                    <a:schemeClr val="lt1"/>
+                  </a:solidFill>
+                  <a:latin typeface="+mn-lt"/>
+                  <a:ea typeface="+mn-ea"/>
+                  <a:cs typeface="+mn-cs"/>
+                </a:defRPr>
+              </a:lvl4pPr>
+              <a:lvl5pPr marL="1828800" indent="0">
+                <a:defRPr sz="1100">
+                  <a:solidFill>
+                    <a:schemeClr val="lt1"/>
+                  </a:solidFill>
+                  <a:latin typeface="+mn-lt"/>
+                  <a:ea typeface="+mn-ea"/>
+                  <a:cs typeface="+mn-cs"/>
+                </a:defRPr>
+              </a:lvl5pPr>
+              <a:lvl6pPr marL="2286000" indent="0">
+                <a:defRPr sz="1100">
+                  <a:solidFill>
+                    <a:schemeClr val="lt1"/>
+                  </a:solidFill>
+                  <a:latin typeface="+mn-lt"/>
+                  <a:ea typeface="+mn-ea"/>
+                  <a:cs typeface="+mn-cs"/>
+                </a:defRPr>
+              </a:lvl6pPr>
+              <a:lvl7pPr marL="2743200" indent="0">
+                <a:defRPr sz="1100">
+                  <a:solidFill>
+                    <a:schemeClr val="lt1"/>
+                  </a:solidFill>
+                  <a:latin typeface="+mn-lt"/>
+                  <a:ea typeface="+mn-ea"/>
+                  <a:cs typeface="+mn-cs"/>
+                </a:defRPr>
+              </a:lvl7pPr>
+              <a:lvl8pPr marL="3200400" indent="0">
+                <a:defRPr sz="1100">
+                  <a:solidFill>
+                    <a:schemeClr val="lt1"/>
+                  </a:solidFill>
+                  <a:latin typeface="+mn-lt"/>
+                  <a:ea typeface="+mn-ea"/>
+                  <a:cs typeface="+mn-cs"/>
+                </a:defRPr>
+              </a:lvl8pPr>
+              <a:lvl9pPr marL="3657600" indent="0">
+                <a:defRPr sz="1100">
+                  <a:solidFill>
+                    <a:schemeClr val="lt1"/>
+                  </a:solidFill>
+                  <a:latin typeface="+mn-lt"/>
+                  <a:ea typeface="+mn-ea"/>
+                  <a:cs typeface="+mn-cs"/>
+                </a:defRPr>
+              </a:lvl9pPr>
+            </a:lstStyle>
+            <a:p>
+              <a:pPr algn="l"/>
+              <a:endParaRPr lang="en-US" sz="1100"/>
+            </a:p>
+          </p:txBody>
+        </p:sp>
+        <p:sp>
+          <p:nvSpPr>
+            <p:cNvPr id="15" name="Arrow: Down 14">
+              <a:extLst>
+                <a:ext uri="{FF2B5EF4-FFF2-40B4-BE49-F238E27FC236}">
+                  <a16:creationId xmlns:a16="http://schemas.microsoft.com/office/drawing/2014/main" id="{13C7F6BD-FFCD-48E9-95DE-9199F1EFAA4E}"/>
+                </a:ext>
+              </a:extLst>
+            </p:cNvPr>
+            <p:cNvSpPr/>
+            <p:nvPr/>
+          </p:nvSpPr>
+          <p:spPr>
+            <a:xfrm rot="5400000" flipV="1">
+              <a:off x="4374923" y="3392489"/>
+              <a:ext cx="184150" cy="215900"/>
+            </a:xfrm>
+            <a:prstGeom prst="downArrow">
+              <a:avLst/>
+            </a:prstGeom>
+          </p:spPr>
+          <p:style>
+            <a:lnRef idx="2">
+              <a:schemeClr val="dk1">
+                <a:shade val="50000"/>
+              </a:schemeClr>
+            </a:lnRef>
+            <a:fillRef idx="1">
+              <a:schemeClr val="dk1"/>
+            </a:fillRef>
+            <a:effectRef idx="0">
+              <a:schemeClr val="dk1"/>
+            </a:effectRef>
+            <a:fontRef idx="minor">
+              <a:schemeClr val="lt1"/>
+            </a:fontRef>
+          </p:style>
+          <p:txBody>
+            <a:bodyPr rot="0" spcFirstLastPara="0" vert="horz" wrap="square" lIns="91440" tIns="45720" rIns="91440" bIns="45720" numCol="1" spcCol="0" rtlCol="0" fromWordArt="0" anchor="t" anchorCtr="0" forceAA="0" compatLnSpc="1">
+              <a:prstTxWarp prst="textNoShape">
+                <a:avLst/>
+              </a:prstTxWarp>
+              <a:noAutofit/>
+            </a:bodyPr>
+            <a:lstStyle>
+              <a:lvl1pPr marL="0" indent="0">
+                <a:defRPr sz="1100">
+                  <a:solidFill>
+                    <a:schemeClr val="lt1"/>
+                  </a:solidFill>
+                  <a:latin typeface="+mn-lt"/>
+                  <a:ea typeface="+mn-ea"/>
+                  <a:cs typeface="+mn-cs"/>
+                </a:defRPr>
+              </a:lvl1pPr>
+              <a:lvl2pPr marL="457200" indent="0">
+                <a:defRPr sz="1100">
+                  <a:solidFill>
+                    <a:schemeClr val="lt1"/>
+                  </a:solidFill>
+                  <a:latin typeface="+mn-lt"/>
+                  <a:ea typeface="+mn-ea"/>
+                  <a:cs typeface="+mn-cs"/>
+                </a:defRPr>
+              </a:lvl2pPr>
+              <a:lvl3pPr marL="914400" indent="0">
+                <a:defRPr sz="1100">
+                  <a:solidFill>
+                    <a:schemeClr val="lt1"/>
+                  </a:solidFill>
+                  <a:latin typeface="+mn-lt"/>
+                  <a:ea typeface="+mn-ea"/>
+                  <a:cs typeface="+mn-cs"/>
+                </a:defRPr>
+              </a:lvl3pPr>
+              <a:lvl4pPr marL="1371600" indent="0">
+                <a:defRPr sz="1100">
+                  <a:solidFill>
+                    <a:schemeClr val="lt1"/>
+                  </a:solidFill>
+                  <a:latin typeface="+mn-lt"/>
+                  <a:ea typeface="+mn-ea"/>
+                  <a:cs typeface="+mn-cs"/>
+                </a:defRPr>
+              </a:lvl4pPr>
+              <a:lvl5pPr marL="1828800" indent="0">
+                <a:defRPr sz="1100">
+                  <a:solidFill>
+                    <a:schemeClr val="lt1"/>
+                  </a:solidFill>
+                  <a:latin typeface="+mn-lt"/>
+                  <a:ea typeface="+mn-ea"/>
+                  <a:cs typeface="+mn-cs"/>
+                </a:defRPr>
+              </a:lvl5pPr>
+              <a:lvl6pPr marL="2286000" indent="0">
+                <a:defRPr sz="1100">
+                  <a:solidFill>
+                    <a:schemeClr val="lt1"/>
+                  </a:solidFill>
+                  <a:latin typeface="+mn-lt"/>
+                  <a:ea typeface="+mn-ea"/>
+                  <a:cs typeface="+mn-cs"/>
+                </a:defRPr>
+              </a:lvl6pPr>
+              <a:lvl7pPr marL="2743200" indent="0">
+                <a:defRPr sz="1100">
+                  <a:solidFill>
+                    <a:schemeClr val="lt1"/>
+                  </a:solidFill>
+                  <a:latin typeface="+mn-lt"/>
+                  <a:ea typeface="+mn-ea"/>
+                  <a:cs typeface="+mn-cs"/>
+                </a:defRPr>
+              </a:lvl7pPr>
+              <a:lvl8pPr marL="3200400" indent="0">
+                <a:defRPr sz="1100">
+                  <a:solidFill>
+                    <a:schemeClr val="lt1"/>
+                  </a:solidFill>
+                  <a:latin typeface="+mn-lt"/>
+                  <a:ea typeface="+mn-ea"/>
+                  <a:cs typeface="+mn-cs"/>
+                </a:defRPr>
+              </a:lvl8pPr>
+              <a:lvl9pPr marL="3657600" indent="0">
+                <a:defRPr sz="1100">
+                  <a:solidFill>
+                    <a:schemeClr val="lt1"/>
+                  </a:solidFill>
+                  <a:latin typeface="+mn-lt"/>
+                  <a:ea typeface="+mn-ea"/>
+                  <a:cs typeface="+mn-cs"/>
+                </a:defRPr>
+              </a:lvl9pPr>
+            </a:lstStyle>
+            <a:p>
+              <a:pPr algn="l"/>
+              <a:endParaRPr lang="en-US" sz="1100"/>
+            </a:p>
+          </p:txBody>
+        </p:sp>
+        <p:sp>
+          <p:nvSpPr>
+            <p:cNvPr id="16" name="Arrow: Down 15">
+              <a:extLst>
+                <a:ext uri="{FF2B5EF4-FFF2-40B4-BE49-F238E27FC236}">
+                  <a16:creationId xmlns:a16="http://schemas.microsoft.com/office/drawing/2014/main" id="{773C6D50-0F10-440C-82A3-16BBB224B137}"/>
+                </a:ext>
+              </a:extLst>
+            </p:cNvPr>
+            <p:cNvSpPr/>
+            <p:nvPr/>
+          </p:nvSpPr>
+          <p:spPr>
+            <a:xfrm rot="5400000" flipV="1">
+              <a:off x="5301797" y="3389540"/>
+              <a:ext cx="184150" cy="215900"/>
+            </a:xfrm>
+            <a:prstGeom prst="downArrow">
+              <a:avLst/>
+            </a:prstGeom>
+          </p:spPr>
+          <p:style>
+            <a:lnRef idx="2">
+              <a:schemeClr val="dk1">
+                <a:shade val="50000"/>
+              </a:schemeClr>
+            </a:lnRef>
+            <a:fillRef idx="1">
+              <a:schemeClr val="dk1"/>
+            </a:fillRef>
+            <a:effectRef idx="0">
+              <a:schemeClr val="dk1"/>
+            </a:effectRef>
+            <a:fontRef idx="minor">
+              <a:schemeClr val="lt1"/>
+            </a:fontRef>
+          </p:style>
+          <p:txBody>
+            <a:bodyPr rot="0" spcFirstLastPara="0" vert="horz" wrap="square" lIns="91440" tIns="45720" rIns="91440" bIns="45720" numCol="1" spcCol="0" rtlCol="0" fromWordArt="0" anchor="t" anchorCtr="0" forceAA="0" compatLnSpc="1">
+              <a:prstTxWarp prst="textNoShape">
+                <a:avLst/>
+              </a:prstTxWarp>
+              <a:noAutofit/>
+            </a:bodyPr>
+            <a:lstStyle>
+              <a:lvl1pPr marL="0" indent="0">
+                <a:defRPr sz="1100">
+                  <a:solidFill>
+                    <a:schemeClr val="lt1"/>
+                  </a:solidFill>
+                  <a:latin typeface="+mn-lt"/>
+                  <a:ea typeface="+mn-ea"/>
+                  <a:cs typeface="+mn-cs"/>
+                </a:defRPr>
+              </a:lvl1pPr>
+              <a:lvl2pPr marL="457200" indent="0">
+                <a:defRPr sz="1100">
+                  <a:solidFill>
+                    <a:schemeClr val="lt1"/>
+                  </a:solidFill>
+                  <a:latin typeface="+mn-lt"/>
+                  <a:ea typeface="+mn-ea"/>
+                  <a:cs typeface="+mn-cs"/>
+                </a:defRPr>
+              </a:lvl2pPr>
+              <a:lvl3pPr marL="914400" indent="0">
+                <a:defRPr sz="1100">
+                  <a:solidFill>
+                    <a:schemeClr val="lt1"/>
+                  </a:solidFill>
+                  <a:latin typeface="+mn-lt"/>
+                  <a:ea typeface="+mn-ea"/>
+                  <a:cs typeface="+mn-cs"/>
+                </a:defRPr>
+              </a:lvl3pPr>
+              <a:lvl4pPr marL="1371600" indent="0">
+                <a:defRPr sz="1100">
+                  <a:solidFill>
+                    <a:schemeClr val="lt1"/>
+                  </a:solidFill>
+                  <a:latin typeface="+mn-lt"/>
+                  <a:ea typeface="+mn-ea"/>
+                  <a:cs typeface="+mn-cs"/>
+                </a:defRPr>
+              </a:lvl4pPr>
+              <a:lvl5pPr marL="1828800" indent="0">
+                <a:defRPr sz="1100">
+                  <a:solidFill>
+                    <a:schemeClr val="lt1"/>
+                  </a:solidFill>
+                  <a:latin typeface="+mn-lt"/>
+                  <a:ea typeface="+mn-ea"/>
+                  <a:cs typeface="+mn-cs"/>
+                </a:defRPr>
+              </a:lvl5pPr>
+              <a:lvl6pPr marL="2286000" indent="0">
+                <a:defRPr sz="1100">
+                  <a:solidFill>
+                    <a:schemeClr val="lt1"/>
+                  </a:solidFill>
+                  <a:latin typeface="+mn-lt"/>
+                  <a:ea typeface="+mn-ea"/>
+                  <a:cs typeface="+mn-cs"/>
+                </a:defRPr>
+              </a:lvl6pPr>
+              <a:lvl7pPr marL="2743200" indent="0">
+                <a:defRPr sz="1100">
+                  <a:solidFill>
+                    <a:schemeClr val="lt1"/>
+                  </a:solidFill>
+                  <a:latin typeface="+mn-lt"/>
+                  <a:ea typeface="+mn-ea"/>
+                  <a:cs typeface="+mn-cs"/>
+                </a:defRPr>
+              </a:lvl7pPr>
+              <a:lvl8pPr marL="3200400" indent="0">
+                <a:defRPr sz="1100">
+                  <a:solidFill>
+                    <a:schemeClr val="lt1"/>
+                  </a:solidFill>
+                  <a:latin typeface="+mn-lt"/>
+                  <a:ea typeface="+mn-ea"/>
+                  <a:cs typeface="+mn-cs"/>
+                </a:defRPr>
+              </a:lvl8pPr>
+              <a:lvl9pPr marL="3657600" indent="0">
+                <a:defRPr sz="1100">
+                  <a:solidFill>
+                    <a:schemeClr val="lt1"/>
+                  </a:solidFill>
+                  <a:latin typeface="+mn-lt"/>
+                  <a:ea typeface="+mn-ea"/>
+                  <a:cs typeface="+mn-cs"/>
+                </a:defRPr>
+              </a:lvl9pPr>
+            </a:lstStyle>
+            <a:p>
+              <a:pPr algn="l"/>
+              <a:endParaRPr lang="en-US" sz="1100"/>
+            </a:p>
+          </p:txBody>
+        </p:sp>
+      </p:grpSp>
+    </p:spTree>
+    <p:extLst>
+      <p:ext uri="{BB962C8B-B14F-4D97-AF65-F5344CB8AC3E}">
+        <p14:creationId xmlns:p14="http://schemas.microsoft.com/office/powerpoint/2010/main" val="427665357"/>
+      </p:ext>
+    </p:extLst>
+  </p:cSld>
+  <p:clrMapOvr>
+    <a:masterClrMapping/>
+  </p:clrMapOvr>
+</p:sld>
+</file>
+
+<file path=ppt/slides/slide11.xml><?xml version="1.0" encoding="utf-8"?>
+<p:sld xmlns:a="http://schemas.openxmlformats.org/drawingml/2006/main" xmlns:r="http://schemas.openxmlformats.org/officeDocument/2006/relationships" xmlns:p="http://schemas.openxmlformats.org/presentationml/2006/main">
+  <p:cSld>
+    <p:spTree>
+      <p:nvGrpSpPr>
+        <p:cNvPr id="1" name=""/>
+        <p:cNvGrpSpPr/>
+        <p:nvPr/>
+      </p:nvGrpSpPr>
+      <p:grpSpPr>
+        <a:xfrm>
+          <a:off x="0" y="0"/>
+          <a:ext cx="0" cy="0"/>
+          <a:chOff x="0" y="0"/>
+          <a:chExt cx="0" cy="0"/>
+        </a:xfrm>
+      </p:grpSpPr>
+      <p:sp>
+        <p:nvSpPr>
           <p:cNvPr id="2" name="Title 1"/>
           <p:cNvSpPr>
             <a:spLocks noGrp="1"/>
@@ -4759,7 +6379,7 @@
             <a:graphicData uri="http://schemas.openxmlformats.org/presentationml/2006/ole">
               <mc:AlternateContent xmlns:mc="http://schemas.openxmlformats.org/markup-compatibility/2006">
                 <mc:Choice xmlns:v="urn:schemas-microsoft-com:vml" Requires="v">
-                  <p:oleObj spid="_x0000_s20746" name="Worksheet" r:id="rId3" imgW="2749420" imgH="2095639" progId="Excel.Sheet.12">
+                  <p:oleObj spid="_x0000_s20760" name="Worksheet" r:id="rId3" imgW="2749420" imgH="2095639" progId="Excel.Sheet.12">
                     <p:embed/>
                   </p:oleObj>
                 </mc:Choice>
@@ -8256,7 +9876,7 @@
           <a:graphicData uri="http://schemas.openxmlformats.org/presentationml/2006/ole">
             <mc:AlternateContent xmlns:mc="http://schemas.openxmlformats.org/markup-compatibility/2006">
               <mc:Choice xmlns:v="urn:schemas-microsoft-com:vml" Requires="v">
-                <p:oleObj spid="_x0000_s20747" name="Worksheet" r:id="rId5" imgW="2704923" imgH="1905174" progId="Excel.Sheet.12">
+                <p:oleObj spid="_x0000_s20761" name="Worksheet" r:id="rId5" imgW="2704923" imgH="1905174" progId="Excel.Sheet.12">
                   <p:embed/>
                 </p:oleObj>
               </mc:Choice>
@@ -8756,7 +10376,7 @@
 </p:sld>
 </file>
 
-<file path=ppt/slides/slide11.xml><?xml version="1.0" encoding="utf-8"?>
+<file path=ppt/slides/slide12.xml><?xml version="1.0" encoding="utf-8"?>
 <p:sld xmlns:a="http://schemas.openxmlformats.org/drawingml/2006/main" xmlns:r="http://schemas.openxmlformats.org/officeDocument/2006/relationships" xmlns:p="http://schemas.openxmlformats.org/presentationml/2006/main">
   <p:cSld>
     <p:spTree>
@@ -8849,7 +10469,7 @@
             <a:graphicData uri="http://schemas.openxmlformats.org/presentationml/2006/ole">
               <mc:AlternateContent xmlns:mc="http://schemas.openxmlformats.org/markup-compatibility/2006">
                 <mc:Choice xmlns:v="urn:schemas-microsoft-com:vml" Requires="v">
-                  <p:oleObj spid="_x0000_s4630" name="Worksheet" r:id="rId3" imgW="2749680" imgH="2095545" progId="Excel.Sheet.12">
+                  <p:oleObj spid="_x0000_s4658" name="Worksheet" r:id="rId3" imgW="2749680" imgH="2095545" progId="Excel.Sheet.12">
                     <p:embed/>
                   </p:oleObj>
                 </mc:Choice>
@@ -12626,7 +14246,7 @@
           <a:graphicData uri="http://schemas.openxmlformats.org/presentationml/2006/ole">
             <mc:AlternateContent xmlns:mc="http://schemas.openxmlformats.org/markup-compatibility/2006">
               <mc:Choice xmlns:v="urn:schemas-microsoft-com:vml" Requires="v">
-                <p:oleObj spid="_x0000_s4631" name="Worksheet" r:id="rId5" imgW="1834920" imgH="4794378" progId="Excel.Sheet.12">
+                <p:oleObj spid="_x0000_s4659" name="Worksheet" r:id="rId5" imgW="1834920" imgH="4794378" progId="Excel.Sheet.12">
                   <p:embed/>
                 </p:oleObj>
               </mc:Choice>
@@ -12689,7 +14309,7 @@
           <a:graphicData uri="http://schemas.openxmlformats.org/presentationml/2006/ole">
             <mc:AlternateContent xmlns:mc="http://schemas.openxmlformats.org/markup-compatibility/2006">
               <mc:Choice xmlns:v="urn:schemas-microsoft-com:vml" Requires="v">
-                <p:oleObj spid="_x0000_s4632" name="Worksheet" r:id="rId7" imgW="1225800" imgH="2032240" progId="Excel.Sheet.12">
+                <p:oleObj spid="_x0000_s4660" name="Worksheet" r:id="rId7" imgW="1225800" imgH="2032240" progId="Excel.Sheet.12">
                   <p:embed/>
                 </p:oleObj>
               </mc:Choice>
@@ -12752,7 +14372,7 @@
           <a:graphicData uri="http://schemas.openxmlformats.org/presentationml/2006/ole">
             <mc:AlternateContent xmlns:mc="http://schemas.openxmlformats.org/markup-compatibility/2006">
               <mc:Choice xmlns:v="urn:schemas-microsoft-com:vml" Requires="v">
-                <p:oleObj spid="_x0000_s4633" name="Worksheet" r:id="rId9" imgW="1225800" imgH="2032240" progId="Excel.Sheet.12">
+                <p:oleObj spid="_x0000_s4661" name="Worksheet" r:id="rId9" imgW="1225800" imgH="2032240" progId="Excel.Sheet.12">
                   <p:embed/>
                 </p:oleObj>
               </mc:Choice>
@@ -12787,6 +14407,65 @@
           </a:graphicData>
         </a:graphic>
       </p:graphicFrame>
+      <p:sp>
+        <p:nvSpPr>
+          <p:cNvPr id="3" name="Rectangle 2">
+            <a:extLst>
+              <a:ext uri="{FF2B5EF4-FFF2-40B4-BE49-F238E27FC236}">
+                <a16:creationId xmlns:a16="http://schemas.microsoft.com/office/drawing/2014/main" id="{0A10BD00-DCF3-4991-B8FD-969624F946B7}"/>
+              </a:ext>
+            </a:extLst>
+          </p:cNvPr>
+          <p:cNvSpPr/>
+          <p:nvPr/>
+        </p:nvSpPr>
+        <p:spPr>
+          <a:xfrm>
+            <a:off x="7504191" y="1997839"/>
+            <a:ext cx="4544512" cy="3539430"/>
+          </a:xfrm>
+          <a:prstGeom prst="rect">
+            <a:avLst/>
+          </a:prstGeom>
+          <a:noFill/>
+        </p:spPr>
+        <p:txBody>
+          <a:bodyPr wrap="square" lIns="91440" tIns="45720" rIns="91440" bIns="45720">
+            <a:spAutoFit/>
+          </a:bodyPr>
+          <a:lstStyle/>
+          <a:p>
+            <a:pPr algn="ctr"/>
+            <a:r>
+              <a:rPr lang="en-US" sz="3200" b="1" cap="none" spc="0" dirty="0">
+                <a:ln w="12700">
+                  <a:solidFill>
+                    <a:schemeClr val="accent1"/>
+                  </a:solidFill>
+                  <a:prstDash val="solid"/>
+                </a:ln>
+                <a:pattFill prst="pct50">
+                  <a:fgClr>
+                    <a:schemeClr val="accent1"/>
+                  </a:fgClr>
+                  <a:bgClr>
+                    <a:schemeClr val="accent1">
+                      <a:lumMod val="20000"/>
+                      <a:lumOff val="80000"/>
+                    </a:schemeClr>
+                  </a:bgClr>
+                </a:pattFill>
+                <a:effectLst>
+                  <a:outerShdw dist="38100" dir="2640000" algn="bl" rotWithShape="0">
+                    <a:schemeClr val="accent1"/>
+                  </a:outerShdw>
+                </a:effectLst>
+              </a:rPr>
+              <a:t>If I have the transition function and reward function, I could calculate the optimal value function directly using dynamic programming</a:t>
+            </a:r>
+          </a:p>
+        </p:txBody>
+      </p:sp>
     </p:spTree>
     <p:extLst>
       <p:ext uri="{BB962C8B-B14F-4D97-AF65-F5344CB8AC3E}">
@@ -12999,6 +14678,59 @@
                       </p:childTnLst>
                     </p:cTn>
                   </p:par>
+                  <p:par>
+                    <p:cTn id="21" fill="hold">
+                      <p:stCondLst>
+                        <p:cond delay="indefinite"/>
+                      </p:stCondLst>
+                      <p:childTnLst>
+                        <p:par>
+                          <p:cTn id="22" fill="hold">
+                            <p:stCondLst>
+                              <p:cond delay="0"/>
+                            </p:stCondLst>
+                            <p:childTnLst>
+                              <p:par>
+                                <p:cTn id="23" presetID="22" presetClass="entr" presetSubtype="4" fill="hold" grpId="0" nodeType="clickEffect">
+                                  <p:stCondLst>
+                                    <p:cond delay="0"/>
+                                  </p:stCondLst>
+                                  <p:childTnLst>
+                                    <p:set>
+                                      <p:cBhvr>
+                                        <p:cTn id="24" dur="1" fill="hold">
+                                          <p:stCondLst>
+                                            <p:cond delay="0"/>
+                                          </p:stCondLst>
+                                        </p:cTn>
+                                        <p:tgtEl>
+                                          <p:spTgt spid="3"/>
+                                        </p:tgtEl>
+                                        <p:attrNameLst>
+                                          <p:attrName>style.visibility</p:attrName>
+                                        </p:attrNameLst>
+                                      </p:cBhvr>
+                                      <p:to>
+                                        <p:strVal val="visible"/>
+                                      </p:to>
+                                    </p:set>
+                                    <p:animEffect transition="in" filter="wipe(down)">
+                                      <p:cBhvr>
+                                        <p:cTn id="25" dur="500"/>
+                                        <p:tgtEl>
+                                          <p:spTgt spid="3"/>
+                                        </p:tgtEl>
+                                      </p:cBhvr>
+                                    </p:animEffect>
+                                  </p:childTnLst>
+                                </p:cTn>
+                              </p:par>
+                            </p:childTnLst>
+                          </p:cTn>
+                        </p:par>
+                      </p:childTnLst>
+                    </p:cTn>
+                  </p:par>
                 </p:childTnLst>
               </p:cTn>
               <p:prevCondLst>
@@ -13020,11 +14752,14 @@
         </p:cTn>
       </p:par>
     </p:tnLst>
+    <p:bldLst>
+      <p:bldP spid="3" grpId="0"/>
+    </p:bldLst>
   </p:timing>
 </p:sld>
 </file>
 
-<file path=ppt/slides/slide12.xml><?xml version="1.0" encoding="utf-8"?>
+<file path=ppt/slides/slide13.xml><?xml version="1.0" encoding="utf-8"?>
 <p:sld xmlns:a="http://schemas.openxmlformats.org/drawingml/2006/main" xmlns:r="http://schemas.openxmlformats.org/officeDocument/2006/relationships" xmlns:p="http://schemas.openxmlformats.org/presentationml/2006/main">
   <p:cSld>
     <p:spTree>
@@ -13058,7 +14793,7 @@
           <a:p>
             <a:r>
               <a:rPr lang="en-US" dirty="0"/>
-              <a:t>So how do we create the value / Q-Function then?</a:t>
+              <a:t>It is possible to approximate the Q-function…</a:t>
             </a:r>
           </a:p>
         </p:txBody>
@@ -13466,7 +15201,7 @@
 </p:sld>
 </file>
 
-<file path=ppt/slides/slide13.xml><?xml version="1.0" encoding="utf-8"?>
+<file path=ppt/slides/slide14.xml><?xml version="1.0" encoding="utf-8"?>
 <p:sld xmlns:a="http://schemas.openxmlformats.org/drawingml/2006/main" xmlns:r="http://schemas.openxmlformats.org/officeDocument/2006/relationships" xmlns:p="http://schemas.openxmlformats.org/presentationml/2006/main">
   <p:cSld>
     <p:spTree>
@@ -13539,7 +15274,7 @@
           <a:graphicData uri="http://schemas.openxmlformats.org/presentationml/2006/ole">
             <mc:AlternateContent xmlns:mc="http://schemas.openxmlformats.org/markup-compatibility/2006">
               <mc:Choice xmlns:v="urn:schemas-microsoft-com:vml" Requires="v">
-                <p:oleObj spid="_x0000_s14870" name="Worksheet" r:id="rId3" imgW="2241540" imgH="4609875" progId="Excel.Sheet.12">
+                <p:oleObj spid="_x0000_s14898" name="Worksheet" r:id="rId3" imgW="2241540" imgH="4609875" progId="Excel.Sheet.12">
                   <p:embed/>
                 </p:oleObj>
               </mc:Choice>
@@ -13602,7 +15337,7 @@
           <a:graphicData uri="http://schemas.openxmlformats.org/presentationml/2006/ole">
             <mc:AlternateContent xmlns:mc="http://schemas.openxmlformats.org/markup-compatibility/2006">
               <mc:Choice xmlns:v="urn:schemas-microsoft-com:vml" Requires="v">
-                <p:oleObj spid="_x0000_s14871" name="Worksheet" r:id="rId5" imgW="2241540" imgH="2216203" progId="Excel.Sheet.12">
+                <p:oleObj spid="_x0000_s14899" name="Worksheet" r:id="rId5" imgW="2241540" imgH="2216203" progId="Excel.Sheet.12">
                   <p:embed/>
                 </p:oleObj>
               </mc:Choice>
@@ -13665,7 +15400,7 @@
           <a:graphicData uri="http://schemas.openxmlformats.org/presentationml/2006/ole">
             <mc:AlternateContent xmlns:mc="http://schemas.openxmlformats.org/markup-compatibility/2006">
               <mc:Choice xmlns:v="urn:schemas-microsoft-com:vml" Requires="v">
-                <p:oleObj spid="_x0000_s14872" name="Worksheet" r:id="rId7" imgW="2749680" imgH="2095545" progId="Excel.Sheet.12">
+                <p:oleObj spid="_x0000_s14900" name="Worksheet" r:id="rId7" imgW="2749680" imgH="2095545" progId="Excel.Sheet.12">
                   <p:embed/>
                 </p:oleObj>
               </mc:Choice>
@@ -13754,7 +15489,7 @@
             <a:graphicData uri="http://schemas.openxmlformats.org/presentationml/2006/ole">
               <mc:AlternateContent xmlns:mc="http://schemas.openxmlformats.org/markup-compatibility/2006">
                 <mc:Choice xmlns:v="urn:schemas-microsoft-com:vml" Requires="v">
-                  <p:oleObj spid="_x0000_s14873" name="Worksheet" r:id="rId9" imgW="2749680" imgH="2095545" progId="Excel.Sheet.12">
+                  <p:oleObj spid="_x0000_s14901" name="Worksheet" r:id="rId9" imgW="2749680" imgH="2095545" progId="Excel.Sheet.12">
                     <p:embed/>
                   </p:oleObj>
                 </mc:Choice>
@@ -17812,7 +19547,7 @@
 </p:sld>
 </file>
 
-<file path=ppt/slides/slide14.xml><?xml version="1.0" encoding="utf-8"?>
+<file path=ppt/slides/slide15.xml><?xml version="1.0" encoding="utf-8"?>
 <p:sld xmlns:a="http://schemas.openxmlformats.org/drawingml/2006/main" xmlns:r="http://schemas.openxmlformats.org/officeDocument/2006/relationships" xmlns:p="http://schemas.openxmlformats.org/presentationml/2006/main">
   <p:cSld>
     <p:spTree>
@@ -17885,7 +19620,7 @@
           <a:graphicData uri="http://schemas.openxmlformats.org/presentationml/2006/ole">
             <mc:AlternateContent xmlns:mc="http://schemas.openxmlformats.org/markup-compatibility/2006">
               <mc:Choice xmlns:v="urn:schemas-microsoft-com:vml" Requires="v">
-                <p:oleObj spid="_x0000_s15761" name="Worksheet" r:id="rId3" imgW="2749680" imgH="2095545" progId="Excel.Sheet.12">
+                <p:oleObj spid="_x0000_s15782" name="Worksheet" r:id="rId3" imgW="2749680" imgH="2095545" progId="Excel.Sheet.12">
                   <p:embed/>
                 </p:oleObj>
               </mc:Choice>
@@ -17984,7 +19719,7 @@
           <a:graphicData uri="http://schemas.openxmlformats.org/presentationml/2006/ole">
             <mc:AlternateContent xmlns:mc="http://schemas.openxmlformats.org/markup-compatibility/2006">
               <mc:Choice xmlns:v="urn:schemas-microsoft-com:vml" Requires="v">
-                <p:oleObj spid="_x0000_s15762" name="Worksheet" r:id="rId6" imgW="1225800" imgH="2032240" progId="Excel.Sheet.12">
+                <p:oleObj spid="_x0000_s15783" name="Worksheet" r:id="rId6" imgW="1225800" imgH="2032240" progId="Excel.Sheet.12">
                   <p:embed/>
                 </p:oleObj>
               </mc:Choice>
@@ -18473,7 +20208,7 @@
           <a:graphicData uri="http://schemas.openxmlformats.org/presentationml/2006/ole">
             <mc:AlternateContent xmlns:mc="http://schemas.openxmlformats.org/markup-compatibility/2006">
               <mc:Choice xmlns:v="urn:schemas-microsoft-com:vml" Requires="v">
-                <p:oleObj spid="_x0000_s15763" name="Worksheet" r:id="rId8" imgW="2241540" imgH="2584668" progId="Excel.Sheet.12">
+                <p:oleObj spid="_x0000_s15784" name="Worksheet" r:id="rId8" imgW="2241540" imgH="2584668" progId="Excel.Sheet.12">
                   <p:embed/>
                 </p:oleObj>
               </mc:Choice>
@@ -18820,7 +20555,7 @@
 </p:sld>
 </file>
 
-<file path=ppt/slides/slide15.xml><?xml version="1.0" encoding="utf-8"?>
+<file path=ppt/slides/slide16.xml><?xml version="1.0" encoding="utf-8"?>
 <p:sld xmlns:a="http://schemas.openxmlformats.org/drawingml/2006/main" xmlns:r="http://schemas.openxmlformats.org/officeDocument/2006/relationships" xmlns:p="http://schemas.openxmlformats.org/presentationml/2006/main">
   <p:cSld>
     <p:spTree>
@@ -18893,7 +20628,7 @@
           <a:graphicData uri="http://schemas.openxmlformats.org/presentationml/2006/ole">
             <mc:AlternateContent xmlns:mc="http://schemas.openxmlformats.org/markup-compatibility/2006">
               <mc:Choice xmlns:v="urn:schemas-microsoft-com:vml" Requires="v">
-                <p:oleObj spid="_x0000_s16918" name="Worksheet" r:id="rId3" imgW="2749680" imgH="2095545" progId="Excel.Sheet.12">
+                <p:oleObj spid="_x0000_s16946" name="Worksheet" r:id="rId3" imgW="2749680" imgH="2095545" progId="Excel.Sheet.12">
                   <p:embed/>
                 </p:oleObj>
               </mc:Choice>
@@ -18992,7 +20727,7 @@
           <a:graphicData uri="http://schemas.openxmlformats.org/presentationml/2006/ole">
             <mc:AlternateContent xmlns:mc="http://schemas.openxmlformats.org/markup-compatibility/2006">
               <mc:Choice xmlns:v="urn:schemas-microsoft-com:vml" Requires="v">
-                <p:oleObj spid="_x0000_s16919" name="Worksheet" r:id="rId6" imgW="1225800" imgH="2032240" progId="Excel.Sheet.12">
+                <p:oleObj spid="_x0000_s16947" name="Worksheet" r:id="rId6" imgW="1225800" imgH="2032240" progId="Excel.Sheet.12">
                   <p:embed/>
                 </p:oleObj>
               </mc:Choice>
@@ -19475,7 +21210,7 @@
           <a:graphicData uri="http://schemas.openxmlformats.org/presentationml/2006/ole">
             <mc:AlternateContent xmlns:mc="http://schemas.openxmlformats.org/markup-compatibility/2006">
               <mc:Choice xmlns:v="urn:schemas-microsoft-com:vml" Requires="v">
-                <p:oleObj spid="_x0000_s16920" name="Worksheet" r:id="rId8" imgW="2241540" imgH="2584668" progId="Excel.Sheet.12">
+                <p:oleObj spid="_x0000_s16948" name="Worksheet" r:id="rId8" imgW="2241540" imgH="2584668" progId="Excel.Sheet.12">
                   <p:embed/>
                 </p:oleObj>
               </mc:Choice>
@@ -19744,7 +21479,7 @@
           <a:graphicData uri="http://schemas.openxmlformats.org/presentationml/2006/ole">
             <mc:AlternateContent xmlns:mc="http://schemas.openxmlformats.org/markup-compatibility/2006">
               <mc:Choice xmlns:v="urn:schemas-microsoft-com:vml" Requires="v">
-                <p:oleObj spid="_x0000_s16921" name="Worksheet" r:id="rId10" imgW="2241420" imgH="2584427" progId="Excel.Sheet.12">
+                <p:oleObj spid="_x0000_s16949" name="Worksheet" r:id="rId10" imgW="2241420" imgH="2584427" progId="Excel.Sheet.12">
                   <p:embed/>
                 </p:oleObj>
               </mc:Choice>
@@ -20188,7 +21923,7 @@
 </p:sld>
 </file>
 
-<file path=ppt/slides/slide16.xml><?xml version="1.0" encoding="utf-8"?>
+<file path=ppt/slides/slide17.xml><?xml version="1.0" encoding="utf-8"?>
 <p:sld xmlns:a="http://schemas.openxmlformats.org/drawingml/2006/main" xmlns:r="http://schemas.openxmlformats.org/officeDocument/2006/relationships" xmlns:p="http://schemas.openxmlformats.org/presentationml/2006/main">
   <p:cSld>
     <p:spTree>
@@ -20255,7 +21990,7 @@
           <a:graphicData uri="http://schemas.openxmlformats.org/presentationml/2006/ole">
             <mc:AlternateContent xmlns:mc="http://schemas.openxmlformats.org/markup-compatibility/2006">
               <mc:Choice xmlns:v="urn:schemas-microsoft-com:vml" Requires="v">
-                <p:oleObj spid="_x0000_s17809" name="Worksheet" r:id="rId3" imgW="2749680" imgH="2095545" progId="Excel.Sheet.12">
+                <p:oleObj spid="_x0000_s17830" name="Worksheet" r:id="rId3" imgW="2749680" imgH="2095545" progId="Excel.Sheet.12">
                   <p:embed/>
                 </p:oleObj>
               </mc:Choice>
@@ -20774,7 +22509,7 @@
           <a:graphicData uri="http://schemas.openxmlformats.org/presentationml/2006/ole">
             <mc:AlternateContent xmlns:mc="http://schemas.openxmlformats.org/markup-compatibility/2006">
               <mc:Choice xmlns:v="urn:schemas-microsoft-com:vml" Requires="v">
-                <p:oleObj spid="_x0000_s17810" name="Worksheet" r:id="rId6" imgW="2241420" imgH="2584427" progId="Excel.Sheet.12">
+                <p:oleObj spid="_x0000_s17831" name="Worksheet" r:id="rId6" imgW="2241420" imgH="2584427" progId="Excel.Sheet.12">
                   <p:embed/>
                 </p:oleObj>
               </mc:Choice>
@@ -20939,7 +22674,7 @@
           <a:graphicData uri="http://schemas.openxmlformats.org/presentationml/2006/ole">
             <mc:AlternateContent xmlns:mc="http://schemas.openxmlformats.org/markup-compatibility/2006">
               <mc:Choice xmlns:v="urn:schemas-microsoft-com:vml" Requires="v">
-                <p:oleObj spid="_x0000_s17811" name="Worksheet" r:id="rId8" imgW="2241420" imgH="2584427" progId="Excel.Sheet.12">
+                <p:oleObj spid="_x0000_s17832" name="Worksheet" r:id="rId8" imgW="2241420" imgH="2584427" progId="Excel.Sheet.12">
                   <p:embed/>
                 </p:oleObj>
               </mc:Choice>
@@ -21318,7 +23053,7 @@
 </p:sld>
 </file>
 
-<file path=ppt/slides/slide17.xml><?xml version="1.0" encoding="utf-8"?>
+<file path=ppt/slides/slide18.xml><?xml version="1.0" encoding="utf-8"?>
 <p:sld xmlns:a="http://schemas.openxmlformats.org/drawingml/2006/main" xmlns:r="http://schemas.openxmlformats.org/officeDocument/2006/relationships" xmlns:p="http://schemas.openxmlformats.org/presentationml/2006/main">
   <p:cSld>
     <p:spTree>
@@ -21385,7 +23120,7 @@
           <a:graphicData uri="http://schemas.openxmlformats.org/presentationml/2006/ole">
             <mc:AlternateContent xmlns:mc="http://schemas.openxmlformats.org/markup-compatibility/2006">
               <mc:Choice xmlns:v="urn:schemas-microsoft-com:vml" Requires="v">
-                <p:oleObj spid="_x0000_s18833" name="Worksheet" r:id="rId3" imgW="2749680" imgH="2095545" progId="Excel.Sheet.12">
+                <p:oleObj spid="_x0000_s18854" name="Worksheet" r:id="rId3" imgW="2749680" imgH="2095545" progId="Excel.Sheet.12">
                   <p:embed/>
                 </p:oleObj>
               </mc:Choice>
@@ -21904,7 +23639,7 @@
           <a:graphicData uri="http://schemas.openxmlformats.org/presentationml/2006/ole">
             <mc:AlternateContent xmlns:mc="http://schemas.openxmlformats.org/markup-compatibility/2006">
               <mc:Choice xmlns:v="urn:schemas-microsoft-com:vml" Requires="v">
-                <p:oleObj spid="_x0000_s18834" name="Worksheet" r:id="rId6" imgW="2241420" imgH="2584427" progId="Excel.Sheet.12">
+                <p:oleObj spid="_x0000_s18855" name="Worksheet" r:id="rId6" imgW="2241420" imgH="2584427" progId="Excel.Sheet.12">
                   <p:embed/>
                 </p:oleObj>
               </mc:Choice>
@@ -22173,7 +23908,7 @@
           <a:graphicData uri="http://schemas.openxmlformats.org/presentationml/2006/ole">
             <mc:AlternateContent xmlns:mc="http://schemas.openxmlformats.org/markup-compatibility/2006">
               <mc:Choice xmlns:v="urn:schemas-microsoft-com:vml" Requires="v">
-                <p:oleObj spid="_x0000_s18835" name="Worksheet" r:id="rId8" imgW="2241420" imgH="2584427" progId="Excel.Sheet.12">
+                <p:oleObj spid="_x0000_s18856" name="Worksheet" r:id="rId8" imgW="2241420" imgH="2584427" progId="Excel.Sheet.12">
                   <p:embed/>
                 </p:oleObj>
               </mc:Choice>
@@ -22617,7 +24352,7 @@
 </p:sld>
 </file>
 
-<file path=ppt/slides/slide18.xml><?xml version="1.0" encoding="utf-8"?>
+<file path=ppt/slides/slide19.xml><?xml version="1.0" encoding="utf-8"?>
 <p:sld xmlns:a="http://schemas.openxmlformats.org/drawingml/2006/main" xmlns:r="http://schemas.openxmlformats.org/officeDocument/2006/relationships" xmlns:p="http://schemas.openxmlformats.org/presentationml/2006/main">
   <p:cSld>
     <p:spTree>
@@ -22684,7 +24419,7 @@
           <a:graphicData uri="http://schemas.openxmlformats.org/presentationml/2006/ole">
             <mc:AlternateContent xmlns:mc="http://schemas.openxmlformats.org/markup-compatibility/2006">
               <mc:Choice xmlns:v="urn:schemas-microsoft-com:vml" Requires="v">
-                <p:oleObj spid="_x0000_s19857" name="Worksheet" r:id="rId3" imgW="2749680" imgH="2095545" progId="Excel.Sheet.12">
+                <p:oleObj spid="_x0000_s19878" name="Worksheet" r:id="rId3" imgW="2749680" imgH="2095545" progId="Excel.Sheet.12">
                   <p:embed/>
                 </p:oleObj>
               </mc:Choice>
@@ -23203,7 +24938,7 @@
           <a:graphicData uri="http://schemas.openxmlformats.org/presentationml/2006/ole">
             <mc:AlternateContent xmlns:mc="http://schemas.openxmlformats.org/markup-compatibility/2006">
               <mc:Choice xmlns:v="urn:schemas-microsoft-com:vml" Requires="v">
-                <p:oleObj spid="_x0000_s19858" name="Worksheet" r:id="rId6" imgW="2241420" imgH="2584427" progId="Excel.Sheet.12">
+                <p:oleObj spid="_x0000_s19879" name="Worksheet" r:id="rId6" imgW="2241420" imgH="2584427" progId="Excel.Sheet.12">
                   <p:embed/>
                 </p:oleObj>
               </mc:Choice>
@@ -23286,7 +25021,7 @@
             <a:graphicData uri="http://schemas.openxmlformats.org/presentationml/2006/ole">
               <mc:AlternateContent xmlns:mc="http://schemas.openxmlformats.org/markup-compatibility/2006">
                 <mc:Choice xmlns:v="urn:schemas-microsoft-com:vml" Requires="v">
-                  <p:oleObj spid="_x0000_s19859" name="Worksheet" r:id="rId8" imgW="2749420" imgH="2095639" progId="Excel.Sheet.12">
+                  <p:oleObj spid="_x0000_s19880" name="Worksheet" r:id="rId8" imgW="2749420" imgH="2095639" progId="Excel.Sheet.12">
                     <p:embed/>
                   </p:oleObj>
                 </mc:Choice>
@@ -27216,7 +28951,91 @@
 </p:sld>
 </file>
 
-<file path=ppt/slides/slide19.xml><?xml version="1.0" encoding="utf-8"?>
+<file path=ppt/slides/slide2.xml><?xml version="1.0" encoding="utf-8"?>
+<p:sld xmlns:a="http://schemas.openxmlformats.org/drawingml/2006/main" xmlns:r="http://schemas.openxmlformats.org/officeDocument/2006/relationships" xmlns:p="http://schemas.openxmlformats.org/presentationml/2006/main">
+  <p:cSld>
+    <p:spTree>
+      <p:nvGrpSpPr>
+        <p:cNvPr id="1" name=""/>
+        <p:cNvGrpSpPr/>
+        <p:nvPr/>
+      </p:nvGrpSpPr>
+      <p:grpSpPr>
+        <a:xfrm>
+          <a:off x="0" y="0"/>
+          <a:ext cx="0" cy="0"/>
+          <a:chOff x="0" y="0"/>
+          <a:chExt cx="0" cy="0"/>
+        </a:xfrm>
+      </p:grpSpPr>
+      <p:sp>
+        <p:nvSpPr>
+          <p:cNvPr id="2" name="Title 1">
+            <a:extLst>
+              <a:ext uri="{FF2B5EF4-FFF2-40B4-BE49-F238E27FC236}">
+                <a16:creationId xmlns:a16="http://schemas.microsoft.com/office/drawing/2014/main" id="{6631AF55-1C49-41E7-AC10-A13726B485AF}"/>
+              </a:ext>
+            </a:extLst>
+          </p:cNvPr>
+          <p:cNvSpPr>
+            <a:spLocks noGrp="1"/>
+          </p:cNvSpPr>
+          <p:nvPr>
+            <p:ph type="title"/>
+          </p:nvPr>
+        </p:nvSpPr>
+        <p:spPr/>
+        <p:txBody>
+          <a:bodyPr/>
+          <a:lstStyle/>
+          <a:p>
+            <a:endParaRPr lang="en-US"/>
+          </a:p>
+        </p:txBody>
+      </p:sp>
+      <p:pic>
+        <p:nvPicPr>
+          <p:cNvPr id="5" name="Content Placeholder 4" descr="Graphical user interface, website&#10;&#10;Description automatically generated">
+            <a:extLst>
+              <a:ext uri="{FF2B5EF4-FFF2-40B4-BE49-F238E27FC236}">
+                <a16:creationId xmlns:a16="http://schemas.microsoft.com/office/drawing/2014/main" id="{28979812-924D-420F-9899-1997EE299CBA}"/>
+              </a:ext>
+            </a:extLst>
+          </p:cNvPr>
+          <p:cNvPicPr>
+            <a:picLocks noGrp="1" noChangeAspect="1"/>
+          </p:cNvPicPr>
+          <p:nvPr>
+            <p:ph idx="1"/>
+          </p:nvPr>
+        </p:nvPicPr>
+        <p:blipFill>
+          <a:blip r:embed="rId2"/>
+          <a:stretch>
+            <a:fillRect/>
+          </a:stretch>
+        </p:blipFill>
+        <p:spPr>
+          <a:xfrm>
+            <a:off x="214543" y="94046"/>
+            <a:ext cx="11762913" cy="6616640"/>
+          </a:xfrm>
+        </p:spPr>
+      </p:pic>
+    </p:spTree>
+    <p:extLst>
+      <p:ext uri="{BB962C8B-B14F-4D97-AF65-F5344CB8AC3E}">
+        <p14:creationId xmlns:p14="http://schemas.microsoft.com/office/powerpoint/2010/main" val="3596002935"/>
+      </p:ext>
+    </p:extLst>
+  </p:cSld>
+  <p:clrMapOvr>
+    <a:masterClrMapping/>
+  </p:clrMapOvr>
+</p:sld>
+</file>
+
+<file path=ppt/slides/slide20.xml><?xml version="1.0" encoding="utf-8"?>
 <p:sld xmlns:a="http://schemas.openxmlformats.org/drawingml/2006/main" xmlns:r="http://schemas.openxmlformats.org/officeDocument/2006/relationships" xmlns:p="http://schemas.openxmlformats.org/presentationml/2006/main">
   <p:cSld>
     <p:spTree>
@@ -27841,166 +29660,7 @@
 </p:sld>
 </file>
 
-<file path=ppt/slides/slide2.xml><?xml version="1.0" encoding="utf-8"?>
-<p:sld xmlns:a="http://schemas.openxmlformats.org/drawingml/2006/main" xmlns:r="http://schemas.openxmlformats.org/officeDocument/2006/relationships" xmlns:p="http://schemas.openxmlformats.org/presentationml/2006/main">
-  <p:cSld>
-    <p:spTree>
-      <p:nvGrpSpPr>
-        <p:cNvPr id="1" name=""/>
-        <p:cNvGrpSpPr/>
-        <p:nvPr/>
-      </p:nvGrpSpPr>
-      <p:grpSpPr>
-        <a:xfrm>
-          <a:off x="0" y="0"/>
-          <a:ext cx="0" cy="0"/>
-          <a:chOff x="0" y="0"/>
-          <a:chExt cx="0" cy="0"/>
-        </a:xfrm>
-      </p:grpSpPr>
-      <p:sp>
-        <p:nvSpPr>
-          <p:cNvPr id="2" name="Title 1">
-            <a:extLst>
-              <a:ext uri="{FF2B5EF4-FFF2-40B4-BE49-F238E27FC236}">
-                <a16:creationId xmlns:a16="http://schemas.microsoft.com/office/drawing/2014/main" id="{D5E94926-D907-464F-BA2B-1C7FCDC0ED9A}"/>
-              </a:ext>
-            </a:extLst>
-          </p:cNvPr>
-          <p:cNvSpPr>
-            <a:spLocks noGrp="1"/>
-          </p:cNvSpPr>
-          <p:nvPr>
-            <p:ph type="title"/>
-          </p:nvPr>
-        </p:nvSpPr>
-        <p:spPr/>
-        <p:txBody>
-          <a:bodyPr/>
-          <a:lstStyle/>
-          <a:p>
-            <a:r>
-              <a:rPr lang="en-US" dirty="0"/>
-              <a:t>About me</a:t>
-            </a:r>
-          </a:p>
-        </p:txBody>
-      </p:sp>
-      <p:sp>
-        <p:nvSpPr>
-          <p:cNvPr id="3" name="Content Placeholder 2">
-            <a:extLst>
-              <a:ext uri="{FF2B5EF4-FFF2-40B4-BE49-F238E27FC236}">
-                <a16:creationId xmlns:a16="http://schemas.microsoft.com/office/drawing/2014/main" id="{46EF7C64-4BD2-43E9-BFF5-882E6F8A4CDD}"/>
-              </a:ext>
-            </a:extLst>
-          </p:cNvPr>
-          <p:cNvSpPr>
-            <a:spLocks noGrp="1"/>
-          </p:cNvSpPr>
-          <p:nvPr>
-            <p:ph idx="1"/>
-          </p:nvPr>
-        </p:nvSpPr>
-        <p:spPr/>
-        <p:txBody>
-          <a:bodyPr/>
-          <a:lstStyle/>
-          <a:p>
-            <a:r>
-              <a:rPr lang="en-US" dirty="0"/>
-              <a:t>I graduated from Georgia Institute of Technology with a Masters in Computer Science specializing in Machine Learning</a:t>
-            </a:r>
-          </a:p>
-          <a:p>
-            <a:r>
-              <a:rPr lang="en-US" dirty="0"/>
-              <a:t>I currently work for Get Predictive as a Data Scientist / Programmer</a:t>
-            </a:r>
-          </a:p>
-          <a:p>
-            <a:r>
-              <a:rPr lang="en-US" dirty="0"/>
-              <a:t>I’m a huge fan of the Physicist David Deutsch and the Philosopher Karl Popper</a:t>
-            </a:r>
-          </a:p>
-          <a:p>
-            <a:r>
-              <a:rPr lang="en-US" dirty="0"/>
-              <a:t>I want to help invent AGI</a:t>
-            </a:r>
-          </a:p>
-          <a:p>
-            <a:r>
-              <a:rPr lang="en-US" dirty="0"/>
-              <a:t>Follow me on Twitter: </a:t>
-            </a:r>
-            <a:r>
-              <a:rPr lang="en-US" dirty="0">
-                <a:hlinkClick r:id="rId2"/>
-              </a:rPr>
-              <a:t>https://twitter.com/bnielson01</a:t>
-            </a:r>
-            <a:r>
-              <a:rPr lang="en-US" dirty="0"/>
-              <a:t> </a:t>
-            </a:r>
-          </a:p>
-          <a:p>
-            <a:r>
-              <a:rPr lang="en-US" dirty="0"/>
-              <a:t>My very nerdy podcast is “The Theory of </a:t>
-            </a:r>
-            <a:r>
-              <a:rPr lang="en-US" u="sng" dirty="0"/>
-              <a:t>Anything</a:t>
-            </a:r>
-            <a:r>
-              <a:rPr lang="en-US" dirty="0"/>
-              <a:t>”: </a:t>
-            </a:r>
-            <a:r>
-              <a:rPr lang="en-US" dirty="0">
-                <a:hlinkClick r:id="rId3"/>
-              </a:rPr>
-              <a:t>https://anchor.fm/four-strands</a:t>
-            </a:r>
-            <a:r>
-              <a:rPr lang="en-US" dirty="0"/>
-              <a:t> </a:t>
-            </a:r>
-          </a:p>
-          <a:p>
-            <a:pPr lvl="1"/>
-            <a:r>
-              <a:rPr lang="en-US" dirty="0"/>
-              <a:t>Covers science, philosophy, machine learning</a:t>
-            </a:r>
-            <a:r>
-              <a:rPr lang="en-US"/>
-              <a:t>, Marvel and Star Wars, etc. </a:t>
-            </a:r>
-            <a:endParaRPr lang="en-US" dirty="0"/>
-          </a:p>
-          <a:p>
-            <a:endParaRPr lang="en-US" dirty="0"/>
-          </a:p>
-        </p:txBody>
-      </p:sp>
-    </p:spTree>
-    <p:extLst>
-      <p:ext uri="{BB962C8B-B14F-4D97-AF65-F5344CB8AC3E}">
-        <p14:creationId xmlns:p14="http://schemas.microsoft.com/office/powerpoint/2010/main" val="1870560423"/>
-      </p:ext>
-    </p:extLst>
-  </p:cSld>
-  <p:clrMapOvr>
-    <a:masterClrMapping/>
-  </p:clrMapOvr>
-</p:sld>
-</file>
-
-<file path=ppt/slides/slide20.xml><?xml version="1.0" encoding="utf-8"?>
+<file path=ppt/slides/slide21.xml><?xml version="1.0" encoding="utf-8"?>
 <p:sld xmlns:a="http://schemas.openxmlformats.org/drawingml/2006/main" xmlns:r="http://schemas.openxmlformats.org/officeDocument/2006/relationships" xmlns:p="http://schemas.openxmlformats.org/presentationml/2006/main">
   <p:cSld>
     <p:spTree>
@@ -28264,7 +29924,7 @@
 </p:sld>
 </file>
 
-<file path=ppt/slides/slide21.xml><?xml version="1.0" encoding="utf-8"?>
+<file path=ppt/slides/slide22.xml><?xml version="1.0" encoding="utf-8"?>
 <p:sld xmlns:a="http://schemas.openxmlformats.org/drawingml/2006/main" xmlns:r="http://schemas.openxmlformats.org/officeDocument/2006/relationships" xmlns:p="http://schemas.openxmlformats.org/presentationml/2006/main">
   <p:cSld>
     <p:bg>
@@ -28623,7 +30283,7 @@
 </p:sld>
 </file>
 
-<file path=ppt/slides/slide22.xml><?xml version="1.0" encoding="utf-8"?>
+<file path=ppt/slides/slide23.xml><?xml version="1.0" encoding="utf-8"?>
 <p:sld xmlns:a="http://schemas.openxmlformats.org/drawingml/2006/main" xmlns:r="http://schemas.openxmlformats.org/officeDocument/2006/relationships" xmlns:p="http://schemas.openxmlformats.org/presentationml/2006/main">
   <p:cSld>
     <p:spTree>
@@ -28776,7 +30436,7 @@
 </p:sld>
 </file>
 
-<file path=ppt/slides/slide23.xml><?xml version="1.0" encoding="utf-8"?>
+<file path=ppt/slides/slide24.xml><?xml version="1.0" encoding="utf-8"?>
 <p:sld xmlns:a="http://schemas.openxmlformats.org/drawingml/2006/main" xmlns:r="http://schemas.openxmlformats.org/officeDocument/2006/relationships" xmlns:p="http://schemas.openxmlformats.org/presentationml/2006/main">
   <p:cSld>
     <p:spTree>
@@ -29187,7 +30847,7 @@
 </p:sld>
 </file>
 
-<file path=ppt/slides/slide24.xml><?xml version="1.0" encoding="utf-8"?>
+<file path=ppt/slides/slide25.xml><?xml version="1.0" encoding="utf-8"?>
 <p:sld xmlns:a="http://schemas.openxmlformats.org/drawingml/2006/main" xmlns:r="http://schemas.openxmlformats.org/officeDocument/2006/relationships" xmlns:p="http://schemas.openxmlformats.org/presentationml/2006/main">
   <p:cSld>
     <p:spTree>
@@ -29382,7 +31042,7 @@
 </p:sld>
 </file>
 
-<file path=ppt/slides/slide25.xml><?xml version="1.0" encoding="utf-8"?>
+<file path=ppt/slides/slide26.xml><?xml version="1.0" encoding="utf-8"?>
 <p:sld xmlns:a="http://schemas.openxmlformats.org/drawingml/2006/main" xmlns:r="http://schemas.openxmlformats.org/officeDocument/2006/relationships" xmlns:p="http://schemas.openxmlformats.org/presentationml/2006/main">
   <p:cSld>
     <p:spTree>
@@ -29477,7 +31137,7 @@
 </p:sld>
 </file>
 
-<file path=ppt/slides/slide26.xml><?xml version="1.0" encoding="utf-8"?>
+<file path=ppt/slides/slide27.xml><?xml version="1.0" encoding="utf-8"?>
 <p:sld xmlns:a="http://schemas.openxmlformats.org/drawingml/2006/main" xmlns:r="http://schemas.openxmlformats.org/officeDocument/2006/relationships" xmlns:p="http://schemas.openxmlformats.org/presentationml/2006/main">
   <p:cSld>
     <p:spTree>
@@ -29596,7 +31256,7 @@
           <a:p>
             <a:r>
               <a:rPr lang="en-US" dirty="0"/>
-              <a:t>Why not just use a neural network to approximate the Q-table?</a:t>
+              <a:t>Why not just use a neural network to approximate the Q-Function?</a:t>
             </a:r>
           </a:p>
         </p:txBody>
@@ -30208,7 +31868,7 @@
 </p:sld>
 </file>
 
-<file path=ppt/slides/slide27.xml><?xml version="1.0" encoding="utf-8"?>
+<file path=ppt/slides/slide28.xml><?xml version="1.0" encoding="utf-8"?>
 <p:sld xmlns:a="http://schemas.openxmlformats.org/drawingml/2006/main" xmlns:r="http://schemas.openxmlformats.org/officeDocument/2006/relationships" xmlns:p="http://schemas.openxmlformats.org/presentationml/2006/main">
   <p:cSld>
     <p:spTree>
@@ -30276,7 +31936,15 @@
           <a:p>
             <a:r>
               <a:rPr lang="en-US" dirty="0"/>
-              <a:t>New problem: How do you train a neural net to replace the Q-Table?</a:t>
+              <a:t>New problem: How do you train a neural net to replace </a:t>
+            </a:r>
+            <a:r>
+              <a:rPr lang="en-US"/>
+              <a:t>the Q-Function</a:t>
+            </a:r>
+            <a:r>
+              <a:rPr lang="en-US" dirty="0"/>
+              <a:t>?</a:t>
             </a:r>
           </a:p>
           <a:p>
@@ -30757,7 +32425,7 @@
 </p:sld>
 </file>
 
-<file path=ppt/slides/slide28.xml><?xml version="1.0" encoding="utf-8"?>
+<file path=ppt/slides/slide29.xml><?xml version="1.0" encoding="utf-8"?>
 <p:sld xmlns:a="http://schemas.openxmlformats.org/drawingml/2006/main" xmlns:r="http://schemas.openxmlformats.org/officeDocument/2006/relationships" xmlns:p="http://schemas.openxmlformats.org/presentationml/2006/main">
   <p:cSld>
     <p:bg>
@@ -31156,7 +32824,166 @@
 </p:sld>
 </file>
 
-<file path=ppt/slides/slide29.xml><?xml version="1.0" encoding="utf-8"?>
+<file path=ppt/slides/slide3.xml><?xml version="1.0" encoding="utf-8"?>
+<p:sld xmlns:a="http://schemas.openxmlformats.org/drawingml/2006/main" xmlns:r="http://schemas.openxmlformats.org/officeDocument/2006/relationships" xmlns:p="http://schemas.openxmlformats.org/presentationml/2006/main">
+  <p:cSld>
+    <p:spTree>
+      <p:nvGrpSpPr>
+        <p:cNvPr id="1" name=""/>
+        <p:cNvGrpSpPr/>
+        <p:nvPr/>
+      </p:nvGrpSpPr>
+      <p:grpSpPr>
+        <a:xfrm>
+          <a:off x="0" y="0"/>
+          <a:ext cx="0" cy="0"/>
+          <a:chOff x="0" y="0"/>
+          <a:chExt cx="0" cy="0"/>
+        </a:xfrm>
+      </p:grpSpPr>
+      <p:sp>
+        <p:nvSpPr>
+          <p:cNvPr id="2" name="Title 1">
+            <a:extLst>
+              <a:ext uri="{FF2B5EF4-FFF2-40B4-BE49-F238E27FC236}">
+                <a16:creationId xmlns:a16="http://schemas.microsoft.com/office/drawing/2014/main" id="{D5E94926-D907-464F-BA2B-1C7FCDC0ED9A}"/>
+              </a:ext>
+            </a:extLst>
+          </p:cNvPr>
+          <p:cNvSpPr>
+            <a:spLocks noGrp="1"/>
+          </p:cNvSpPr>
+          <p:nvPr>
+            <p:ph type="title"/>
+          </p:nvPr>
+        </p:nvSpPr>
+        <p:spPr/>
+        <p:txBody>
+          <a:bodyPr/>
+          <a:lstStyle/>
+          <a:p>
+            <a:r>
+              <a:rPr lang="en-US" dirty="0"/>
+              <a:t>About me</a:t>
+            </a:r>
+          </a:p>
+        </p:txBody>
+      </p:sp>
+      <p:sp>
+        <p:nvSpPr>
+          <p:cNvPr id="3" name="Content Placeholder 2">
+            <a:extLst>
+              <a:ext uri="{FF2B5EF4-FFF2-40B4-BE49-F238E27FC236}">
+                <a16:creationId xmlns:a16="http://schemas.microsoft.com/office/drawing/2014/main" id="{46EF7C64-4BD2-43E9-BFF5-882E6F8A4CDD}"/>
+              </a:ext>
+            </a:extLst>
+          </p:cNvPr>
+          <p:cNvSpPr>
+            <a:spLocks noGrp="1"/>
+          </p:cNvSpPr>
+          <p:nvPr>
+            <p:ph idx="1"/>
+          </p:nvPr>
+        </p:nvSpPr>
+        <p:spPr/>
+        <p:txBody>
+          <a:bodyPr/>
+          <a:lstStyle/>
+          <a:p>
+            <a:r>
+              <a:rPr lang="en-US" dirty="0"/>
+              <a:t>I graduated from Georgia Institute of Technology with a Masters in Computer Science specializing in Machine Learning</a:t>
+            </a:r>
+          </a:p>
+          <a:p>
+            <a:r>
+              <a:rPr lang="en-US" dirty="0"/>
+              <a:t>I currently work for Get Predictive as a Data Scientist / Programmer</a:t>
+            </a:r>
+          </a:p>
+          <a:p>
+            <a:r>
+              <a:rPr lang="en-US" dirty="0"/>
+              <a:t>I’m a huge fan of the Physicist David Deutsch and the Philosopher Karl Popper</a:t>
+            </a:r>
+          </a:p>
+          <a:p>
+            <a:r>
+              <a:rPr lang="en-US" dirty="0"/>
+              <a:t>I want to help invent AGI</a:t>
+            </a:r>
+          </a:p>
+          <a:p>
+            <a:r>
+              <a:rPr lang="en-US" dirty="0"/>
+              <a:t>Follow me on Twitter: </a:t>
+            </a:r>
+            <a:r>
+              <a:rPr lang="en-US" dirty="0">
+                <a:hlinkClick r:id="rId2"/>
+              </a:rPr>
+              <a:t>https://twitter.com/bnielson01</a:t>
+            </a:r>
+            <a:r>
+              <a:rPr lang="en-US" dirty="0"/>
+              <a:t> </a:t>
+            </a:r>
+          </a:p>
+          <a:p>
+            <a:r>
+              <a:rPr lang="en-US" dirty="0"/>
+              <a:t>My very nerdy podcast is “The Theory of </a:t>
+            </a:r>
+            <a:r>
+              <a:rPr lang="en-US" u="sng" dirty="0"/>
+              <a:t>Anything</a:t>
+            </a:r>
+            <a:r>
+              <a:rPr lang="en-US" dirty="0"/>
+              <a:t>”: </a:t>
+            </a:r>
+            <a:r>
+              <a:rPr lang="en-US" dirty="0">
+                <a:hlinkClick r:id="rId3"/>
+              </a:rPr>
+              <a:t>https://anchor.fm/four-strands</a:t>
+            </a:r>
+            <a:r>
+              <a:rPr lang="en-US" dirty="0"/>
+              <a:t> </a:t>
+            </a:r>
+          </a:p>
+          <a:p>
+            <a:pPr lvl="1"/>
+            <a:r>
+              <a:rPr lang="en-US" dirty="0"/>
+              <a:t>Covers science, philosophy, machine learning</a:t>
+            </a:r>
+            <a:r>
+              <a:rPr lang="en-US"/>
+              <a:t>, Marvel and Star Wars, etc. </a:t>
+            </a:r>
+            <a:endParaRPr lang="en-US" dirty="0"/>
+          </a:p>
+          <a:p>
+            <a:endParaRPr lang="en-US" dirty="0"/>
+          </a:p>
+        </p:txBody>
+      </p:sp>
+    </p:spTree>
+    <p:extLst>
+      <p:ext uri="{BB962C8B-B14F-4D97-AF65-F5344CB8AC3E}">
+        <p14:creationId xmlns:p14="http://schemas.microsoft.com/office/powerpoint/2010/main" val="1870560423"/>
+      </p:ext>
+    </p:extLst>
+  </p:cSld>
+  <p:clrMapOvr>
+    <a:masterClrMapping/>
+  </p:clrMapOvr>
+</p:sld>
+</file>
+
+<file path=ppt/slides/slide30.xml><?xml version="1.0" encoding="utf-8"?>
 <p:sld xmlns:a="http://schemas.openxmlformats.org/drawingml/2006/main" xmlns:r="http://schemas.openxmlformats.org/officeDocument/2006/relationships" xmlns:p="http://schemas.openxmlformats.org/presentationml/2006/main">
   <p:cSld>
     <p:spTree>
@@ -31418,737 +33245,7 @@
 </p:sld>
 </file>
 
-<file path=ppt/slides/slide3.xml><?xml version="1.0" encoding="utf-8"?>
-<p:sld xmlns:a="http://schemas.openxmlformats.org/drawingml/2006/main" xmlns:r="http://schemas.openxmlformats.org/officeDocument/2006/relationships" xmlns:p="http://schemas.openxmlformats.org/presentationml/2006/main">
-  <p:cSld>
-    <p:spTree>
-      <p:nvGrpSpPr>
-        <p:cNvPr id="1" name=""/>
-        <p:cNvGrpSpPr/>
-        <p:nvPr/>
-      </p:nvGrpSpPr>
-      <p:grpSpPr>
-        <a:xfrm>
-          <a:off x="0" y="0"/>
-          <a:ext cx="0" cy="0"/>
-          <a:chOff x="0" y="0"/>
-          <a:chExt cx="0" cy="0"/>
-        </a:xfrm>
-      </p:grpSpPr>
-      <p:sp>
-        <p:nvSpPr>
-          <p:cNvPr id="2" name="Title 1">
-            <a:extLst>
-              <a:ext uri="{FF2B5EF4-FFF2-40B4-BE49-F238E27FC236}">
-                <a16:creationId xmlns:a16="http://schemas.microsoft.com/office/drawing/2014/main" id="{DA9225D0-EE83-401E-AFDF-681367C5B772}"/>
-              </a:ext>
-            </a:extLst>
-          </p:cNvPr>
-          <p:cNvSpPr>
-            <a:spLocks noGrp="1"/>
-          </p:cNvSpPr>
-          <p:nvPr>
-            <p:ph type="title"/>
-          </p:nvPr>
-        </p:nvSpPr>
-        <p:spPr/>
-        <p:txBody>
-          <a:bodyPr/>
-          <a:lstStyle/>
-          <a:p>
-            <a:r>
-              <a:rPr lang="en-US" dirty="0"/>
-              <a:t>Types of Machine Learning</a:t>
-            </a:r>
-          </a:p>
-        </p:txBody>
-      </p:sp>
-      <p:pic>
-        <p:nvPicPr>
-          <p:cNvPr id="4" name="Picture 3">
-            <a:extLst>
-              <a:ext uri="{FF2B5EF4-FFF2-40B4-BE49-F238E27FC236}">
-                <a16:creationId xmlns:a16="http://schemas.microsoft.com/office/drawing/2014/main" id="{187575B3-C7AA-48F2-9DA2-28769C68A74F}"/>
-              </a:ext>
-            </a:extLst>
-          </p:cNvPr>
-          <p:cNvPicPr>
-            <a:picLocks noChangeAspect="1"/>
-          </p:cNvPicPr>
-          <p:nvPr/>
-        </p:nvPicPr>
-        <p:blipFill>
-          <a:blip r:embed="rId2"/>
-          <a:stretch>
-            <a:fillRect/>
-          </a:stretch>
-        </p:blipFill>
-        <p:spPr>
-          <a:xfrm>
-            <a:off x="240030" y="2018048"/>
-            <a:ext cx="2190098" cy="1833862"/>
-          </a:xfrm>
-          <a:prstGeom prst="rect">
-            <a:avLst/>
-          </a:prstGeom>
-        </p:spPr>
-      </p:pic>
-      <p:pic>
-        <p:nvPicPr>
-          <p:cNvPr id="5" name="Picture 4">
-            <a:extLst>
-              <a:ext uri="{FF2B5EF4-FFF2-40B4-BE49-F238E27FC236}">
-                <a16:creationId xmlns:a16="http://schemas.microsoft.com/office/drawing/2014/main" id="{FE8E2695-5F87-42B7-A3F8-A9E7431E1DEF}"/>
-              </a:ext>
-            </a:extLst>
-          </p:cNvPr>
-          <p:cNvPicPr>
-            <a:picLocks noChangeAspect="1"/>
-          </p:cNvPicPr>
-          <p:nvPr/>
-        </p:nvPicPr>
-        <p:blipFill>
-          <a:blip r:embed="rId3"/>
-          <a:stretch>
-            <a:fillRect/>
-          </a:stretch>
-        </p:blipFill>
-        <p:spPr>
-          <a:xfrm>
-            <a:off x="745268" y="3851910"/>
-            <a:ext cx="1840702" cy="1565631"/>
-          </a:xfrm>
-          <a:prstGeom prst="rect">
-            <a:avLst/>
-          </a:prstGeom>
-        </p:spPr>
-      </p:pic>
-      <p:pic>
-        <p:nvPicPr>
-          <p:cNvPr id="6" name="Picture 5">
-            <a:extLst>
-              <a:ext uri="{FF2B5EF4-FFF2-40B4-BE49-F238E27FC236}">
-                <a16:creationId xmlns:a16="http://schemas.microsoft.com/office/drawing/2014/main" id="{34CA9431-0C0C-4012-BEF5-9AA69115CA8F}"/>
-              </a:ext>
-            </a:extLst>
-          </p:cNvPr>
-          <p:cNvPicPr>
-            <a:picLocks noChangeAspect="1"/>
-          </p:cNvPicPr>
-          <p:nvPr/>
-        </p:nvPicPr>
-        <p:blipFill>
-          <a:blip r:embed="rId4"/>
-          <a:stretch>
-            <a:fillRect/>
-          </a:stretch>
-        </p:blipFill>
-        <p:spPr>
-          <a:xfrm>
-            <a:off x="2683944" y="4873664"/>
-            <a:ext cx="1527837" cy="1892896"/>
-          </a:xfrm>
-          <a:prstGeom prst="rect">
-            <a:avLst/>
-          </a:prstGeom>
-        </p:spPr>
-      </p:pic>
-      <p:sp>
-        <p:nvSpPr>
-          <p:cNvPr id="7" name="Rectangle 6">
-            <a:extLst>
-              <a:ext uri="{FF2B5EF4-FFF2-40B4-BE49-F238E27FC236}">
-                <a16:creationId xmlns:a16="http://schemas.microsoft.com/office/drawing/2014/main" id="{3EE68FED-4AB6-46DF-B33F-4C7D44BD6EAA}"/>
-              </a:ext>
-            </a:extLst>
-          </p:cNvPr>
-          <p:cNvSpPr/>
-          <p:nvPr/>
-        </p:nvSpPr>
-        <p:spPr>
-          <a:xfrm>
-            <a:off x="2629904" y="2322268"/>
-            <a:ext cx="6793655" cy="923330"/>
-          </a:xfrm>
-          <a:prstGeom prst="rect">
-            <a:avLst/>
-          </a:prstGeom>
-          <a:noFill/>
-        </p:spPr>
-        <p:txBody>
-          <a:bodyPr wrap="none" lIns="91440" tIns="45720" rIns="91440" bIns="45720">
-            <a:spAutoFit/>
-          </a:bodyPr>
-          <a:lstStyle/>
-          <a:p>
-            <a:pPr algn="ctr"/>
-            <a:r>
-              <a:rPr lang="en-US" sz="5400" b="1" cap="none" spc="0" dirty="0">
-                <a:ln w="12700">
-                  <a:solidFill>
-                    <a:schemeClr val="accent1"/>
-                  </a:solidFill>
-                  <a:prstDash val="solid"/>
-                </a:ln>
-                <a:pattFill prst="pct50">
-                  <a:fgClr>
-                    <a:schemeClr val="accent1"/>
-                  </a:fgClr>
-                  <a:bgClr>
-                    <a:schemeClr val="accent1">
-                      <a:lumMod val="20000"/>
-                      <a:lumOff val="80000"/>
-                    </a:schemeClr>
-                  </a:bgClr>
-                </a:pattFill>
-                <a:effectLst>
-                  <a:outerShdw dist="38100" dir="2640000" algn="bl" rotWithShape="0">
-                    <a:schemeClr val="accent1"/>
-                  </a:outerShdw>
-                </a:effectLst>
-              </a:rPr>
-              <a:t>Supervised Learning</a:t>
-            </a:r>
-          </a:p>
-        </p:txBody>
-      </p:sp>
-      <p:sp>
-        <p:nvSpPr>
-          <p:cNvPr id="8" name="Rectangle 7">
-            <a:extLst>
-              <a:ext uri="{FF2B5EF4-FFF2-40B4-BE49-F238E27FC236}">
-                <a16:creationId xmlns:a16="http://schemas.microsoft.com/office/drawing/2014/main" id="{74B65F56-C65D-4836-B140-AEC45D839BCB}"/>
-              </a:ext>
-            </a:extLst>
-          </p:cNvPr>
-          <p:cNvSpPr/>
-          <p:nvPr/>
-        </p:nvSpPr>
-        <p:spPr>
-          <a:xfrm>
-            <a:off x="2585970" y="3851910"/>
-            <a:ext cx="7768280" cy="923330"/>
-          </a:xfrm>
-          <a:prstGeom prst="rect">
-            <a:avLst/>
-          </a:prstGeom>
-          <a:noFill/>
-        </p:spPr>
-        <p:txBody>
-          <a:bodyPr wrap="none" lIns="91440" tIns="45720" rIns="91440" bIns="45720">
-            <a:spAutoFit/>
-          </a:bodyPr>
-          <a:lstStyle/>
-          <a:p>
-            <a:pPr algn="ctr"/>
-            <a:r>
-              <a:rPr lang="en-US" sz="5400" b="1" cap="none" spc="0" dirty="0">
-                <a:ln w="12700">
-                  <a:solidFill>
-                    <a:schemeClr val="accent1"/>
-                  </a:solidFill>
-                  <a:prstDash val="solid"/>
-                </a:ln>
-                <a:pattFill prst="pct50">
-                  <a:fgClr>
-                    <a:schemeClr val="accent1"/>
-                  </a:fgClr>
-                  <a:bgClr>
-                    <a:schemeClr val="accent1">
-                      <a:lumMod val="20000"/>
-                      <a:lumOff val="80000"/>
-                    </a:schemeClr>
-                  </a:bgClr>
-                </a:pattFill>
-                <a:effectLst>
-                  <a:outerShdw dist="38100" dir="2640000" algn="bl" rotWithShape="0">
-                    <a:schemeClr val="accent1"/>
-                  </a:outerShdw>
-                </a:effectLst>
-              </a:rPr>
-              <a:t>Unsupervised Learning</a:t>
-            </a:r>
-          </a:p>
-        </p:txBody>
-      </p:sp>
-      <p:sp>
-        <p:nvSpPr>
-          <p:cNvPr id="9" name="Rectangle 8">
-            <a:extLst>
-              <a:ext uri="{FF2B5EF4-FFF2-40B4-BE49-F238E27FC236}">
-                <a16:creationId xmlns:a16="http://schemas.microsoft.com/office/drawing/2014/main" id="{8B8DE1FB-455E-4E78-A1C1-B167F97F5CC5}"/>
-              </a:ext>
-            </a:extLst>
-          </p:cNvPr>
-          <p:cNvSpPr/>
-          <p:nvPr/>
-        </p:nvSpPr>
-        <p:spPr>
-          <a:xfrm>
-            <a:off x="4152555" y="5164835"/>
-            <a:ext cx="8039445" cy="923330"/>
-          </a:xfrm>
-          <a:prstGeom prst="rect">
-            <a:avLst/>
-          </a:prstGeom>
-          <a:noFill/>
-        </p:spPr>
-        <p:txBody>
-          <a:bodyPr wrap="none" lIns="91440" tIns="45720" rIns="91440" bIns="45720">
-            <a:spAutoFit/>
-          </a:bodyPr>
-          <a:lstStyle/>
-          <a:p>
-            <a:pPr algn="ctr"/>
-            <a:r>
-              <a:rPr lang="en-US" sz="5400" b="1" cap="none" spc="0" dirty="0">
-                <a:ln w="12700">
-                  <a:solidFill>
-                    <a:schemeClr val="accent1"/>
-                  </a:solidFill>
-                  <a:prstDash val="solid"/>
-                </a:ln>
-                <a:pattFill prst="pct50">
-                  <a:fgClr>
-                    <a:schemeClr val="accent1"/>
-                  </a:fgClr>
-                  <a:bgClr>
-                    <a:schemeClr val="accent1">
-                      <a:lumMod val="20000"/>
-                      <a:lumOff val="80000"/>
-                    </a:schemeClr>
-                  </a:bgClr>
-                </a:pattFill>
-                <a:effectLst>
-                  <a:outerShdw dist="38100" dir="2640000" algn="bl" rotWithShape="0">
-                    <a:schemeClr val="accent1"/>
-                  </a:outerShdw>
-                </a:effectLst>
-              </a:rPr>
-              <a:t>Reinforcement Learning</a:t>
-            </a:r>
-          </a:p>
-        </p:txBody>
-      </p:sp>
-      <p:sp>
-        <p:nvSpPr>
-          <p:cNvPr id="3" name="Rectangle 2">
-            <a:extLst>
-              <a:ext uri="{FF2B5EF4-FFF2-40B4-BE49-F238E27FC236}">
-                <a16:creationId xmlns:a16="http://schemas.microsoft.com/office/drawing/2014/main" id="{10999F13-F608-491F-974C-B7C3409111F9}"/>
-              </a:ext>
-            </a:extLst>
-          </p:cNvPr>
-          <p:cNvSpPr/>
-          <p:nvPr/>
-        </p:nvSpPr>
-        <p:spPr>
-          <a:xfrm>
-            <a:off x="2585970" y="4775240"/>
-            <a:ext cx="9493141" cy="1991320"/>
-          </a:xfrm>
-          <a:prstGeom prst="rect">
-            <a:avLst/>
-          </a:prstGeom>
-          <a:noFill/>
-          <a:ln w="85725">
-            <a:solidFill>
-              <a:srgbClr val="FF0000"/>
-            </a:solidFill>
-          </a:ln>
-        </p:spPr>
-        <p:style>
-          <a:lnRef idx="2">
-            <a:schemeClr val="accent1">
-              <a:shade val="50000"/>
-            </a:schemeClr>
-          </a:lnRef>
-          <a:fillRef idx="1">
-            <a:schemeClr val="accent1"/>
-          </a:fillRef>
-          <a:effectRef idx="0">
-            <a:schemeClr val="accent1"/>
-          </a:effectRef>
-          <a:fontRef idx="minor">
-            <a:schemeClr val="lt1"/>
-          </a:fontRef>
-        </p:style>
-        <p:txBody>
-          <a:bodyPr rtlCol="0" anchor="ctr"/>
-          <a:lstStyle/>
-          <a:p>
-            <a:pPr algn="ctr"/>
-            <a:endParaRPr lang="en-US"/>
-          </a:p>
-        </p:txBody>
-      </p:sp>
-    </p:spTree>
-    <p:extLst>
-      <p:ext uri="{BB962C8B-B14F-4D97-AF65-F5344CB8AC3E}">
-        <p14:creationId xmlns:p14="http://schemas.microsoft.com/office/powerpoint/2010/main" val="157412651"/>
-      </p:ext>
-    </p:extLst>
-  </p:cSld>
-  <p:clrMapOvr>
-    <a:masterClrMapping/>
-  </p:clrMapOvr>
-  <p:timing>
-    <p:tnLst>
-      <p:par>
-        <p:cTn id="1" dur="indefinite" restart="never" nodeType="tmRoot">
-          <p:childTnLst>
-            <p:seq concurrent="1" nextAc="seek">
-              <p:cTn id="2" dur="indefinite" nodeType="mainSeq">
-                <p:childTnLst>
-                  <p:par>
-                    <p:cTn id="3" fill="hold">
-                      <p:stCondLst>
-                        <p:cond delay="indefinite"/>
-                      </p:stCondLst>
-                      <p:childTnLst>
-                        <p:par>
-                          <p:cTn id="4" fill="hold">
-                            <p:stCondLst>
-                              <p:cond delay="0"/>
-                            </p:stCondLst>
-                            <p:childTnLst>
-                              <p:par>
-                                <p:cTn id="5" presetID="22" presetClass="entr" presetSubtype="4" fill="hold" nodeType="clickEffect">
-                                  <p:stCondLst>
-                                    <p:cond delay="0"/>
-                                  </p:stCondLst>
-                                  <p:childTnLst>
-                                    <p:set>
-                                      <p:cBhvr>
-                                        <p:cTn id="6" dur="1" fill="hold">
-                                          <p:stCondLst>
-                                            <p:cond delay="0"/>
-                                          </p:stCondLst>
-                                        </p:cTn>
-                                        <p:tgtEl>
-                                          <p:spTgt spid="4"/>
-                                        </p:tgtEl>
-                                        <p:attrNameLst>
-                                          <p:attrName>style.visibility</p:attrName>
-                                        </p:attrNameLst>
-                                      </p:cBhvr>
-                                      <p:to>
-                                        <p:strVal val="visible"/>
-                                      </p:to>
-                                    </p:set>
-                                    <p:animEffect transition="in" filter="wipe(down)">
-                                      <p:cBhvr>
-                                        <p:cTn id="7" dur="500"/>
-                                        <p:tgtEl>
-                                          <p:spTgt spid="4"/>
-                                        </p:tgtEl>
-                                      </p:cBhvr>
-                                    </p:animEffect>
-                                  </p:childTnLst>
-                                </p:cTn>
-                              </p:par>
-                              <p:par>
-                                <p:cTn id="8" presetID="22" presetClass="entr" presetSubtype="4" fill="hold" grpId="0" nodeType="withEffect">
-                                  <p:stCondLst>
-                                    <p:cond delay="0"/>
-                                  </p:stCondLst>
-                                  <p:childTnLst>
-                                    <p:set>
-                                      <p:cBhvr>
-                                        <p:cTn id="9" dur="1" fill="hold">
-                                          <p:stCondLst>
-                                            <p:cond delay="0"/>
-                                          </p:stCondLst>
-                                        </p:cTn>
-                                        <p:tgtEl>
-                                          <p:spTgt spid="7"/>
-                                        </p:tgtEl>
-                                        <p:attrNameLst>
-                                          <p:attrName>style.visibility</p:attrName>
-                                        </p:attrNameLst>
-                                      </p:cBhvr>
-                                      <p:to>
-                                        <p:strVal val="visible"/>
-                                      </p:to>
-                                    </p:set>
-                                    <p:animEffect transition="in" filter="wipe(down)">
-                                      <p:cBhvr>
-                                        <p:cTn id="10" dur="500"/>
-                                        <p:tgtEl>
-                                          <p:spTgt spid="7"/>
-                                        </p:tgtEl>
-                                      </p:cBhvr>
-                                    </p:animEffect>
-                                  </p:childTnLst>
-                                </p:cTn>
-                              </p:par>
-                            </p:childTnLst>
-                          </p:cTn>
-                        </p:par>
-                      </p:childTnLst>
-                    </p:cTn>
-                  </p:par>
-                  <p:par>
-                    <p:cTn id="11" fill="hold">
-                      <p:stCondLst>
-                        <p:cond delay="indefinite"/>
-                      </p:stCondLst>
-                      <p:childTnLst>
-                        <p:par>
-                          <p:cTn id="12" fill="hold">
-                            <p:stCondLst>
-                              <p:cond delay="0"/>
-                            </p:stCondLst>
-                            <p:childTnLst>
-                              <p:par>
-                                <p:cTn id="13" presetID="22" presetClass="entr" presetSubtype="4" fill="hold" grpId="0" nodeType="clickEffect">
-                                  <p:stCondLst>
-                                    <p:cond delay="0"/>
-                                  </p:stCondLst>
-                                  <p:childTnLst>
-                                    <p:set>
-                                      <p:cBhvr>
-                                        <p:cTn id="14" dur="1" fill="hold">
-                                          <p:stCondLst>
-                                            <p:cond delay="0"/>
-                                          </p:stCondLst>
-                                        </p:cTn>
-                                        <p:tgtEl>
-                                          <p:spTgt spid="8"/>
-                                        </p:tgtEl>
-                                        <p:attrNameLst>
-                                          <p:attrName>style.visibility</p:attrName>
-                                        </p:attrNameLst>
-                                      </p:cBhvr>
-                                      <p:to>
-                                        <p:strVal val="visible"/>
-                                      </p:to>
-                                    </p:set>
-                                    <p:animEffect transition="in" filter="wipe(down)">
-                                      <p:cBhvr>
-                                        <p:cTn id="15" dur="500"/>
-                                        <p:tgtEl>
-                                          <p:spTgt spid="8"/>
-                                        </p:tgtEl>
-                                      </p:cBhvr>
-                                    </p:animEffect>
-                                  </p:childTnLst>
-                                </p:cTn>
-                              </p:par>
-                              <p:par>
-                                <p:cTn id="16" presetID="22" presetClass="entr" presetSubtype="4" fill="hold" nodeType="withEffect">
-                                  <p:stCondLst>
-                                    <p:cond delay="0"/>
-                                  </p:stCondLst>
-                                  <p:childTnLst>
-                                    <p:set>
-                                      <p:cBhvr>
-                                        <p:cTn id="17" dur="1" fill="hold">
-                                          <p:stCondLst>
-                                            <p:cond delay="0"/>
-                                          </p:stCondLst>
-                                        </p:cTn>
-                                        <p:tgtEl>
-                                          <p:spTgt spid="5"/>
-                                        </p:tgtEl>
-                                        <p:attrNameLst>
-                                          <p:attrName>style.visibility</p:attrName>
-                                        </p:attrNameLst>
-                                      </p:cBhvr>
-                                      <p:to>
-                                        <p:strVal val="visible"/>
-                                      </p:to>
-                                    </p:set>
-                                    <p:animEffect transition="in" filter="wipe(down)">
-                                      <p:cBhvr>
-                                        <p:cTn id="18" dur="500"/>
-                                        <p:tgtEl>
-                                          <p:spTgt spid="5"/>
-                                        </p:tgtEl>
-                                      </p:cBhvr>
-                                    </p:animEffect>
-                                  </p:childTnLst>
-                                </p:cTn>
-                              </p:par>
-                            </p:childTnLst>
-                          </p:cTn>
-                        </p:par>
-                      </p:childTnLst>
-                    </p:cTn>
-                  </p:par>
-                  <p:par>
-                    <p:cTn id="19" fill="hold">
-                      <p:stCondLst>
-                        <p:cond delay="indefinite"/>
-                      </p:stCondLst>
-                      <p:childTnLst>
-                        <p:par>
-                          <p:cTn id="20" fill="hold">
-                            <p:stCondLst>
-                              <p:cond delay="0"/>
-                            </p:stCondLst>
-                            <p:childTnLst>
-                              <p:par>
-                                <p:cTn id="21" presetID="22" presetClass="entr" presetSubtype="4" fill="hold" nodeType="clickEffect">
-                                  <p:stCondLst>
-                                    <p:cond delay="0"/>
-                                  </p:stCondLst>
-                                  <p:childTnLst>
-                                    <p:set>
-                                      <p:cBhvr>
-                                        <p:cTn id="22" dur="1" fill="hold">
-                                          <p:stCondLst>
-                                            <p:cond delay="0"/>
-                                          </p:stCondLst>
-                                        </p:cTn>
-                                        <p:tgtEl>
-                                          <p:spTgt spid="6"/>
-                                        </p:tgtEl>
-                                        <p:attrNameLst>
-                                          <p:attrName>style.visibility</p:attrName>
-                                        </p:attrNameLst>
-                                      </p:cBhvr>
-                                      <p:to>
-                                        <p:strVal val="visible"/>
-                                      </p:to>
-                                    </p:set>
-                                    <p:animEffect transition="in" filter="wipe(down)">
-                                      <p:cBhvr>
-                                        <p:cTn id="23" dur="500"/>
-                                        <p:tgtEl>
-                                          <p:spTgt spid="6"/>
-                                        </p:tgtEl>
-                                      </p:cBhvr>
-                                    </p:animEffect>
-                                  </p:childTnLst>
-                                </p:cTn>
-                              </p:par>
-                              <p:par>
-                                <p:cTn id="24" presetID="22" presetClass="entr" presetSubtype="4" fill="hold" grpId="0" nodeType="withEffect">
-                                  <p:stCondLst>
-                                    <p:cond delay="0"/>
-                                  </p:stCondLst>
-                                  <p:childTnLst>
-                                    <p:set>
-                                      <p:cBhvr>
-                                        <p:cTn id="25" dur="1" fill="hold">
-                                          <p:stCondLst>
-                                            <p:cond delay="0"/>
-                                          </p:stCondLst>
-                                        </p:cTn>
-                                        <p:tgtEl>
-                                          <p:spTgt spid="9"/>
-                                        </p:tgtEl>
-                                        <p:attrNameLst>
-                                          <p:attrName>style.visibility</p:attrName>
-                                        </p:attrNameLst>
-                                      </p:cBhvr>
-                                      <p:to>
-                                        <p:strVal val="visible"/>
-                                      </p:to>
-                                    </p:set>
-                                    <p:animEffect transition="in" filter="wipe(down)">
-                                      <p:cBhvr>
-                                        <p:cTn id="26" dur="500"/>
-                                        <p:tgtEl>
-                                          <p:spTgt spid="9"/>
-                                        </p:tgtEl>
-                                      </p:cBhvr>
-                                    </p:animEffect>
-                                  </p:childTnLst>
-                                </p:cTn>
-                              </p:par>
-                            </p:childTnLst>
-                          </p:cTn>
-                        </p:par>
-                      </p:childTnLst>
-                    </p:cTn>
-                  </p:par>
-                  <p:par>
-                    <p:cTn id="27" fill="hold">
-                      <p:stCondLst>
-                        <p:cond delay="indefinite"/>
-                      </p:stCondLst>
-                      <p:childTnLst>
-                        <p:par>
-                          <p:cTn id="28" fill="hold">
-                            <p:stCondLst>
-                              <p:cond delay="0"/>
-                            </p:stCondLst>
-                            <p:childTnLst>
-                              <p:par>
-                                <p:cTn id="29" presetID="10" presetClass="entr" presetSubtype="0" fill="hold" grpId="0" nodeType="clickEffect">
-                                  <p:stCondLst>
-                                    <p:cond delay="0"/>
-                                  </p:stCondLst>
-                                  <p:childTnLst>
-                                    <p:set>
-                                      <p:cBhvr>
-                                        <p:cTn id="30" dur="1" fill="hold">
-                                          <p:stCondLst>
-                                            <p:cond delay="0"/>
-                                          </p:stCondLst>
-                                        </p:cTn>
-                                        <p:tgtEl>
-                                          <p:spTgt spid="3"/>
-                                        </p:tgtEl>
-                                        <p:attrNameLst>
-                                          <p:attrName>style.visibility</p:attrName>
-                                        </p:attrNameLst>
-                                      </p:cBhvr>
-                                      <p:to>
-                                        <p:strVal val="visible"/>
-                                      </p:to>
-                                    </p:set>
-                                    <p:animEffect transition="in" filter="fade">
-                                      <p:cBhvr>
-                                        <p:cTn id="31" dur="500"/>
-                                        <p:tgtEl>
-                                          <p:spTgt spid="3"/>
-                                        </p:tgtEl>
-                                      </p:cBhvr>
-                                    </p:animEffect>
-                                  </p:childTnLst>
-                                </p:cTn>
-                              </p:par>
-                            </p:childTnLst>
-                          </p:cTn>
-                        </p:par>
-                      </p:childTnLst>
-                    </p:cTn>
-                  </p:par>
-                </p:childTnLst>
-              </p:cTn>
-              <p:prevCondLst>
-                <p:cond evt="onPrev" delay="0">
-                  <p:tgtEl>
-                    <p:sldTgt/>
-                  </p:tgtEl>
-                </p:cond>
-              </p:prevCondLst>
-              <p:nextCondLst>
-                <p:cond evt="onNext" delay="0">
-                  <p:tgtEl>
-                    <p:sldTgt/>
-                  </p:tgtEl>
-                </p:cond>
-              </p:nextCondLst>
-            </p:seq>
-          </p:childTnLst>
-        </p:cTn>
-      </p:par>
-    </p:tnLst>
-    <p:bldLst>
-      <p:bldP spid="7" grpId="0"/>
-      <p:bldP spid="8" grpId="0"/>
-      <p:bldP spid="9" grpId="0"/>
-      <p:bldP spid="3" grpId="0" animBg="1"/>
-    </p:bldLst>
-  </p:timing>
-</p:sld>
-</file>
-
-<file path=ppt/slides/slide30.xml><?xml version="1.0" encoding="utf-8"?>
+<file path=ppt/slides/slide31.xml><?xml version="1.0" encoding="utf-8"?>
 <p:sld xmlns:a="http://schemas.openxmlformats.org/drawingml/2006/main" xmlns:r="http://schemas.openxmlformats.org/officeDocument/2006/relationships" xmlns:p="http://schemas.openxmlformats.org/presentationml/2006/main">
   <p:cSld>
     <p:spTree>
@@ -33439,7 +34536,7 @@
 </p:sld>
 </file>
 
-<file path=ppt/slides/slide31.xml><?xml version="1.0" encoding="utf-8"?>
+<file path=ppt/slides/slide32.xml><?xml version="1.0" encoding="utf-8"?>
 <p:sld xmlns:a="http://schemas.openxmlformats.org/drawingml/2006/main" xmlns:r="http://schemas.openxmlformats.org/officeDocument/2006/relationships" xmlns:p="http://schemas.openxmlformats.org/presentationml/2006/main">
   <p:cSld>
     <p:spTree>
@@ -33543,7 +34640,7 @@
 </p:sld>
 </file>
 
-<file path=ppt/slides/slide32.xml><?xml version="1.0" encoding="utf-8"?>
+<file path=ppt/slides/slide33.xml><?xml version="1.0" encoding="utf-8"?>
 <p:sld xmlns:a="http://schemas.openxmlformats.org/drawingml/2006/main" xmlns:r="http://schemas.openxmlformats.org/officeDocument/2006/relationships" xmlns:p="http://schemas.openxmlformats.org/presentationml/2006/main">
   <p:cSld>
     <p:spTree>
@@ -33661,7 +34758,7 @@
 </p:sld>
 </file>
 
-<file path=ppt/slides/slide33.xml><?xml version="1.0" encoding="utf-8"?>
+<file path=ppt/slides/slide34.xml><?xml version="1.0" encoding="utf-8"?>
 <p:sld xmlns:a="http://schemas.openxmlformats.org/drawingml/2006/main" xmlns:r="http://schemas.openxmlformats.org/officeDocument/2006/relationships" xmlns:p="http://schemas.openxmlformats.org/presentationml/2006/main">
   <p:cSld>
     <p:spTree>
@@ -33739,203 +34836,6 @@
     <p:extLst>
       <p:ext uri="{BB962C8B-B14F-4D97-AF65-F5344CB8AC3E}">
         <p14:creationId xmlns:p14="http://schemas.microsoft.com/office/powerpoint/2010/main" val="1507957856"/>
-      </p:ext>
-    </p:extLst>
-  </p:cSld>
-  <p:clrMapOvr>
-    <a:masterClrMapping/>
-  </p:clrMapOvr>
-</p:sld>
-</file>
-
-<file path=ppt/slides/slide34.xml><?xml version="1.0" encoding="utf-8"?>
-<p:sld xmlns:a="http://schemas.openxmlformats.org/drawingml/2006/main" xmlns:r="http://schemas.openxmlformats.org/officeDocument/2006/relationships" xmlns:p="http://schemas.openxmlformats.org/presentationml/2006/main">
-  <p:cSld>
-    <p:spTree>
-      <p:nvGrpSpPr>
-        <p:cNvPr id="1" name=""/>
-        <p:cNvGrpSpPr/>
-        <p:nvPr/>
-      </p:nvGrpSpPr>
-      <p:grpSpPr>
-        <a:xfrm>
-          <a:off x="0" y="0"/>
-          <a:ext cx="0" cy="0"/>
-          <a:chOff x="0" y="0"/>
-          <a:chExt cx="0" cy="0"/>
-        </a:xfrm>
-      </p:grpSpPr>
-      <p:sp>
-        <p:nvSpPr>
-          <p:cNvPr id="2" name="Title 1">
-            <a:extLst>
-              <a:ext uri="{FF2B5EF4-FFF2-40B4-BE49-F238E27FC236}">
-                <a16:creationId xmlns:a16="http://schemas.microsoft.com/office/drawing/2014/main" id="{0C0BA05A-3A05-4B9E-B139-B3E01BFE45C0}"/>
-              </a:ext>
-            </a:extLst>
-          </p:cNvPr>
-          <p:cNvSpPr>
-            <a:spLocks noGrp="1"/>
-          </p:cNvSpPr>
-          <p:nvPr>
-            <p:ph type="title"/>
-          </p:nvPr>
-        </p:nvSpPr>
-        <p:spPr/>
-        <p:txBody>
-          <a:bodyPr/>
-          <a:lstStyle/>
-          <a:p>
-            <a:r>
-              <a:rPr lang="en-US" dirty="0"/>
-              <a:t>My </a:t>
-            </a:r>
-            <a:r>
-              <a:rPr lang="en-US" dirty="0" err="1"/>
-              <a:t>github</a:t>
-            </a:r>
-            <a:r>
-              <a:rPr lang="en-US" dirty="0"/>
-              <a:t> code base</a:t>
-            </a:r>
-          </a:p>
-        </p:txBody>
-      </p:sp>
-      <p:sp>
-        <p:nvSpPr>
-          <p:cNvPr id="3" name="Content Placeholder 2">
-            <a:extLst>
-              <a:ext uri="{FF2B5EF4-FFF2-40B4-BE49-F238E27FC236}">
-                <a16:creationId xmlns:a16="http://schemas.microsoft.com/office/drawing/2014/main" id="{9087CB82-EFB5-47C3-99D6-E6527ACC153C}"/>
-              </a:ext>
-            </a:extLst>
-          </p:cNvPr>
-          <p:cNvSpPr>
-            <a:spLocks noGrp="1"/>
-          </p:cNvSpPr>
-          <p:nvPr>
-            <p:ph idx="1"/>
-          </p:nvPr>
-        </p:nvSpPr>
-        <p:spPr>
-          <a:xfrm>
-            <a:off x="581192" y="1875934"/>
-            <a:ext cx="11029615" cy="4732256"/>
-          </a:xfrm>
-        </p:spPr>
-        <p:txBody>
-          <a:bodyPr>
-            <a:normAutofit fontScale="92500"/>
-          </a:bodyPr>
-          <a:lstStyle/>
-          <a:p>
-            <a:r>
-              <a:rPr lang="en-US" b="1" dirty="0"/>
-              <a:t>Warning: </a:t>
-            </a:r>
-          </a:p>
-          <a:p>
-            <a:pPr lvl="1"/>
-            <a:r>
-              <a:rPr lang="en-US" b="1" dirty="0"/>
-              <a:t>Setting up the environment for </a:t>
-            </a:r>
-            <a:r>
-              <a:rPr lang="en-US" b="1" dirty="0" err="1"/>
-              <a:t>OpenAI</a:t>
-            </a:r>
-            <a:r>
-              <a:rPr lang="en-US" b="1" dirty="0"/>
-              <a:t> is difficult. I have yet to document it. But I just googled around until I got it working.</a:t>
-            </a:r>
-          </a:p>
-          <a:p>
-            <a:endParaRPr lang="en-US" b="1" dirty="0"/>
-          </a:p>
-          <a:p>
-            <a:r>
-              <a:rPr lang="en-US" b="1" dirty="0"/>
-              <a:t>Built using Python/</a:t>
-            </a:r>
-            <a:r>
-              <a:rPr lang="en-US" b="1" dirty="0" err="1"/>
-              <a:t>Keras</a:t>
-            </a:r>
-            <a:r>
-              <a:rPr lang="en-US" b="1" dirty="0"/>
-              <a:t>/</a:t>
-            </a:r>
-            <a:r>
-              <a:rPr lang="en-US" b="1" dirty="0" err="1"/>
-              <a:t>Tensorflow</a:t>
-            </a:r>
-            <a:endParaRPr lang="en-US" b="1" dirty="0"/>
-          </a:p>
-          <a:p>
-            <a:endParaRPr lang="en-US" b="1" dirty="0"/>
-          </a:p>
-          <a:p>
-            <a:r>
-              <a:rPr lang="en-US" b="1" dirty="0"/>
-              <a:t>File: </a:t>
-            </a:r>
-            <a:r>
-              <a:rPr lang="en-US" dirty="0"/>
-              <a:t>q_learner_interfaces.py</a:t>
-            </a:r>
-          </a:p>
-          <a:p>
-            <a:r>
-              <a:rPr lang="en-US" dirty="0"/>
-              <a:t>Contains a set of interfaces for either regular Q-Learning or Deep Reinforcement Learning</a:t>
-            </a:r>
-          </a:p>
-          <a:p>
-            <a:r>
-              <a:rPr lang="en-US" b="1" dirty="0" err="1"/>
-              <a:t>IQModelInterface</a:t>
-            </a:r>
-            <a:r>
-              <a:rPr lang="en-US" b="1" dirty="0"/>
-              <a:t>:</a:t>
-            </a:r>
-            <a:r>
-              <a:rPr lang="en-US" dirty="0"/>
-              <a:t> Interface for either a true Q-Table or a Deep Reinforcement Learning approximation of a Q-Table</a:t>
-            </a:r>
-          </a:p>
-          <a:p>
-            <a:r>
-              <a:rPr lang="en-US" b="1" dirty="0" err="1"/>
-              <a:t>IQLearnerInterface</a:t>
-            </a:r>
-            <a:r>
-              <a:rPr lang="en-US" b="1" dirty="0"/>
-              <a:t>: </a:t>
-            </a:r>
-            <a:r>
-              <a:rPr lang="en-US" dirty="0"/>
-              <a:t>Interface for either a Q-Learner of a Deep Reinforcement Learning approximation of a Q-Learner</a:t>
-            </a:r>
-          </a:p>
-          <a:p>
-            <a:r>
-              <a:rPr lang="en-US" dirty="0"/>
-              <a:t>Note: 90% of the code for both types of learners is all done for you! (394 lines)</a:t>
-            </a:r>
-          </a:p>
-          <a:p>
-            <a:r>
-              <a:rPr lang="en-US" dirty="0"/>
-              <a:t>The code tries to start with semi-good hyper parameters for any reinforcement learning problem</a:t>
-            </a:r>
-          </a:p>
-        </p:txBody>
-      </p:sp>
-    </p:spTree>
-    <p:extLst>
-      <p:ext uri="{BB962C8B-B14F-4D97-AF65-F5344CB8AC3E}">
-        <p14:creationId xmlns:p14="http://schemas.microsoft.com/office/powerpoint/2010/main" val="211149962"/>
       </p:ext>
     </p:extLst>
   </p:cSld>
@@ -34016,103 +34916,115 @@
         </p:nvSpPr>
         <p:spPr>
           <a:xfrm>
-            <a:off x="581192" y="2180496"/>
-            <a:ext cx="11029615" cy="4539281"/>
+            <a:off x="581192" y="1875934"/>
+            <a:ext cx="11029615" cy="4732256"/>
           </a:xfrm>
         </p:spPr>
         <p:txBody>
           <a:bodyPr>
-            <a:normAutofit/>
+            <a:normAutofit fontScale="92500"/>
           </a:bodyPr>
           <a:lstStyle/>
           <a:p>
             <a:r>
               <a:rPr lang="en-US" b="1" dirty="0"/>
-              <a:t>File: </a:t>
-            </a:r>
-            <a:r>
-              <a:rPr lang="en-US" dirty="0"/>
-              <a:t>q_table.py</a:t>
+              <a:t>Warning: </a:t>
             </a:r>
           </a:p>
           <a:p>
-            <a:r>
-              <a:rPr lang="en-US" dirty="0"/>
-              <a:t>Contains actual code for a Q Table for a classical Q Learner built on top of </a:t>
-            </a:r>
-            <a:r>
-              <a:rPr lang="en-US" dirty="0" err="1"/>
-              <a:t>IQModelInterface</a:t>
-            </a:r>
-            <a:endParaRPr lang="en-US" dirty="0"/>
+            <a:pPr lvl="1"/>
+            <a:r>
+              <a:rPr lang="en-US" b="1" dirty="0"/>
+              <a:t>Setting up the environment for </a:t>
+            </a:r>
+            <a:r>
+              <a:rPr lang="en-US" b="1" dirty="0" err="1"/>
+              <a:t>OpenAI</a:t>
+            </a:r>
+            <a:r>
+              <a:rPr lang="en-US" b="1" dirty="0"/>
+              <a:t> is difficult. I have yet to document it. But I just googled around until I got it working.</a:t>
+            </a:r>
           </a:p>
           <a:p>
-            <a:r>
-              <a:rPr lang="en-US" dirty="0"/>
-              <a:t>49 lines of code</a:t>
-            </a:r>
+            <a:endParaRPr lang="en-US" b="1" dirty="0"/>
           </a:p>
           <a:p>
-            <a:endParaRPr lang="en-US" dirty="0"/>
+            <a:r>
+              <a:rPr lang="en-US" b="1" dirty="0"/>
+              <a:t>Built using Python/</a:t>
+            </a:r>
+            <a:r>
+              <a:rPr lang="en-US" b="1" dirty="0" err="1"/>
+              <a:t>Keras</a:t>
+            </a:r>
+            <a:r>
+              <a:rPr lang="en-US" b="1" dirty="0"/>
+              <a:t>/</a:t>
+            </a:r>
+            <a:r>
+              <a:rPr lang="en-US" b="1" dirty="0" err="1"/>
+              <a:t>Tensorflow</a:t>
+            </a:r>
+            <a:endParaRPr lang="en-US" b="1" dirty="0"/>
           </a:p>
           <a:p>
+            <a:endParaRPr lang="en-US" b="1" dirty="0"/>
+          </a:p>
+          <a:p>
             <a:r>
               <a:rPr lang="en-US" b="1" dirty="0"/>
               <a:t>File: </a:t>
             </a:r>
             <a:r>
               <a:rPr lang="en-US" dirty="0"/>
-              <a:t>q_learner.py</a:t>
+              <a:t>q_learner_interfaces.py</a:t>
             </a:r>
           </a:p>
           <a:p>
             <a:r>
               <a:rPr lang="en-US" dirty="0"/>
-              <a:t>Contains actual code for a Q Learner built on top of </a:t>
-            </a:r>
-            <a:r>
-              <a:rPr lang="en-US" dirty="0" err="1"/>
-              <a:t>IQLearnerInterface</a:t>
-            </a:r>
-            <a:endParaRPr lang="en-US" dirty="0"/>
+              <a:t>Contains a set of interfaces for either regular Q-Learning or Deep Reinforcement Learning</a:t>
+            </a:r>
           </a:p>
           <a:p>
             <a:r>
+              <a:rPr lang="en-US" b="1" dirty="0" err="1"/>
+              <a:t>IQModelInterface</a:t>
+            </a:r>
+            <a:r>
+              <a:rPr lang="en-US" b="1" dirty="0"/>
+              <a:t>:</a:t>
+            </a:r>
+            <a:r>
               <a:rPr lang="en-US" dirty="0"/>
-              <a:t>48 lines of code</a:t>
+              <a:t> Interface for either a true Q-Table or a Deep Reinforcement Learning approximation of a Q-Table</a:t>
             </a:r>
           </a:p>
           <a:p>
-            <a:endParaRPr lang="en-US" dirty="0"/>
+            <a:r>
+              <a:rPr lang="en-US" b="1" dirty="0" err="1"/>
+              <a:t>IQLearnerInterface</a:t>
+            </a:r>
+            <a:r>
+              <a:rPr lang="en-US" b="1" dirty="0"/>
+              <a:t>: </a:t>
+            </a:r>
+            <a:r>
+              <a:rPr lang="en-US" dirty="0"/>
+              <a:t>Interface for either a Q-Learner of a Deep Reinforcement Learning approximation of a Q-Learner</a:t>
+            </a:r>
           </a:p>
           <a:p>
             <a:r>
-              <a:rPr lang="en-US" b="1" dirty="0"/>
-              <a:t>File: </a:t>
-            </a:r>
-            <a:r>
               <a:rPr lang="en-US" dirty="0"/>
-              <a:t>environments.py</a:t>
+              <a:t>Note: 90% of the code for both types of learners is all done for you! (394 lines)</a:t>
             </a:r>
           </a:p>
           <a:p>
             <a:r>
               <a:rPr lang="en-US" dirty="0"/>
-              <a:t>A wrapper for either an </a:t>
-            </a:r>
-            <a:r>
-              <a:rPr lang="en-US" dirty="0" err="1"/>
-              <a:t>OpenAI</a:t>
-            </a:r>
-            <a:r>
-              <a:rPr lang="en-US" dirty="0"/>
-              <a:t> Gym environment or one you built yourself (e.g. grid world)</a:t>
-            </a:r>
-          </a:p>
-          <a:p>
-            <a:r>
-              <a:rPr lang="en-US" dirty="0"/>
-              <a:t>Basically just wraps: reset environment, make a step in the environment, or render the environment visually.</a:t>
+              <a:t>The code tries to start with semi-good hyper parameters for any reinforcement learning problem</a:t>
             </a:r>
           </a:p>
         </p:txBody>
@@ -34120,7 +35032,7 @@
     </p:spTree>
     <p:extLst>
       <p:ext uri="{BB962C8B-B14F-4D97-AF65-F5344CB8AC3E}">
-        <p14:creationId xmlns:p14="http://schemas.microsoft.com/office/powerpoint/2010/main" val="2382324576"/>
+        <p14:creationId xmlns:p14="http://schemas.microsoft.com/office/powerpoint/2010/main" val="211149962"/>
       </p:ext>
     </p:extLst>
   </p:cSld>
@@ -34201,6 +35113,191 @@
         </p:nvSpPr>
         <p:spPr>
           <a:xfrm>
+            <a:off x="581192" y="2180496"/>
+            <a:ext cx="11029615" cy="4539281"/>
+          </a:xfrm>
+        </p:spPr>
+        <p:txBody>
+          <a:bodyPr>
+            <a:normAutofit/>
+          </a:bodyPr>
+          <a:lstStyle/>
+          <a:p>
+            <a:r>
+              <a:rPr lang="en-US" b="1" dirty="0"/>
+              <a:t>File: </a:t>
+            </a:r>
+            <a:r>
+              <a:rPr lang="en-US" dirty="0"/>
+              <a:t>q_table.py</a:t>
+            </a:r>
+          </a:p>
+          <a:p>
+            <a:r>
+              <a:rPr lang="en-US" dirty="0"/>
+              <a:t>Contains actual code for a Q Table for a classical Q Learner built on top of </a:t>
+            </a:r>
+            <a:r>
+              <a:rPr lang="en-US" dirty="0" err="1"/>
+              <a:t>IQModelInterface</a:t>
+            </a:r>
+            <a:endParaRPr lang="en-US" dirty="0"/>
+          </a:p>
+          <a:p>
+            <a:r>
+              <a:rPr lang="en-US" dirty="0"/>
+              <a:t>49 lines of code</a:t>
+            </a:r>
+          </a:p>
+          <a:p>
+            <a:endParaRPr lang="en-US" dirty="0"/>
+          </a:p>
+          <a:p>
+            <a:r>
+              <a:rPr lang="en-US" b="1" dirty="0"/>
+              <a:t>File: </a:t>
+            </a:r>
+            <a:r>
+              <a:rPr lang="en-US" dirty="0"/>
+              <a:t>q_learner.py</a:t>
+            </a:r>
+          </a:p>
+          <a:p>
+            <a:r>
+              <a:rPr lang="en-US" dirty="0"/>
+              <a:t>Contains actual code for a Q Learner built on top of </a:t>
+            </a:r>
+            <a:r>
+              <a:rPr lang="en-US" dirty="0" err="1"/>
+              <a:t>IQLearnerInterface</a:t>
+            </a:r>
+            <a:endParaRPr lang="en-US" dirty="0"/>
+          </a:p>
+          <a:p>
+            <a:r>
+              <a:rPr lang="en-US" dirty="0"/>
+              <a:t>48 lines of code</a:t>
+            </a:r>
+          </a:p>
+          <a:p>
+            <a:endParaRPr lang="en-US" dirty="0"/>
+          </a:p>
+          <a:p>
+            <a:r>
+              <a:rPr lang="en-US" b="1" dirty="0"/>
+              <a:t>File: </a:t>
+            </a:r>
+            <a:r>
+              <a:rPr lang="en-US" dirty="0"/>
+              <a:t>environments.py</a:t>
+            </a:r>
+          </a:p>
+          <a:p>
+            <a:r>
+              <a:rPr lang="en-US" dirty="0"/>
+              <a:t>A wrapper for either an </a:t>
+            </a:r>
+            <a:r>
+              <a:rPr lang="en-US" dirty="0" err="1"/>
+              <a:t>OpenAI</a:t>
+            </a:r>
+            <a:r>
+              <a:rPr lang="en-US" dirty="0"/>
+              <a:t> Gym environment or one you built yourself (e.g. grid world)</a:t>
+            </a:r>
+          </a:p>
+          <a:p>
+            <a:r>
+              <a:rPr lang="en-US" dirty="0"/>
+              <a:t>Basically just wraps: reset environment, make a step in the environment, or render the environment visually.</a:t>
+            </a:r>
+          </a:p>
+        </p:txBody>
+      </p:sp>
+    </p:spTree>
+    <p:extLst>
+      <p:ext uri="{BB962C8B-B14F-4D97-AF65-F5344CB8AC3E}">
+        <p14:creationId xmlns:p14="http://schemas.microsoft.com/office/powerpoint/2010/main" val="2382324576"/>
+      </p:ext>
+    </p:extLst>
+  </p:cSld>
+  <p:clrMapOvr>
+    <a:masterClrMapping/>
+  </p:clrMapOvr>
+</p:sld>
+</file>
+
+<file path=ppt/slides/slide37.xml><?xml version="1.0" encoding="utf-8"?>
+<p:sld xmlns:a="http://schemas.openxmlformats.org/drawingml/2006/main" xmlns:r="http://schemas.openxmlformats.org/officeDocument/2006/relationships" xmlns:p="http://schemas.openxmlformats.org/presentationml/2006/main">
+  <p:cSld>
+    <p:spTree>
+      <p:nvGrpSpPr>
+        <p:cNvPr id="1" name=""/>
+        <p:cNvGrpSpPr/>
+        <p:nvPr/>
+      </p:nvGrpSpPr>
+      <p:grpSpPr>
+        <a:xfrm>
+          <a:off x="0" y="0"/>
+          <a:ext cx="0" cy="0"/>
+          <a:chOff x="0" y="0"/>
+          <a:chExt cx="0" cy="0"/>
+        </a:xfrm>
+      </p:grpSpPr>
+      <p:sp>
+        <p:nvSpPr>
+          <p:cNvPr id="2" name="Title 1">
+            <a:extLst>
+              <a:ext uri="{FF2B5EF4-FFF2-40B4-BE49-F238E27FC236}">
+                <a16:creationId xmlns:a16="http://schemas.microsoft.com/office/drawing/2014/main" id="{0C0BA05A-3A05-4B9E-B139-B3E01BFE45C0}"/>
+              </a:ext>
+            </a:extLst>
+          </p:cNvPr>
+          <p:cNvSpPr>
+            <a:spLocks noGrp="1"/>
+          </p:cNvSpPr>
+          <p:nvPr>
+            <p:ph type="title"/>
+          </p:nvPr>
+        </p:nvSpPr>
+        <p:spPr/>
+        <p:txBody>
+          <a:bodyPr/>
+          <a:lstStyle/>
+          <a:p>
+            <a:r>
+              <a:rPr lang="en-US" dirty="0"/>
+              <a:t>My </a:t>
+            </a:r>
+            <a:r>
+              <a:rPr lang="en-US" dirty="0" err="1"/>
+              <a:t>github</a:t>
+            </a:r>
+            <a:r>
+              <a:rPr lang="en-US" dirty="0"/>
+              <a:t> code base</a:t>
+            </a:r>
+          </a:p>
+        </p:txBody>
+      </p:sp>
+      <p:sp>
+        <p:nvSpPr>
+          <p:cNvPr id="3" name="Content Placeholder 2">
+            <a:extLst>
+              <a:ext uri="{FF2B5EF4-FFF2-40B4-BE49-F238E27FC236}">
+                <a16:creationId xmlns:a16="http://schemas.microsoft.com/office/drawing/2014/main" id="{9087CB82-EFB5-47C3-99D6-E6527ACC153C}"/>
+              </a:ext>
+            </a:extLst>
+          </p:cNvPr>
+          <p:cNvSpPr>
+            <a:spLocks noGrp="1"/>
+          </p:cNvSpPr>
+          <p:nvPr>
+            <p:ph idx="1"/>
+          </p:nvPr>
+        </p:nvSpPr>
+        <p:spPr>
+          <a:xfrm>
             <a:off x="581192" y="1866508"/>
             <a:ext cx="11029615" cy="4991492"/>
           </a:xfrm>
@@ -34318,7 +35415,7 @@
 </p:sld>
 </file>
 
-<file path=ppt/slides/slide37.xml><?xml version="1.0" encoding="utf-8"?>
+<file path=ppt/slides/slide38.xml><?xml version="1.0" encoding="utf-8"?>
 <p:sld xmlns:a="http://schemas.openxmlformats.org/drawingml/2006/main" xmlns:r="http://schemas.openxmlformats.org/officeDocument/2006/relationships" xmlns:p="http://schemas.openxmlformats.org/presentationml/2006/main">
   <p:cSld>
     <p:spTree>
@@ -34499,7 +35596,7 @@
 </p:sld>
 </file>
 
-<file path=ppt/slides/slide38.xml><?xml version="1.0" encoding="utf-8"?>
+<file path=ppt/slides/slide39.xml><?xml version="1.0" encoding="utf-8"?>
 <p:sld xmlns:a="http://schemas.openxmlformats.org/drawingml/2006/main" xmlns:r="http://schemas.openxmlformats.org/officeDocument/2006/relationships" xmlns:p="http://schemas.openxmlformats.org/presentationml/2006/main">
   <p:cSld>
     <p:bg>
@@ -34801,7 +35898,737 @@
 </p:sld>
 </file>
 
-<file path=ppt/slides/slide39.xml><?xml version="1.0" encoding="utf-8"?>
+<file path=ppt/slides/slide4.xml><?xml version="1.0" encoding="utf-8"?>
+<p:sld xmlns:a="http://schemas.openxmlformats.org/drawingml/2006/main" xmlns:r="http://schemas.openxmlformats.org/officeDocument/2006/relationships" xmlns:p="http://schemas.openxmlformats.org/presentationml/2006/main">
+  <p:cSld>
+    <p:spTree>
+      <p:nvGrpSpPr>
+        <p:cNvPr id="1" name=""/>
+        <p:cNvGrpSpPr/>
+        <p:nvPr/>
+      </p:nvGrpSpPr>
+      <p:grpSpPr>
+        <a:xfrm>
+          <a:off x="0" y="0"/>
+          <a:ext cx="0" cy="0"/>
+          <a:chOff x="0" y="0"/>
+          <a:chExt cx="0" cy="0"/>
+        </a:xfrm>
+      </p:grpSpPr>
+      <p:sp>
+        <p:nvSpPr>
+          <p:cNvPr id="2" name="Title 1">
+            <a:extLst>
+              <a:ext uri="{FF2B5EF4-FFF2-40B4-BE49-F238E27FC236}">
+                <a16:creationId xmlns:a16="http://schemas.microsoft.com/office/drawing/2014/main" id="{DA9225D0-EE83-401E-AFDF-681367C5B772}"/>
+              </a:ext>
+            </a:extLst>
+          </p:cNvPr>
+          <p:cNvSpPr>
+            <a:spLocks noGrp="1"/>
+          </p:cNvSpPr>
+          <p:nvPr>
+            <p:ph type="title"/>
+          </p:nvPr>
+        </p:nvSpPr>
+        <p:spPr/>
+        <p:txBody>
+          <a:bodyPr/>
+          <a:lstStyle/>
+          <a:p>
+            <a:r>
+              <a:rPr lang="en-US" dirty="0"/>
+              <a:t>Types of Machine Learning</a:t>
+            </a:r>
+          </a:p>
+        </p:txBody>
+      </p:sp>
+      <p:pic>
+        <p:nvPicPr>
+          <p:cNvPr id="4" name="Picture 3">
+            <a:extLst>
+              <a:ext uri="{FF2B5EF4-FFF2-40B4-BE49-F238E27FC236}">
+                <a16:creationId xmlns:a16="http://schemas.microsoft.com/office/drawing/2014/main" id="{187575B3-C7AA-48F2-9DA2-28769C68A74F}"/>
+              </a:ext>
+            </a:extLst>
+          </p:cNvPr>
+          <p:cNvPicPr>
+            <a:picLocks noChangeAspect="1"/>
+          </p:cNvPicPr>
+          <p:nvPr/>
+        </p:nvPicPr>
+        <p:blipFill>
+          <a:blip r:embed="rId2"/>
+          <a:stretch>
+            <a:fillRect/>
+          </a:stretch>
+        </p:blipFill>
+        <p:spPr>
+          <a:xfrm>
+            <a:off x="240030" y="2018048"/>
+            <a:ext cx="2190098" cy="1833862"/>
+          </a:xfrm>
+          <a:prstGeom prst="rect">
+            <a:avLst/>
+          </a:prstGeom>
+        </p:spPr>
+      </p:pic>
+      <p:pic>
+        <p:nvPicPr>
+          <p:cNvPr id="5" name="Picture 4">
+            <a:extLst>
+              <a:ext uri="{FF2B5EF4-FFF2-40B4-BE49-F238E27FC236}">
+                <a16:creationId xmlns:a16="http://schemas.microsoft.com/office/drawing/2014/main" id="{FE8E2695-5F87-42B7-A3F8-A9E7431E1DEF}"/>
+              </a:ext>
+            </a:extLst>
+          </p:cNvPr>
+          <p:cNvPicPr>
+            <a:picLocks noChangeAspect="1"/>
+          </p:cNvPicPr>
+          <p:nvPr/>
+        </p:nvPicPr>
+        <p:blipFill>
+          <a:blip r:embed="rId3"/>
+          <a:stretch>
+            <a:fillRect/>
+          </a:stretch>
+        </p:blipFill>
+        <p:spPr>
+          <a:xfrm>
+            <a:off x="745268" y="3851910"/>
+            <a:ext cx="1840702" cy="1565631"/>
+          </a:xfrm>
+          <a:prstGeom prst="rect">
+            <a:avLst/>
+          </a:prstGeom>
+        </p:spPr>
+      </p:pic>
+      <p:pic>
+        <p:nvPicPr>
+          <p:cNvPr id="6" name="Picture 5">
+            <a:extLst>
+              <a:ext uri="{FF2B5EF4-FFF2-40B4-BE49-F238E27FC236}">
+                <a16:creationId xmlns:a16="http://schemas.microsoft.com/office/drawing/2014/main" id="{34CA9431-0C0C-4012-BEF5-9AA69115CA8F}"/>
+              </a:ext>
+            </a:extLst>
+          </p:cNvPr>
+          <p:cNvPicPr>
+            <a:picLocks noChangeAspect="1"/>
+          </p:cNvPicPr>
+          <p:nvPr/>
+        </p:nvPicPr>
+        <p:blipFill>
+          <a:blip r:embed="rId4"/>
+          <a:stretch>
+            <a:fillRect/>
+          </a:stretch>
+        </p:blipFill>
+        <p:spPr>
+          <a:xfrm>
+            <a:off x="2683944" y="4873664"/>
+            <a:ext cx="1527837" cy="1892896"/>
+          </a:xfrm>
+          <a:prstGeom prst="rect">
+            <a:avLst/>
+          </a:prstGeom>
+        </p:spPr>
+      </p:pic>
+      <p:sp>
+        <p:nvSpPr>
+          <p:cNvPr id="7" name="Rectangle 6">
+            <a:extLst>
+              <a:ext uri="{FF2B5EF4-FFF2-40B4-BE49-F238E27FC236}">
+                <a16:creationId xmlns:a16="http://schemas.microsoft.com/office/drawing/2014/main" id="{3EE68FED-4AB6-46DF-B33F-4C7D44BD6EAA}"/>
+              </a:ext>
+            </a:extLst>
+          </p:cNvPr>
+          <p:cNvSpPr/>
+          <p:nvPr/>
+        </p:nvSpPr>
+        <p:spPr>
+          <a:xfrm>
+            <a:off x="2629904" y="2322268"/>
+            <a:ext cx="6793655" cy="923330"/>
+          </a:xfrm>
+          <a:prstGeom prst="rect">
+            <a:avLst/>
+          </a:prstGeom>
+          <a:noFill/>
+        </p:spPr>
+        <p:txBody>
+          <a:bodyPr wrap="none" lIns="91440" tIns="45720" rIns="91440" bIns="45720">
+            <a:spAutoFit/>
+          </a:bodyPr>
+          <a:lstStyle/>
+          <a:p>
+            <a:pPr algn="ctr"/>
+            <a:r>
+              <a:rPr lang="en-US" sz="5400" b="1" cap="none" spc="0" dirty="0">
+                <a:ln w="12700">
+                  <a:solidFill>
+                    <a:schemeClr val="accent1"/>
+                  </a:solidFill>
+                  <a:prstDash val="solid"/>
+                </a:ln>
+                <a:pattFill prst="pct50">
+                  <a:fgClr>
+                    <a:schemeClr val="accent1"/>
+                  </a:fgClr>
+                  <a:bgClr>
+                    <a:schemeClr val="accent1">
+                      <a:lumMod val="20000"/>
+                      <a:lumOff val="80000"/>
+                    </a:schemeClr>
+                  </a:bgClr>
+                </a:pattFill>
+                <a:effectLst>
+                  <a:outerShdw dist="38100" dir="2640000" algn="bl" rotWithShape="0">
+                    <a:schemeClr val="accent1"/>
+                  </a:outerShdw>
+                </a:effectLst>
+              </a:rPr>
+              <a:t>Supervised Learning</a:t>
+            </a:r>
+          </a:p>
+        </p:txBody>
+      </p:sp>
+      <p:sp>
+        <p:nvSpPr>
+          <p:cNvPr id="8" name="Rectangle 7">
+            <a:extLst>
+              <a:ext uri="{FF2B5EF4-FFF2-40B4-BE49-F238E27FC236}">
+                <a16:creationId xmlns:a16="http://schemas.microsoft.com/office/drawing/2014/main" id="{74B65F56-C65D-4836-B140-AEC45D839BCB}"/>
+              </a:ext>
+            </a:extLst>
+          </p:cNvPr>
+          <p:cNvSpPr/>
+          <p:nvPr/>
+        </p:nvSpPr>
+        <p:spPr>
+          <a:xfrm>
+            <a:off x="2585970" y="3851910"/>
+            <a:ext cx="7768280" cy="923330"/>
+          </a:xfrm>
+          <a:prstGeom prst="rect">
+            <a:avLst/>
+          </a:prstGeom>
+          <a:noFill/>
+        </p:spPr>
+        <p:txBody>
+          <a:bodyPr wrap="none" lIns="91440" tIns="45720" rIns="91440" bIns="45720">
+            <a:spAutoFit/>
+          </a:bodyPr>
+          <a:lstStyle/>
+          <a:p>
+            <a:pPr algn="ctr"/>
+            <a:r>
+              <a:rPr lang="en-US" sz="5400" b="1" cap="none" spc="0" dirty="0">
+                <a:ln w="12700">
+                  <a:solidFill>
+                    <a:schemeClr val="accent1"/>
+                  </a:solidFill>
+                  <a:prstDash val="solid"/>
+                </a:ln>
+                <a:pattFill prst="pct50">
+                  <a:fgClr>
+                    <a:schemeClr val="accent1"/>
+                  </a:fgClr>
+                  <a:bgClr>
+                    <a:schemeClr val="accent1">
+                      <a:lumMod val="20000"/>
+                      <a:lumOff val="80000"/>
+                    </a:schemeClr>
+                  </a:bgClr>
+                </a:pattFill>
+                <a:effectLst>
+                  <a:outerShdw dist="38100" dir="2640000" algn="bl" rotWithShape="0">
+                    <a:schemeClr val="accent1"/>
+                  </a:outerShdw>
+                </a:effectLst>
+              </a:rPr>
+              <a:t>Unsupervised Learning</a:t>
+            </a:r>
+          </a:p>
+        </p:txBody>
+      </p:sp>
+      <p:sp>
+        <p:nvSpPr>
+          <p:cNvPr id="9" name="Rectangle 8">
+            <a:extLst>
+              <a:ext uri="{FF2B5EF4-FFF2-40B4-BE49-F238E27FC236}">
+                <a16:creationId xmlns:a16="http://schemas.microsoft.com/office/drawing/2014/main" id="{8B8DE1FB-455E-4E78-A1C1-B167F97F5CC5}"/>
+              </a:ext>
+            </a:extLst>
+          </p:cNvPr>
+          <p:cNvSpPr/>
+          <p:nvPr/>
+        </p:nvSpPr>
+        <p:spPr>
+          <a:xfrm>
+            <a:off x="4152555" y="5164835"/>
+            <a:ext cx="8039445" cy="923330"/>
+          </a:xfrm>
+          <a:prstGeom prst="rect">
+            <a:avLst/>
+          </a:prstGeom>
+          <a:noFill/>
+        </p:spPr>
+        <p:txBody>
+          <a:bodyPr wrap="none" lIns="91440" tIns="45720" rIns="91440" bIns="45720">
+            <a:spAutoFit/>
+          </a:bodyPr>
+          <a:lstStyle/>
+          <a:p>
+            <a:pPr algn="ctr"/>
+            <a:r>
+              <a:rPr lang="en-US" sz="5400" b="1" cap="none" spc="0" dirty="0">
+                <a:ln w="12700">
+                  <a:solidFill>
+                    <a:schemeClr val="accent1"/>
+                  </a:solidFill>
+                  <a:prstDash val="solid"/>
+                </a:ln>
+                <a:pattFill prst="pct50">
+                  <a:fgClr>
+                    <a:schemeClr val="accent1"/>
+                  </a:fgClr>
+                  <a:bgClr>
+                    <a:schemeClr val="accent1">
+                      <a:lumMod val="20000"/>
+                      <a:lumOff val="80000"/>
+                    </a:schemeClr>
+                  </a:bgClr>
+                </a:pattFill>
+                <a:effectLst>
+                  <a:outerShdw dist="38100" dir="2640000" algn="bl" rotWithShape="0">
+                    <a:schemeClr val="accent1"/>
+                  </a:outerShdw>
+                </a:effectLst>
+              </a:rPr>
+              <a:t>Reinforcement Learning</a:t>
+            </a:r>
+          </a:p>
+        </p:txBody>
+      </p:sp>
+      <p:sp>
+        <p:nvSpPr>
+          <p:cNvPr id="3" name="Rectangle 2">
+            <a:extLst>
+              <a:ext uri="{FF2B5EF4-FFF2-40B4-BE49-F238E27FC236}">
+                <a16:creationId xmlns:a16="http://schemas.microsoft.com/office/drawing/2014/main" id="{10999F13-F608-491F-974C-B7C3409111F9}"/>
+              </a:ext>
+            </a:extLst>
+          </p:cNvPr>
+          <p:cNvSpPr/>
+          <p:nvPr/>
+        </p:nvSpPr>
+        <p:spPr>
+          <a:xfrm>
+            <a:off x="2585970" y="4775240"/>
+            <a:ext cx="9493141" cy="1991320"/>
+          </a:xfrm>
+          <a:prstGeom prst="rect">
+            <a:avLst/>
+          </a:prstGeom>
+          <a:noFill/>
+          <a:ln w="85725">
+            <a:solidFill>
+              <a:srgbClr val="FF0000"/>
+            </a:solidFill>
+          </a:ln>
+        </p:spPr>
+        <p:style>
+          <a:lnRef idx="2">
+            <a:schemeClr val="accent1">
+              <a:shade val="50000"/>
+            </a:schemeClr>
+          </a:lnRef>
+          <a:fillRef idx="1">
+            <a:schemeClr val="accent1"/>
+          </a:fillRef>
+          <a:effectRef idx="0">
+            <a:schemeClr val="accent1"/>
+          </a:effectRef>
+          <a:fontRef idx="minor">
+            <a:schemeClr val="lt1"/>
+          </a:fontRef>
+        </p:style>
+        <p:txBody>
+          <a:bodyPr rtlCol="0" anchor="ctr"/>
+          <a:lstStyle/>
+          <a:p>
+            <a:pPr algn="ctr"/>
+            <a:endParaRPr lang="en-US"/>
+          </a:p>
+        </p:txBody>
+      </p:sp>
+    </p:spTree>
+    <p:extLst>
+      <p:ext uri="{BB962C8B-B14F-4D97-AF65-F5344CB8AC3E}">
+        <p14:creationId xmlns:p14="http://schemas.microsoft.com/office/powerpoint/2010/main" val="157412651"/>
+      </p:ext>
+    </p:extLst>
+  </p:cSld>
+  <p:clrMapOvr>
+    <a:masterClrMapping/>
+  </p:clrMapOvr>
+  <p:timing>
+    <p:tnLst>
+      <p:par>
+        <p:cTn id="1" dur="indefinite" restart="never" nodeType="tmRoot">
+          <p:childTnLst>
+            <p:seq concurrent="1" nextAc="seek">
+              <p:cTn id="2" dur="indefinite" nodeType="mainSeq">
+                <p:childTnLst>
+                  <p:par>
+                    <p:cTn id="3" fill="hold">
+                      <p:stCondLst>
+                        <p:cond delay="indefinite"/>
+                      </p:stCondLst>
+                      <p:childTnLst>
+                        <p:par>
+                          <p:cTn id="4" fill="hold">
+                            <p:stCondLst>
+                              <p:cond delay="0"/>
+                            </p:stCondLst>
+                            <p:childTnLst>
+                              <p:par>
+                                <p:cTn id="5" presetID="22" presetClass="entr" presetSubtype="4" fill="hold" nodeType="clickEffect">
+                                  <p:stCondLst>
+                                    <p:cond delay="0"/>
+                                  </p:stCondLst>
+                                  <p:childTnLst>
+                                    <p:set>
+                                      <p:cBhvr>
+                                        <p:cTn id="6" dur="1" fill="hold">
+                                          <p:stCondLst>
+                                            <p:cond delay="0"/>
+                                          </p:stCondLst>
+                                        </p:cTn>
+                                        <p:tgtEl>
+                                          <p:spTgt spid="4"/>
+                                        </p:tgtEl>
+                                        <p:attrNameLst>
+                                          <p:attrName>style.visibility</p:attrName>
+                                        </p:attrNameLst>
+                                      </p:cBhvr>
+                                      <p:to>
+                                        <p:strVal val="visible"/>
+                                      </p:to>
+                                    </p:set>
+                                    <p:animEffect transition="in" filter="wipe(down)">
+                                      <p:cBhvr>
+                                        <p:cTn id="7" dur="500"/>
+                                        <p:tgtEl>
+                                          <p:spTgt spid="4"/>
+                                        </p:tgtEl>
+                                      </p:cBhvr>
+                                    </p:animEffect>
+                                  </p:childTnLst>
+                                </p:cTn>
+                              </p:par>
+                              <p:par>
+                                <p:cTn id="8" presetID="22" presetClass="entr" presetSubtype="4" fill="hold" grpId="0" nodeType="withEffect">
+                                  <p:stCondLst>
+                                    <p:cond delay="0"/>
+                                  </p:stCondLst>
+                                  <p:childTnLst>
+                                    <p:set>
+                                      <p:cBhvr>
+                                        <p:cTn id="9" dur="1" fill="hold">
+                                          <p:stCondLst>
+                                            <p:cond delay="0"/>
+                                          </p:stCondLst>
+                                        </p:cTn>
+                                        <p:tgtEl>
+                                          <p:spTgt spid="7"/>
+                                        </p:tgtEl>
+                                        <p:attrNameLst>
+                                          <p:attrName>style.visibility</p:attrName>
+                                        </p:attrNameLst>
+                                      </p:cBhvr>
+                                      <p:to>
+                                        <p:strVal val="visible"/>
+                                      </p:to>
+                                    </p:set>
+                                    <p:animEffect transition="in" filter="wipe(down)">
+                                      <p:cBhvr>
+                                        <p:cTn id="10" dur="500"/>
+                                        <p:tgtEl>
+                                          <p:spTgt spid="7"/>
+                                        </p:tgtEl>
+                                      </p:cBhvr>
+                                    </p:animEffect>
+                                  </p:childTnLst>
+                                </p:cTn>
+                              </p:par>
+                            </p:childTnLst>
+                          </p:cTn>
+                        </p:par>
+                      </p:childTnLst>
+                    </p:cTn>
+                  </p:par>
+                  <p:par>
+                    <p:cTn id="11" fill="hold">
+                      <p:stCondLst>
+                        <p:cond delay="indefinite"/>
+                      </p:stCondLst>
+                      <p:childTnLst>
+                        <p:par>
+                          <p:cTn id="12" fill="hold">
+                            <p:stCondLst>
+                              <p:cond delay="0"/>
+                            </p:stCondLst>
+                            <p:childTnLst>
+                              <p:par>
+                                <p:cTn id="13" presetID="22" presetClass="entr" presetSubtype="4" fill="hold" grpId="0" nodeType="clickEffect">
+                                  <p:stCondLst>
+                                    <p:cond delay="0"/>
+                                  </p:stCondLst>
+                                  <p:childTnLst>
+                                    <p:set>
+                                      <p:cBhvr>
+                                        <p:cTn id="14" dur="1" fill="hold">
+                                          <p:stCondLst>
+                                            <p:cond delay="0"/>
+                                          </p:stCondLst>
+                                        </p:cTn>
+                                        <p:tgtEl>
+                                          <p:spTgt spid="8"/>
+                                        </p:tgtEl>
+                                        <p:attrNameLst>
+                                          <p:attrName>style.visibility</p:attrName>
+                                        </p:attrNameLst>
+                                      </p:cBhvr>
+                                      <p:to>
+                                        <p:strVal val="visible"/>
+                                      </p:to>
+                                    </p:set>
+                                    <p:animEffect transition="in" filter="wipe(down)">
+                                      <p:cBhvr>
+                                        <p:cTn id="15" dur="500"/>
+                                        <p:tgtEl>
+                                          <p:spTgt spid="8"/>
+                                        </p:tgtEl>
+                                      </p:cBhvr>
+                                    </p:animEffect>
+                                  </p:childTnLst>
+                                </p:cTn>
+                              </p:par>
+                              <p:par>
+                                <p:cTn id="16" presetID="22" presetClass="entr" presetSubtype="4" fill="hold" nodeType="withEffect">
+                                  <p:stCondLst>
+                                    <p:cond delay="0"/>
+                                  </p:stCondLst>
+                                  <p:childTnLst>
+                                    <p:set>
+                                      <p:cBhvr>
+                                        <p:cTn id="17" dur="1" fill="hold">
+                                          <p:stCondLst>
+                                            <p:cond delay="0"/>
+                                          </p:stCondLst>
+                                        </p:cTn>
+                                        <p:tgtEl>
+                                          <p:spTgt spid="5"/>
+                                        </p:tgtEl>
+                                        <p:attrNameLst>
+                                          <p:attrName>style.visibility</p:attrName>
+                                        </p:attrNameLst>
+                                      </p:cBhvr>
+                                      <p:to>
+                                        <p:strVal val="visible"/>
+                                      </p:to>
+                                    </p:set>
+                                    <p:animEffect transition="in" filter="wipe(down)">
+                                      <p:cBhvr>
+                                        <p:cTn id="18" dur="500"/>
+                                        <p:tgtEl>
+                                          <p:spTgt spid="5"/>
+                                        </p:tgtEl>
+                                      </p:cBhvr>
+                                    </p:animEffect>
+                                  </p:childTnLst>
+                                </p:cTn>
+                              </p:par>
+                            </p:childTnLst>
+                          </p:cTn>
+                        </p:par>
+                      </p:childTnLst>
+                    </p:cTn>
+                  </p:par>
+                  <p:par>
+                    <p:cTn id="19" fill="hold">
+                      <p:stCondLst>
+                        <p:cond delay="indefinite"/>
+                      </p:stCondLst>
+                      <p:childTnLst>
+                        <p:par>
+                          <p:cTn id="20" fill="hold">
+                            <p:stCondLst>
+                              <p:cond delay="0"/>
+                            </p:stCondLst>
+                            <p:childTnLst>
+                              <p:par>
+                                <p:cTn id="21" presetID="22" presetClass="entr" presetSubtype="4" fill="hold" nodeType="clickEffect">
+                                  <p:stCondLst>
+                                    <p:cond delay="0"/>
+                                  </p:stCondLst>
+                                  <p:childTnLst>
+                                    <p:set>
+                                      <p:cBhvr>
+                                        <p:cTn id="22" dur="1" fill="hold">
+                                          <p:stCondLst>
+                                            <p:cond delay="0"/>
+                                          </p:stCondLst>
+                                        </p:cTn>
+                                        <p:tgtEl>
+                                          <p:spTgt spid="6"/>
+                                        </p:tgtEl>
+                                        <p:attrNameLst>
+                                          <p:attrName>style.visibility</p:attrName>
+                                        </p:attrNameLst>
+                                      </p:cBhvr>
+                                      <p:to>
+                                        <p:strVal val="visible"/>
+                                      </p:to>
+                                    </p:set>
+                                    <p:animEffect transition="in" filter="wipe(down)">
+                                      <p:cBhvr>
+                                        <p:cTn id="23" dur="500"/>
+                                        <p:tgtEl>
+                                          <p:spTgt spid="6"/>
+                                        </p:tgtEl>
+                                      </p:cBhvr>
+                                    </p:animEffect>
+                                  </p:childTnLst>
+                                </p:cTn>
+                              </p:par>
+                              <p:par>
+                                <p:cTn id="24" presetID="22" presetClass="entr" presetSubtype="4" fill="hold" grpId="0" nodeType="withEffect">
+                                  <p:stCondLst>
+                                    <p:cond delay="0"/>
+                                  </p:stCondLst>
+                                  <p:childTnLst>
+                                    <p:set>
+                                      <p:cBhvr>
+                                        <p:cTn id="25" dur="1" fill="hold">
+                                          <p:stCondLst>
+                                            <p:cond delay="0"/>
+                                          </p:stCondLst>
+                                        </p:cTn>
+                                        <p:tgtEl>
+                                          <p:spTgt spid="9"/>
+                                        </p:tgtEl>
+                                        <p:attrNameLst>
+                                          <p:attrName>style.visibility</p:attrName>
+                                        </p:attrNameLst>
+                                      </p:cBhvr>
+                                      <p:to>
+                                        <p:strVal val="visible"/>
+                                      </p:to>
+                                    </p:set>
+                                    <p:animEffect transition="in" filter="wipe(down)">
+                                      <p:cBhvr>
+                                        <p:cTn id="26" dur="500"/>
+                                        <p:tgtEl>
+                                          <p:spTgt spid="9"/>
+                                        </p:tgtEl>
+                                      </p:cBhvr>
+                                    </p:animEffect>
+                                  </p:childTnLst>
+                                </p:cTn>
+                              </p:par>
+                            </p:childTnLst>
+                          </p:cTn>
+                        </p:par>
+                      </p:childTnLst>
+                    </p:cTn>
+                  </p:par>
+                  <p:par>
+                    <p:cTn id="27" fill="hold">
+                      <p:stCondLst>
+                        <p:cond delay="indefinite"/>
+                      </p:stCondLst>
+                      <p:childTnLst>
+                        <p:par>
+                          <p:cTn id="28" fill="hold">
+                            <p:stCondLst>
+                              <p:cond delay="0"/>
+                            </p:stCondLst>
+                            <p:childTnLst>
+                              <p:par>
+                                <p:cTn id="29" presetID="10" presetClass="entr" presetSubtype="0" fill="hold" grpId="0" nodeType="clickEffect">
+                                  <p:stCondLst>
+                                    <p:cond delay="0"/>
+                                  </p:stCondLst>
+                                  <p:childTnLst>
+                                    <p:set>
+                                      <p:cBhvr>
+                                        <p:cTn id="30" dur="1" fill="hold">
+                                          <p:stCondLst>
+                                            <p:cond delay="0"/>
+                                          </p:stCondLst>
+                                        </p:cTn>
+                                        <p:tgtEl>
+                                          <p:spTgt spid="3"/>
+                                        </p:tgtEl>
+                                        <p:attrNameLst>
+                                          <p:attrName>style.visibility</p:attrName>
+                                        </p:attrNameLst>
+                                      </p:cBhvr>
+                                      <p:to>
+                                        <p:strVal val="visible"/>
+                                      </p:to>
+                                    </p:set>
+                                    <p:animEffect transition="in" filter="fade">
+                                      <p:cBhvr>
+                                        <p:cTn id="31" dur="500"/>
+                                        <p:tgtEl>
+                                          <p:spTgt spid="3"/>
+                                        </p:tgtEl>
+                                      </p:cBhvr>
+                                    </p:animEffect>
+                                  </p:childTnLst>
+                                </p:cTn>
+                              </p:par>
+                            </p:childTnLst>
+                          </p:cTn>
+                        </p:par>
+                      </p:childTnLst>
+                    </p:cTn>
+                  </p:par>
+                </p:childTnLst>
+              </p:cTn>
+              <p:prevCondLst>
+                <p:cond evt="onPrev" delay="0">
+                  <p:tgtEl>
+                    <p:sldTgt/>
+                  </p:tgtEl>
+                </p:cond>
+              </p:prevCondLst>
+              <p:nextCondLst>
+                <p:cond evt="onNext" delay="0">
+                  <p:tgtEl>
+                    <p:sldTgt/>
+                  </p:tgtEl>
+                </p:cond>
+              </p:nextCondLst>
+            </p:seq>
+          </p:childTnLst>
+        </p:cTn>
+      </p:par>
+    </p:tnLst>
+    <p:bldLst>
+      <p:bldP spid="7" grpId="0"/>
+      <p:bldP spid="8" grpId="0"/>
+      <p:bldP spid="9" grpId="0"/>
+      <p:bldP spid="3" grpId="0" animBg="1"/>
+    </p:bldLst>
+  </p:timing>
+</p:sld>
+</file>
+
+<file path=ppt/slides/slide40.xml><?xml version="1.0" encoding="utf-8"?>
 <p:sld xmlns:a="http://schemas.openxmlformats.org/drawingml/2006/main" xmlns:r="http://schemas.openxmlformats.org/officeDocument/2006/relationships" xmlns:p="http://schemas.openxmlformats.org/presentationml/2006/main">
   <p:cSld>
     <p:bg>
@@ -35239,7 +37066,7 @@
 </p:sld>
 </file>
 
-<file path=ppt/slides/slide4.xml><?xml version="1.0" encoding="utf-8"?>
+<file path=ppt/slides/slide5.xml><?xml version="1.0" encoding="utf-8"?>
 <p:sld xmlns:a="http://schemas.openxmlformats.org/drawingml/2006/main" xmlns:r="http://schemas.openxmlformats.org/officeDocument/2006/relationships" xmlns:p="http://schemas.openxmlformats.org/presentationml/2006/main">
   <p:cSld>
     <p:spTree>
@@ -35331,7 +37158,7 @@
 </p:sld>
 </file>
 
-<file path=ppt/slides/slide5.xml><?xml version="1.0" encoding="utf-8"?>
+<file path=ppt/slides/slide6.xml><?xml version="1.0" encoding="utf-8"?>
 <p:sld xmlns:a="http://schemas.openxmlformats.org/drawingml/2006/main" xmlns:r="http://schemas.openxmlformats.org/officeDocument/2006/relationships" xmlns:p="http://schemas.openxmlformats.org/presentationml/2006/main">
   <p:cSld>
     <p:spTree>
@@ -35500,7 +37327,7 @@
 </p:sld>
 </file>
 
-<file path=ppt/slides/slide6.xml><?xml version="1.0" encoding="utf-8"?>
+<file path=ppt/slides/slide7.xml><?xml version="1.0" encoding="utf-8"?>
 <p:sld xmlns:a="http://schemas.openxmlformats.org/drawingml/2006/main" xmlns:r="http://schemas.openxmlformats.org/officeDocument/2006/relationships" xmlns:p="http://schemas.openxmlformats.org/presentationml/2006/main">
   <p:cSld>
     <p:spTree>
@@ -35755,7 +37582,7 @@
 </p:sld>
 </file>
 
-<file path=ppt/slides/slide7.xml><?xml version="1.0" encoding="utf-8"?>
+<file path=ppt/slides/slide8.xml><?xml version="1.0" encoding="utf-8"?>
 <p:sld xmlns:a="http://schemas.openxmlformats.org/drawingml/2006/main" xmlns:r="http://schemas.openxmlformats.org/officeDocument/2006/relationships" xmlns:p="http://schemas.openxmlformats.org/presentationml/2006/main">
   <p:cSld>
     <p:spTree>
@@ -35828,7 +37655,7 @@
           <a:graphicData uri="http://schemas.openxmlformats.org/presentationml/2006/ole">
             <mc:AlternateContent xmlns:mc="http://schemas.openxmlformats.org/markup-compatibility/2006">
               <mc:Choice xmlns:v="urn:schemas-microsoft-com:vml" Requires="v">
-                <p:oleObj spid="_x0000_s3340" name="Worksheet" r:id="rId3" imgW="2749680" imgH="2095545" progId="Excel.Sheet.12">
+                <p:oleObj spid="_x0000_s3354" name="Worksheet" r:id="rId3" imgW="2749680" imgH="2095545" progId="Excel.Sheet.12">
                   <p:embed/>
                 </p:oleObj>
               </mc:Choice>
@@ -35917,7 +37744,7 @@
             <a:graphicData uri="http://schemas.openxmlformats.org/presentationml/2006/ole">
               <mc:AlternateContent xmlns:mc="http://schemas.openxmlformats.org/markup-compatibility/2006">
                 <mc:Choice xmlns:v="urn:schemas-microsoft-com:vml" Requires="v">
-                  <p:oleObj spid="_x0000_s3341" name="Worksheet" r:id="rId5" imgW="2749680" imgH="2095545" progId="Excel.Sheet.12">
+                  <p:oleObj spid="_x0000_s3355" name="Worksheet" r:id="rId5" imgW="2749680" imgH="2095545" progId="Excel.Sheet.12">
                     <p:embed/>
                   </p:oleObj>
                 </mc:Choice>
@@ -39673,7 +41500,7 @@
 </p:sld>
 </file>
 
-<file path=ppt/slides/slide8.xml><?xml version="1.0" encoding="utf-8"?>
+<file path=ppt/slides/slide9.xml><?xml version="1.0" encoding="utf-8"?>
 <p:sld xmlns:a="http://schemas.openxmlformats.org/drawingml/2006/main" xmlns:r="http://schemas.openxmlformats.org/officeDocument/2006/relationships" xmlns:p="http://schemas.openxmlformats.org/presentationml/2006/main">
   <p:cSld>
     <p:spTree>
@@ -39781,7 +41608,7 @@
             <a:graphicData uri="http://schemas.openxmlformats.org/presentationml/2006/ole">
               <mc:AlternateContent xmlns:mc="http://schemas.openxmlformats.org/markup-compatibility/2006">
                 <mc:Choice xmlns:v="urn:schemas-microsoft-com:vml" Requires="v">
-                  <p:oleObj spid="_x0000_s8327" name="Worksheet" r:id="rId3" imgW="2749680" imgH="1911583" progId="Excel.Sheet.12">
+                  <p:oleObj spid="_x0000_s8334" name="Worksheet" r:id="rId3" imgW="2749680" imgH="1911583" progId="Excel.Sheet.12">
                     <p:embed/>
                   </p:oleObj>
                 </mc:Choice>
@@ -40972,1625 +42799,6 @@
 </p:sld>
 </file>
 
-<file path=ppt/slides/slide9.xml><?xml version="1.0" encoding="utf-8"?>
-<p:sld xmlns:a="http://schemas.openxmlformats.org/drawingml/2006/main" xmlns:r="http://schemas.openxmlformats.org/officeDocument/2006/relationships" xmlns:p="http://schemas.openxmlformats.org/presentationml/2006/main">
-  <p:cSld>
-    <p:spTree>
-      <p:nvGrpSpPr>
-        <p:cNvPr id="1" name=""/>
-        <p:cNvGrpSpPr/>
-        <p:nvPr/>
-      </p:nvGrpSpPr>
-      <p:grpSpPr>
-        <a:xfrm>
-          <a:off x="0" y="0"/>
-          <a:ext cx="0" cy="0"/>
-          <a:chOff x="0" y="0"/>
-          <a:chExt cx="0" cy="0"/>
-        </a:xfrm>
-      </p:grpSpPr>
-      <p:sp>
-        <p:nvSpPr>
-          <p:cNvPr id="2" name="Title 1">
-            <a:extLst>
-              <a:ext uri="{FF2B5EF4-FFF2-40B4-BE49-F238E27FC236}">
-                <a16:creationId xmlns:a16="http://schemas.microsoft.com/office/drawing/2014/main" id="{758F2BD1-FE55-4062-ACE6-33496EA6EAA2}"/>
-              </a:ext>
-            </a:extLst>
-          </p:cNvPr>
-          <p:cNvSpPr>
-            <a:spLocks noGrp="1"/>
-          </p:cNvSpPr>
-          <p:nvPr>
-            <p:ph type="title"/>
-          </p:nvPr>
-        </p:nvSpPr>
-        <p:spPr/>
-        <p:txBody>
-          <a:bodyPr/>
-          <a:lstStyle/>
-          <a:p>
-            <a:r>
-              <a:rPr lang="en-US" dirty="0"/>
-              <a:t>Optimal value function and optimal policy</a:t>
-            </a:r>
-          </a:p>
-        </p:txBody>
-      </p:sp>
-      <p:graphicFrame>
-        <p:nvGraphicFramePr>
-          <p:cNvPr id="4" name="Object 3">
-            <a:extLst>
-              <a:ext uri="{FF2B5EF4-FFF2-40B4-BE49-F238E27FC236}">
-                <a16:creationId xmlns:a16="http://schemas.microsoft.com/office/drawing/2014/main" id="{3C2CB22A-E836-42DD-A996-0CC34F8DF848}"/>
-              </a:ext>
-            </a:extLst>
-          </p:cNvPr>
-          <p:cNvGraphicFramePr>
-            <a:graphicFrameLocks noChangeAspect="1"/>
-          </p:cNvGraphicFramePr>
-          <p:nvPr>
-            <p:extLst>
-              <p:ext uri="{D42A27DB-BD31-4B8C-83A1-F6EECF244321}">
-                <p14:modId xmlns:p14="http://schemas.microsoft.com/office/powerpoint/2010/main" val="1560153497"/>
-              </p:ext>
-            </p:extLst>
-          </p:nvPr>
-        </p:nvGraphicFramePr>
-        <p:xfrm>
-          <a:off x="581025" y="3176588"/>
-          <a:ext cx="4491038" cy="3162300"/>
-        </p:xfrm>
-        <a:graphic>
-          <a:graphicData uri="http://schemas.openxmlformats.org/presentationml/2006/ole">
-            <mc:AlternateContent xmlns:mc="http://schemas.openxmlformats.org/markup-compatibility/2006">
-              <mc:Choice xmlns:v="urn:schemas-microsoft-com:vml" Requires="v">
-                <p:oleObj spid="_x0000_s22673" name="Worksheet" r:id="rId3" imgW="2704923" imgH="1905174" progId="Excel.Sheet.12">
-                  <p:embed/>
-                </p:oleObj>
-              </mc:Choice>
-              <mc:Fallback>
-                <p:oleObj name="Worksheet" r:id="rId3" imgW="2704923" imgH="1905174" progId="Excel.Sheet.12">
-                  <p:embed/>
-                  <p:pic>
-                    <p:nvPicPr>
-                      <p:cNvPr id="44" name="Object 43">
-                        <a:extLst>
-                          <a:ext uri="{FF2B5EF4-FFF2-40B4-BE49-F238E27FC236}">
-                            <a16:creationId xmlns:a16="http://schemas.microsoft.com/office/drawing/2014/main" id="{FB0F746A-1B38-4E29-8AF3-AA4C0193481D}"/>
-                          </a:ext>
-                        </a:extLst>
-                      </p:cNvPr>
-                      <p:cNvPicPr/>
-                      <p:nvPr/>
-                    </p:nvPicPr>
-                    <p:blipFill>
-                      <a:blip r:embed="rId4"/>
-                      <a:stretch>
-                        <a:fillRect/>
-                      </a:stretch>
-                    </p:blipFill>
-                    <p:spPr>
-                      <a:xfrm>
-                        <a:off x="581025" y="3176588"/>
-                        <a:ext cx="4491038" cy="3162300"/>
-                      </a:xfrm>
-                      <a:prstGeom prst="rect">
-                        <a:avLst/>
-                      </a:prstGeom>
-                    </p:spPr>
-                  </p:pic>
-                </p:oleObj>
-              </mc:Fallback>
-            </mc:AlternateContent>
-          </a:graphicData>
-        </a:graphic>
-      </p:graphicFrame>
-      <p:sp>
-        <p:nvSpPr>
-          <p:cNvPr id="5" name="Content Placeholder 2">
-            <a:extLst>
-              <a:ext uri="{FF2B5EF4-FFF2-40B4-BE49-F238E27FC236}">
-                <a16:creationId xmlns:a16="http://schemas.microsoft.com/office/drawing/2014/main" id="{F779849B-0873-4979-98E9-5C25C643279F}"/>
-              </a:ext>
-            </a:extLst>
-          </p:cNvPr>
-          <p:cNvSpPr txBox="1">
-            <a:spLocks/>
-          </p:cNvSpPr>
-          <p:nvPr/>
-        </p:nvSpPr>
-        <p:spPr>
-          <a:xfrm>
-            <a:off x="581192" y="2132872"/>
-            <a:ext cx="4812081" cy="641362"/>
-          </a:xfrm>
-          <a:prstGeom prst="rect">
-            <a:avLst/>
-          </a:prstGeom>
-        </p:spPr>
-        <p:txBody>
-          <a:bodyPr vert="horz" lIns="91440" tIns="45720" rIns="91440" bIns="45720" rtlCol="0" anchor="t">
-            <a:normAutofit/>
-          </a:bodyPr>
-          <a:lstStyle>
-            <a:lvl1pPr marL="306000" indent="-306000" algn="l" defTabSz="457200" rtl="0" eaLnBrk="1" latinLnBrk="0" hangingPunct="1">
-              <a:spcBef>
-                <a:spcPct val="20000"/>
-              </a:spcBef>
-              <a:spcAft>
-                <a:spcPts val="600"/>
-              </a:spcAft>
-              <a:buClr>
-                <a:schemeClr val="accent2"/>
-              </a:buClr>
-              <a:buSzPct val="92000"/>
-              <a:buFont typeface="Wingdings 2" panose="05020102010507070707" pitchFamily="18" charset="2"/>
-              <a:buChar char=""/>
-              <a:defRPr sz="1800" kern="1200">
-                <a:solidFill>
-                  <a:schemeClr val="tx2"/>
-                </a:solidFill>
-                <a:latin typeface="+mn-lt"/>
-                <a:ea typeface="+mn-ea"/>
-                <a:cs typeface="+mn-cs"/>
-              </a:defRPr>
-            </a:lvl1pPr>
-            <a:lvl2pPr marL="630000" indent="-306000" algn="l" defTabSz="457200" rtl="0" eaLnBrk="1" latinLnBrk="0" hangingPunct="1">
-              <a:spcBef>
-                <a:spcPct val="20000"/>
-              </a:spcBef>
-              <a:spcAft>
-                <a:spcPts val="600"/>
-              </a:spcAft>
-              <a:buClr>
-                <a:schemeClr val="accent2"/>
-              </a:buClr>
-              <a:buSzPct val="92000"/>
-              <a:buFont typeface="Wingdings 2" panose="05020102010507070707" pitchFamily="18" charset="2"/>
-              <a:buChar char=""/>
-              <a:defRPr sz="1600" kern="1200">
-                <a:solidFill>
-                  <a:schemeClr val="tx2"/>
-                </a:solidFill>
-                <a:latin typeface="+mn-lt"/>
-                <a:ea typeface="+mn-ea"/>
-                <a:cs typeface="+mn-cs"/>
-              </a:defRPr>
-            </a:lvl2pPr>
-            <a:lvl3pPr marL="900000" indent="-270000" algn="l" defTabSz="457200" rtl="0" eaLnBrk="1" latinLnBrk="0" hangingPunct="1">
-              <a:spcBef>
-                <a:spcPct val="20000"/>
-              </a:spcBef>
-              <a:spcAft>
-                <a:spcPts val="600"/>
-              </a:spcAft>
-              <a:buClr>
-                <a:schemeClr val="accent2"/>
-              </a:buClr>
-              <a:buSzPct val="92000"/>
-              <a:buFont typeface="Wingdings 2" panose="05020102010507070707" pitchFamily="18" charset="2"/>
-              <a:buChar char=""/>
-              <a:defRPr sz="1400" kern="1200">
-                <a:solidFill>
-                  <a:schemeClr val="tx2"/>
-                </a:solidFill>
-                <a:latin typeface="+mn-lt"/>
-                <a:ea typeface="+mn-ea"/>
-                <a:cs typeface="+mn-cs"/>
-              </a:defRPr>
-            </a:lvl3pPr>
-            <a:lvl4pPr marL="1242000" indent="-234000" algn="l" defTabSz="457200" rtl="0" eaLnBrk="1" latinLnBrk="0" hangingPunct="1">
-              <a:spcBef>
-                <a:spcPct val="20000"/>
-              </a:spcBef>
-              <a:spcAft>
-                <a:spcPts val="600"/>
-              </a:spcAft>
-              <a:buClr>
-                <a:schemeClr val="accent2"/>
-              </a:buClr>
-              <a:buSzPct val="92000"/>
-              <a:buFont typeface="Wingdings 2" panose="05020102010507070707" pitchFamily="18" charset="2"/>
-              <a:buChar char=""/>
-              <a:defRPr sz="1200" kern="1200">
-                <a:solidFill>
-                  <a:schemeClr val="tx2"/>
-                </a:solidFill>
-                <a:latin typeface="+mn-lt"/>
-                <a:ea typeface="+mn-ea"/>
-                <a:cs typeface="+mn-cs"/>
-              </a:defRPr>
-            </a:lvl4pPr>
-            <a:lvl5pPr marL="1602000" indent="-234000" algn="l" defTabSz="457200" rtl="0" eaLnBrk="1" latinLnBrk="0" hangingPunct="1">
-              <a:spcBef>
-                <a:spcPct val="20000"/>
-              </a:spcBef>
-              <a:spcAft>
-                <a:spcPts val="600"/>
-              </a:spcAft>
-              <a:buClr>
-                <a:schemeClr val="accent2"/>
-              </a:buClr>
-              <a:buSzPct val="92000"/>
-              <a:buFont typeface="Wingdings 2" panose="05020102010507070707" pitchFamily="18" charset="2"/>
-              <a:buChar char=""/>
-              <a:defRPr sz="1200" kern="1200">
-                <a:solidFill>
-                  <a:schemeClr val="tx2"/>
-                </a:solidFill>
-                <a:latin typeface="+mn-lt"/>
-                <a:ea typeface="+mn-ea"/>
-                <a:cs typeface="+mn-cs"/>
-              </a:defRPr>
-            </a:lvl5pPr>
-            <a:lvl6pPr marL="1900000" indent="-228600" algn="l" defTabSz="457200" rtl="0" eaLnBrk="1" latinLnBrk="0" hangingPunct="1">
-              <a:spcBef>
-                <a:spcPct val="20000"/>
-              </a:spcBef>
-              <a:spcAft>
-                <a:spcPts val="600"/>
-              </a:spcAft>
-              <a:buClr>
-                <a:schemeClr val="accent2"/>
-              </a:buClr>
-              <a:buSzPct val="92000"/>
-              <a:buFont typeface="Wingdings 2" panose="05020102010507070707" pitchFamily="18" charset="2"/>
-              <a:buChar char=""/>
-              <a:defRPr sz="1200" kern="1200">
-                <a:solidFill>
-                  <a:schemeClr val="tx2"/>
-                </a:solidFill>
-                <a:latin typeface="+mn-lt"/>
-                <a:ea typeface="+mn-ea"/>
-                <a:cs typeface="+mn-cs"/>
-              </a:defRPr>
-            </a:lvl6pPr>
-            <a:lvl7pPr marL="2200000" indent="-228600" algn="l" defTabSz="457200" rtl="0" eaLnBrk="1" latinLnBrk="0" hangingPunct="1">
-              <a:spcBef>
-                <a:spcPct val="20000"/>
-              </a:spcBef>
-              <a:spcAft>
-                <a:spcPts val="600"/>
-              </a:spcAft>
-              <a:buClr>
-                <a:schemeClr val="accent2"/>
-              </a:buClr>
-              <a:buSzPct val="92000"/>
-              <a:buFont typeface="Wingdings 2" panose="05020102010507070707" pitchFamily="18" charset="2"/>
-              <a:buChar char=""/>
-              <a:defRPr sz="1200" kern="1200">
-                <a:solidFill>
-                  <a:schemeClr val="tx2"/>
-                </a:solidFill>
-                <a:latin typeface="+mn-lt"/>
-                <a:ea typeface="+mn-ea"/>
-                <a:cs typeface="+mn-cs"/>
-              </a:defRPr>
-            </a:lvl7pPr>
-            <a:lvl8pPr marL="2500000" indent="-228600" algn="l" defTabSz="457200" rtl="0" eaLnBrk="1" latinLnBrk="0" hangingPunct="1">
-              <a:spcBef>
-                <a:spcPct val="20000"/>
-              </a:spcBef>
-              <a:spcAft>
-                <a:spcPts val="600"/>
-              </a:spcAft>
-              <a:buClr>
-                <a:schemeClr val="accent2"/>
-              </a:buClr>
-              <a:buSzPct val="92000"/>
-              <a:buFont typeface="Wingdings 2" panose="05020102010507070707" pitchFamily="18" charset="2"/>
-              <a:buChar char=""/>
-              <a:defRPr sz="1200" kern="1200">
-                <a:solidFill>
-                  <a:schemeClr val="tx2"/>
-                </a:solidFill>
-                <a:latin typeface="+mn-lt"/>
-                <a:ea typeface="+mn-ea"/>
-                <a:cs typeface="+mn-cs"/>
-              </a:defRPr>
-            </a:lvl8pPr>
-            <a:lvl9pPr marL="2800000" indent="-228600" algn="l" defTabSz="457200" rtl="0" eaLnBrk="1" latinLnBrk="0" hangingPunct="1">
-              <a:spcBef>
-                <a:spcPct val="20000"/>
-              </a:spcBef>
-              <a:spcAft>
-                <a:spcPts val="600"/>
-              </a:spcAft>
-              <a:buClr>
-                <a:schemeClr val="accent2"/>
-              </a:buClr>
-              <a:buSzPct val="92000"/>
-              <a:buFont typeface="Wingdings 2" panose="05020102010507070707" pitchFamily="18" charset="2"/>
-              <a:buChar char=""/>
-              <a:defRPr sz="1200" kern="1200">
-                <a:solidFill>
-                  <a:schemeClr val="tx2"/>
-                </a:solidFill>
-                <a:latin typeface="+mn-lt"/>
-                <a:ea typeface="+mn-ea"/>
-                <a:cs typeface="+mn-cs"/>
-              </a:defRPr>
-            </a:lvl9pPr>
-          </a:lstStyle>
-          <a:p>
-            <a:pPr marL="0" indent="0">
-              <a:buFont typeface="Wingdings 2" panose="05020102010507070707" pitchFamily="18" charset="2"/>
-              <a:buNone/>
-            </a:pPr>
-            <a:r>
-              <a:rPr lang="en-US" dirty="0"/>
-              <a:t>The Optimal Value Function:</a:t>
-            </a:r>
-          </a:p>
-        </p:txBody>
-      </p:sp>
-      <p:sp>
-        <p:nvSpPr>
-          <p:cNvPr id="6" name="Content Placeholder 2">
-            <a:extLst>
-              <a:ext uri="{FF2B5EF4-FFF2-40B4-BE49-F238E27FC236}">
-                <a16:creationId xmlns:a16="http://schemas.microsoft.com/office/drawing/2014/main" id="{1007E4DB-218A-4E00-AFC5-F724752E4400}"/>
-              </a:ext>
-            </a:extLst>
-          </p:cNvPr>
-          <p:cNvSpPr>
-            <a:spLocks noGrp="1"/>
-          </p:cNvSpPr>
-          <p:nvPr>
-            <p:ph idx="1"/>
-          </p:nvPr>
-        </p:nvSpPr>
-        <p:spPr>
-          <a:xfrm>
-            <a:off x="5477042" y="2305019"/>
-            <a:ext cx="5058013" cy="641362"/>
-          </a:xfrm>
-        </p:spPr>
-        <p:txBody>
-          <a:bodyPr anchor="t"/>
-          <a:lstStyle/>
-          <a:p>
-            <a:r>
-              <a:rPr lang="en-US" dirty="0"/>
-              <a:t>An optimal policy can be created from the optimal value function</a:t>
-            </a:r>
-          </a:p>
-        </p:txBody>
-      </p:sp>
-      <p:grpSp>
-        <p:nvGrpSpPr>
-          <p:cNvPr id="7" name="Group 6">
-            <a:extLst>
-              <a:ext uri="{FF2B5EF4-FFF2-40B4-BE49-F238E27FC236}">
-                <a16:creationId xmlns:a16="http://schemas.microsoft.com/office/drawing/2014/main" id="{E4A2D465-D19A-467E-B801-66AE6D389652}"/>
-              </a:ext>
-            </a:extLst>
-          </p:cNvPr>
-          <p:cNvGrpSpPr/>
-          <p:nvPr/>
-        </p:nvGrpSpPr>
-        <p:grpSpPr>
-          <a:xfrm>
-            <a:off x="5477042" y="3113017"/>
-            <a:ext cx="4738060" cy="3235324"/>
-            <a:chOff x="4019550" y="3165475"/>
-            <a:chExt cx="2749550" cy="1911350"/>
-          </a:xfrm>
-        </p:grpSpPr>
-        <p:graphicFrame>
-          <p:nvGraphicFramePr>
-            <p:cNvPr id="8" name="Object 7">
-              <a:extLst>
-                <a:ext uri="{FF2B5EF4-FFF2-40B4-BE49-F238E27FC236}">
-                  <a16:creationId xmlns:a16="http://schemas.microsoft.com/office/drawing/2014/main" id="{2A01E366-2E95-41F8-9763-997257219256}"/>
-                </a:ext>
-              </a:extLst>
-            </p:cNvPr>
-            <p:cNvGraphicFramePr>
-              <a:graphicFrameLocks noChangeAspect="1"/>
-            </p:cNvGraphicFramePr>
-            <p:nvPr/>
-          </p:nvGraphicFramePr>
-          <p:xfrm>
-            <a:off x="4019550" y="3165475"/>
-            <a:ext cx="2749550" cy="1911350"/>
-          </p:xfrm>
-          <a:graphic>
-            <a:graphicData uri="http://schemas.openxmlformats.org/presentationml/2006/ole">
-              <mc:AlternateContent xmlns:mc="http://schemas.openxmlformats.org/markup-compatibility/2006">
-                <mc:Choice xmlns:v="urn:schemas-microsoft-com:vml" Requires="v">
-                  <p:oleObj spid="_x0000_s22674" name="Worksheet" r:id="rId5" imgW="2749680" imgH="1911583" progId="Excel.Sheet.12">
-                    <p:embed/>
-                  </p:oleObj>
-                </mc:Choice>
-                <mc:Fallback>
-                  <p:oleObj name="Worksheet" r:id="rId5" imgW="2749680" imgH="1911583" progId="Excel.Sheet.12">
-                    <p:embed/>
-                    <p:pic>
-                      <p:nvPicPr>
-                        <p:cNvPr id="6" name="Object 5">
-                          <a:extLst>
-                            <a:ext uri="{FF2B5EF4-FFF2-40B4-BE49-F238E27FC236}">
-                              <a16:creationId xmlns:a16="http://schemas.microsoft.com/office/drawing/2014/main" id="{DC98B481-9318-4ED1-9B2E-B03AB07F0C92}"/>
-                            </a:ext>
-                          </a:extLst>
-                        </p:cNvPr>
-                        <p:cNvPicPr/>
-                        <p:nvPr/>
-                      </p:nvPicPr>
-                      <p:blipFill>
-                        <a:blip r:embed="rId6"/>
-                        <a:stretch>
-                          <a:fillRect/>
-                        </a:stretch>
-                      </p:blipFill>
-                      <p:spPr>
-                        <a:xfrm>
-                          <a:off x="4019550" y="3165475"/>
-                          <a:ext cx="2749550" cy="1911350"/>
-                        </a:xfrm>
-                        <a:prstGeom prst="rect">
-                          <a:avLst/>
-                        </a:prstGeom>
-                      </p:spPr>
-                    </p:pic>
-                  </p:oleObj>
-                </mc:Fallback>
-              </mc:AlternateContent>
-            </a:graphicData>
-          </a:graphic>
-        </p:graphicFrame>
-        <p:sp>
-          <p:nvSpPr>
-            <p:cNvPr id="9" name="Arrow: Down 5">
-              <a:extLst>
-                <a:ext uri="{FF2B5EF4-FFF2-40B4-BE49-F238E27FC236}">
-                  <a16:creationId xmlns:a16="http://schemas.microsoft.com/office/drawing/2014/main" id="{7862CD87-ADB6-477C-B73A-11825120BA8C}"/>
-                </a:ext>
-              </a:extLst>
-            </p:cNvPr>
-            <p:cNvSpPr/>
-            <p:nvPr/>
-          </p:nvSpPr>
-          <p:spPr>
-            <a:xfrm flipV="1">
-              <a:off x="4379232" y="4651829"/>
-              <a:ext cx="184150" cy="215900"/>
-            </a:xfrm>
-            <a:prstGeom prst="downArrow">
-              <a:avLst/>
-            </a:prstGeom>
-          </p:spPr>
-          <p:style>
-            <a:lnRef idx="2">
-              <a:schemeClr val="dk1">
-                <a:shade val="50000"/>
-              </a:schemeClr>
-            </a:lnRef>
-            <a:fillRef idx="1">
-              <a:schemeClr val="dk1"/>
-            </a:fillRef>
-            <a:effectRef idx="0">
-              <a:schemeClr val="dk1"/>
-            </a:effectRef>
-            <a:fontRef idx="minor">
-              <a:schemeClr val="lt1"/>
-            </a:fontRef>
-          </p:style>
-          <p:txBody>
-            <a:bodyPr rot="0" spcFirstLastPara="0" vert="horz" wrap="square" lIns="91440" tIns="45720" rIns="91440" bIns="45720" numCol="1" spcCol="0" rtlCol="0" fromWordArt="0" anchor="t" anchorCtr="0" forceAA="0" compatLnSpc="1">
-              <a:prstTxWarp prst="textNoShape">
-                <a:avLst/>
-              </a:prstTxWarp>
-              <a:noAutofit/>
-            </a:bodyPr>
-            <a:lstStyle>
-              <a:lvl1pPr marL="0" indent="0">
-                <a:defRPr sz="1100">
-                  <a:solidFill>
-                    <a:schemeClr val="lt1"/>
-                  </a:solidFill>
-                  <a:latin typeface="+mn-lt"/>
-                  <a:ea typeface="+mn-ea"/>
-                  <a:cs typeface="+mn-cs"/>
-                </a:defRPr>
-              </a:lvl1pPr>
-              <a:lvl2pPr marL="457200" indent="0">
-                <a:defRPr sz="1100">
-                  <a:solidFill>
-                    <a:schemeClr val="lt1"/>
-                  </a:solidFill>
-                  <a:latin typeface="+mn-lt"/>
-                  <a:ea typeface="+mn-ea"/>
-                  <a:cs typeface="+mn-cs"/>
-                </a:defRPr>
-              </a:lvl2pPr>
-              <a:lvl3pPr marL="914400" indent="0">
-                <a:defRPr sz="1100">
-                  <a:solidFill>
-                    <a:schemeClr val="lt1"/>
-                  </a:solidFill>
-                  <a:latin typeface="+mn-lt"/>
-                  <a:ea typeface="+mn-ea"/>
-                  <a:cs typeface="+mn-cs"/>
-                </a:defRPr>
-              </a:lvl3pPr>
-              <a:lvl4pPr marL="1371600" indent="0">
-                <a:defRPr sz="1100">
-                  <a:solidFill>
-                    <a:schemeClr val="lt1"/>
-                  </a:solidFill>
-                  <a:latin typeface="+mn-lt"/>
-                  <a:ea typeface="+mn-ea"/>
-                  <a:cs typeface="+mn-cs"/>
-                </a:defRPr>
-              </a:lvl4pPr>
-              <a:lvl5pPr marL="1828800" indent="0">
-                <a:defRPr sz="1100">
-                  <a:solidFill>
-                    <a:schemeClr val="lt1"/>
-                  </a:solidFill>
-                  <a:latin typeface="+mn-lt"/>
-                  <a:ea typeface="+mn-ea"/>
-                  <a:cs typeface="+mn-cs"/>
-                </a:defRPr>
-              </a:lvl5pPr>
-              <a:lvl6pPr marL="2286000" indent="0">
-                <a:defRPr sz="1100">
-                  <a:solidFill>
-                    <a:schemeClr val="lt1"/>
-                  </a:solidFill>
-                  <a:latin typeface="+mn-lt"/>
-                  <a:ea typeface="+mn-ea"/>
-                  <a:cs typeface="+mn-cs"/>
-                </a:defRPr>
-              </a:lvl6pPr>
-              <a:lvl7pPr marL="2743200" indent="0">
-                <a:defRPr sz="1100">
-                  <a:solidFill>
-                    <a:schemeClr val="lt1"/>
-                  </a:solidFill>
-                  <a:latin typeface="+mn-lt"/>
-                  <a:ea typeface="+mn-ea"/>
-                  <a:cs typeface="+mn-cs"/>
-                </a:defRPr>
-              </a:lvl7pPr>
-              <a:lvl8pPr marL="3200400" indent="0">
-                <a:defRPr sz="1100">
-                  <a:solidFill>
-                    <a:schemeClr val="lt1"/>
-                  </a:solidFill>
-                  <a:latin typeface="+mn-lt"/>
-                  <a:ea typeface="+mn-ea"/>
-                  <a:cs typeface="+mn-cs"/>
-                </a:defRPr>
-              </a:lvl8pPr>
-              <a:lvl9pPr marL="3657600" indent="0">
-                <a:defRPr sz="1100">
-                  <a:solidFill>
-                    <a:schemeClr val="lt1"/>
-                  </a:solidFill>
-                  <a:latin typeface="+mn-lt"/>
-                  <a:ea typeface="+mn-ea"/>
-                  <a:cs typeface="+mn-cs"/>
-                </a:defRPr>
-              </a:lvl9pPr>
-            </a:lstStyle>
-            <a:p>
-              <a:pPr algn="l"/>
-              <a:endParaRPr lang="en-US" sz="1100"/>
-            </a:p>
-          </p:txBody>
-        </p:sp>
-        <p:sp>
-          <p:nvSpPr>
-            <p:cNvPr id="10" name="Arrow: Down 6">
-              <a:extLst>
-                <a:ext uri="{FF2B5EF4-FFF2-40B4-BE49-F238E27FC236}">
-                  <a16:creationId xmlns:a16="http://schemas.microsoft.com/office/drawing/2014/main" id="{F5ECB368-BFD5-45ED-99FB-28EC94AC3193}"/>
-                </a:ext>
-              </a:extLst>
-            </p:cNvPr>
-            <p:cNvSpPr/>
-            <p:nvPr/>
-          </p:nvSpPr>
-          <p:spPr>
-            <a:xfrm flipV="1">
-              <a:off x="4379232" y="4013427"/>
-              <a:ext cx="184150" cy="215900"/>
-            </a:xfrm>
-            <a:prstGeom prst="downArrow">
-              <a:avLst/>
-            </a:prstGeom>
-          </p:spPr>
-          <p:style>
-            <a:lnRef idx="2">
-              <a:schemeClr val="dk1">
-                <a:shade val="50000"/>
-              </a:schemeClr>
-            </a:lnRef>
-            <a:fillRef idx="1">
-              <a:schemeClr val="dk1"/>
-            </a:fillRef>
-            <a:effectRef idx="0">
-              <a:schemeClr val="dk1"/>
-            </a:effectRef>
-            <a:fontRef idx="minor">
-              <a:schemeClr val="lt1"/>
-            </a:fontRef>
-          </p:style>
-          <p:txBody>
-            <a:bodyPr rot="0" spcFirstLastPara="0" vert="horz" wrap="square" lIns="91440" tIns="45720" rIns="91440" bIns="45720" numCol="1" spcCol="0" rtlCol="0" fromWordArt="0" anchor="t" anchorCtr="0" forceAA="0" compatLnSpc="1">
-              <a:prstTxWarp prst="textNoShape">
-                <a:avLst/>
-              </a:prstTxWarp>
-              <a:noAutofit/>
-            </a:bodyPr>
-            <a:lstStyle>
-              <a:lvl1pPr marL="0" indent="0">
-                <a:defRPr sz="1100">
-                  <a:solidFill>
-                    <a:schemeClr val="lt1"/>
-                  </a:solidFill>
-                  <a:latin typeface="+mn-lt"/>
-                  <a:ea typeface="+mn-ea"/>
-                  <a:cs typeface="+mn-cs"/>
-                </a:defRPr>
-              </a:lvl1pPr>
-              <a:lvl2pPr marL="457200" indent="0">
-                <a:defRPr sz="1100">
-                  <a:solidFill>
-                    <a:schemeClr val="lt1"/>
-                  </a:solidFill>
-                  <a:latin typeface="+mn-lt"/>
-                  <a:ea typeface="+mn-ea"/>
-                  <a:cs typeface="+mn-cs"/>
-                </a:defRPr>
-              </a:lvl2pPr>
-              <a:lvl3pPr marL="914400" indent="0">
-                <a:defRPr sz="1100">
-                  <a:solidFill>
-                    <a:schemeClr val="lt1"/>
-                  </a:solidFill>
-                  <a:latin typeface="+mn-lt"/>
-                  <a:ea typeface="+mn-ea"/>
-                  <a:cs typeface="+mn-cs"/>
-                </a:defRPr>
-              </a:lvl3pPr>
-              <a:lvl4pPr marL="1371600" indent="0">
-                <a:defRPr sz="1100">
-                  <a:solidFill>
-                    <a:schemeClr val="lt1"/>
-                  </a:solidFill>
-                  <a:latin typeface="+mn-lt"/>
-                  <a:ea typeface="+mn-ea"/>
-                  <a:cs typeface="+mn-cs"/>
-                </a:defRPr>
-              </a:lvl4pPr>
-              <a:lvl5pPr marL="1828800" indent="0">
-                <a:defRPr sz="1100">
-                  <a:solidFill>
-                    <a:schemeClr val="lt1"/>
-                  </a:solidFill>
-                  <a:latin typeface="+mn-lt"/>
-                  <a:ea typeface="+mn-ea"/>
-                  <a:cs typeface="+mn-cs"/>
-                </a:defRPr>
-              </a:lvl5pPr>
-              <a:lvl6pPr marL="2286000" indent="0">
-                <a:defRPr sz="1100">
-                  <a:solidFill>
-                    <a:schemeClr val="lt1"/>
-                  </a:solidFill>
-                  <a:latin typeface="+mn-lt"/>
-                  <a:ea typeface="+mn-ea"/>
-                  <a:cs typeface="+mn-cs"/>
-                </a:defRPr>
-              </a:lvl6pPr>
-              <a:lvl7pPr marL="2743200" indent="0">
-                <a:defRPr sz="1100">
-                  <a:solidFill>
-                    <a:schemeClr val="lt1"/>
-                  </a:solidFill>
-                  <a:latin typeface="+mn-lt"/>
-                  <a:ea typeface="+mn-ea"/>
-                  <a:cs typeface="+mn-cs"/>
-                </a:defRPr>
-              </a:lvl7pPr>
-              <a:lvl8pPr marL="3200400" indent="0">
-                <a:defRPr sz="1100">
-                  <a:solidFill>
-                    <a:schemeClr val="lt1"/>
-                  </a:solidFill>
-                  <a:latin typeface="+mn-lt"/>
-                  <a:ea typeface="+mn-ea"/>
-                  <a:cs typeface="+mn-cs"/>
-                </a:defRPr>
-              </a:lvl8pPr>
-              <a:lvl9pPr marL="3657600" indent="0">
-                <a:defRPr sz="1100">
-                  <a:solidFill>
-                    <a:schemeClr val="lt1"/>
-                  </a:solidFill>
-                  <a:latin typeface="+mn-lt"/>
-                  <a:ea typeface="+mn-ea"/>
-                  <a:cs typeface="+mn-cs"/>
-                </a:defRPr>
-              </a:lvl9pPr>
-            </a:lstStyle>
-            <a:p>
-              <a:pPr algn="l"/>
-              <a:endParaRPr lang="en-US" sz="1100"/>
-            </a:p>
-          </p:txBody>
-        </p:sp>
-        <p:sp>
-          <p:nvSpPr>
-            <p:cNvPr id="11" name="Arrow: Down 7">
-              <a:extLst>
-                <a:ext uri="{FF2B5EF4-FFF2-40B4-BE49-F238E27FC236}">
-                  <a16:creationId xmlns:a16="http://schemas.microsoft.com/office/drawing/2014/main" id="{B9B9ADAA-9A9E-4E77-9874-D95D093F8344}"/>
-                </a:ext>
-              </a:extLst>
-            </p:cNvPr>
-            <p:cNvSpPr/>
-            <p:nvPr/>
-          </p:nvSpPr>
-          <p:spPr>
-            <a:xfrm flipV="1">
-              <a:off x="5301797" y="4013427"/>
-              <a:ext cx="184150" cy="215900"/>
-            </a:xfrm>
-            <a:prstGeom prst="downArrow">
-              <a:avLst/>
-            </a:prstGeom>
-          </p:spPr>
-          <p:style>
-            <a:lnRef idx="2">
-              <a:schemeClr val="dk1">
-                <a:shade val="50000"/>
-              </a:schemeClr>
-            </a:lnRef>
-            <a:fillRef idx="1">
-              <a:schemeClr val="dk1"/>
-            </a:fillRef>
-            <a:effectRef idx="0">
-              <a:schemeClr val="dk1"/>
-            </a:effectRef>
-            <a:fontRef idx="minor">
-              <a:schemeClr val="lt1"/>
-            </a:fontRef>
-          </p:style>
-          <p:txBody>
-            <a:bodyPr rot="0" spcFirstLastPara="0" vert="horz" wrap="square" lIns="91440" tIns="45720" rIns="91440" bIns="45720" numCol="1" spcCol="0" rtlCol="0" fromWordArt="0" anchor="t" anchorCtr="0" forceAA="0" compatLnSpc="1">
-              <a:prstTxWarp prst="textNoShape">
-                <a:avLst/>
-              </a:prstTxWarp>
-              <a:noAutofit/>
-            </a:bodyPr>
-            <a:lstStyle>
-              <a:lvl1pPr marL="0" indent="0">
-                <a:defRPr sz="1100">
-                  <a:solidFill>
-                    <a:schemeClr val="lt1"/>
-                  </a:solidFill>
-                  <a:latin typeface="+mn-lt"/>
-                  <a:ea typeface="+mn-ea"/>
-                  <a:cs typeface="+mn-cs"/>
-                </a:defRPr>
-              </a:lvl1pPr>
-              <a:lvl2pPr marL="457200" indent="0">
-                <a:defRPr sz="1100">
-                  <a:solidFill>
-                    <a:schemeClr val="lt1"/>
-                  </a:solidFill>
-                  <a:latin typeface="+mn-lt"/>
-                  <a:ea typeface="+mn-ea"/>
-                  <a:cs typeface="+mn-cs"/>
-                </a:defRPr>
-              </a:lvl2pPr>
-              <a:lvl3pPr marL="914400" indent="0">
-                <a:defRPr sz="1100">
-                  <a:solidFill>
-                    <a:schemeClr val="lt1"/>
-                  </a:solidFill>
-                  <a:latin typeface="+mn-lt"/>
-                  <a:ea typeface="+mn-ea"/>
-                  <a:cs typeface="+mn-cs"/>
-                </a:defRPr>
-              </a:lvl3pPr>
-              <a:lvl4pPr marL="1371600" indent="0">
-                <a:defRPr sz="1100">
-                  <a:solidFill>
-                    <a:schemeClr val="lt1"/>
-                  </a:solidFill>
-                  <a:latin typeface="+mn-lt"/>
-                  <a:ea typeface="+mn-ea"/>
-                  <a:cs typeface="+mn-cs"/>
-                </a:defRPr>
-              </a:lvl4pPr>
-              <a:lvl5pPr marL="1828800" indent="0">
-                <a:defRPr sz="1100">
-                  <a:solidFill>
-                    <a:schemeClr val="lt1"/>
-                  </a:solidFill>
-                  <a:latin typeface="+mn-lt"/>
-                  <a:ea typeface="+mn-ea"/>
-                  <a:cs typeface="+mn-cs"/>
-                </a:defRPr>
-              </a:lvl5pPr>
-              <a:lvl6pPr marL="2286000" indent="0">
-                <a:defRPr sz="1100">
-                  <a:solidFill>
-                    <a:schemeClr val="lt1"/>
-                  </a:solidFill>
-                  <a:latin typeface="+mn-lt"/>
-                  <a:ea typeface="+mn-ea"/>
-                  <a:cs typeface="+mn-cs"/>
-                </a:defRPr>
-              </a:lvl6pPr>
-              <a:lvl7pPr marL="2743200" indent="0">
-                <a:defRPr sz="1100">
-                  <a:solidFill>
-                    <a:schemeClr val="lt1"/>
-                  </a:solidFill>
-                  <a:latin typeface="+mn-lt"/>
-                  <a:ea typeface="+mn-ea"/>
-                  <a:cs typeface="+mn-cs"/>
-                </a:defRPr>
-              </a:lvl7pPr>
-              <a:lvl8pPr marL="3200400" indent="0">
-                <a:defRPr sz="1100">
-                  <a:solidFill>
-                    <a:schemeClr val="lt1"/>
-                  </a:solidFill>
-                  <a:latin typeface="+mn-lt"/>
-                  <a:ea typeface="+mn-ea"/>
-                  <a:cs typeface="+mn-cs"/>
-                </a:defRPr>
-              </a:lvl8pPr>
-              <a:lvl9pPr marL="3657600" indent="0">
-                <a:defRPr sz="1100">
-                  <a:solidFill>
-                    <a:schemeClr val="lt1"/>
-                  </a:solidFill>
-                  <a:latin typeface="+mn-lt"/>
-                  <a:ea typeface="+mn-ea"/>
-                  <a:cs typeface="+mn-cs"/>
-                </a:defRPr>
-              </a:lvl9pPr>
-            </a:lstStyle>
-            <a:p>
-              <a:pPr algn="l"/>
-              <a:endParaRPr lang="en-US" sz="1100"/>
-            </a:p>
-          </p:txBody>
-        </p:sp>
-        <p:sp>
-          <p:nvSpPr>
-            <p:cNvPr id="12" name="Arrow: Down 11">
-              <a:extLst>
-                <a:ext uri="{FF2B5EF4-FFF2-40B4-BE49-F238E27FC236}">
-                  <a16:creationId xmlns:a16="http://schemas.microsoft.com/office/drawing/2014/main" id="{279121E2-EF6B-4CDE-B764-37DB6E2D4DEC}"/>
-                </a:ext>
-              </a:extLst>
-            </p:cNvPr>
-            <p:cNvSpPr/>
-            <p:nvPr/>
-          </p:nvSpPr>
-          <p:spPr>
-            <a:xfrm flipV="1">
-              <a:off x="5301797" y="4651829"/>
-              <a:ext cx="184150" cy="215900"/>
-            </a:xfrm>
-            <a:prstGeom prst="downArrow">
-              <a:avLst/>
-            </a:prstGeom>
-          </p:spPr>
-          <p:style>
-            <a:lnRef idx="2">
-              <a:schemeClr val="dk1">
-                <a:shade val="50000"/>
-              </a:schemeClr>
-            </a:lnRef>
-            <a:fillRef idx="1">
-              <a:schemeClr val="dk1"/>
-            </a:fillRef>
-            <a:effectRef idx="0">
-              <a:schemeClr val="dk1"/>
-            </a:effectRef>
-            <a:fontRef idx="minor">
-              <a:schemeClr val="lt1"/>
-            </a:fontRef>
-          </p:style>
-          <p:txBody>
-            <a:bodyPr rot="0" spcFirstLastPara="0" vert="horz" wrap="square" lIns="91440" tIns="45720" rIns="91440" bIns="45720" numCol="1" spcCol="0" rtlCol="0" fromWordArt="0" anchor="t" anchorCtr="0" forceAA="0" compatLnSpc="1">
-              <a:prstTxWarp prst="textNoShape">
-                <a:avLst/>
-              </a:prstTxWarp>
-              <a:noAutofit/>
-            </a:bodyPr>
-            <a:lstStyle>
-              <a:lvl1pPr marL="0" indent="0">
-                <a:defRPr sz="1100">
-                  <a:solidFill>
-                    <a:schemeClr val="lt1"/>
-                  </a:solidFill>
-                  <a:latin typeface="+mn-lt"/>
-                  <a:ea typeface="+mn-ea"/>
-                  <a:cs typeface="+mn-cs"/>
-                </a:defRPr>
-              </a:lvl1pPr>
-              <a:lvl2pPr marL="457200" indent="0">
-                <a:defRPr sz="1100">
-                  <a:solidFill>
-                    <a:schemeClr val="lt1"/>
-                  </a:solidFill>
-                  <a:latin typeface="+mn-lt"/>
-                  <a:ea typeface="+mn-ea"/>
-                  <a:cs typeface="+mn-cs"/>
-                </a:defRPr>
-              </a:lvl2pPr>
-              <a:lvl3pPr marL="914400" indent="0">
-                <a:defRPr sz="1100">
-                  <a:solidFill>
-                    <a:schemeClr val="lt1"/>
-                  </a:solidFill>
-                  <a:latin typeface="+mn-lt"/>
-                  <a:ea typeface="+mn-ea"/>
-                  <a:cs typeface="+mn-cs"/>
-                </a:defRPr>
-              </a:lvl3pPr>
-              <a:lvl4pPr marL="1371600" indent="0">
-                <a:defRPr sz="1100">
-                  <a:solidFill>
-                    <a:schemeClr val="lt1"/>
-                  </a:solidFill>
-                  <a:latin typeface="+mn-lt"/>
-                  <a:ea typeface="+mn-ea"/>
-                  <a:cs typeface="+mn-cs"/>
-                </a:defRPr>
-              </a:lvl4pPr>
-              <a:lvl5pPr marL="1828800" indent="0">
-                <a:defRPr sz="1100">
-                  <a:solidFill>
-                    <a:schemeClr val="lt1"/>
-                  </a:solidFill>
-                  <a:latin typeface="+mn-lt"/>
-                  <a:ea typeface="+mn-ea"/>
-                  <a:cs typeface="+mn-cs"/>
-                </a:defRPr>
-              </a:lvl5pPr>
-              <a:lvl6pPr marL="2286000" indent="0">
-                <a:defRPr sz="1100">
-                  <a:solidFill>
-                    <a:schemeClr val="lt1"/>
-                  </a:solidFill>
-                  <a:latin typeface="+mn-lt"/>
-                  <a:ea typeface="+mn-ea"/>
-                  <a:cs typeface="+mn-cs"/>
-                </a:defRPr>
-              </a:lvl6pPr>
-              <a:lvl7pPr marL="2743200" indent="0">
-                <a:defRPr sz="1100">
-                  <a:solidFill>
-                    <a:schemeClr val="lt1"/>
-                  </a:solidFill>
-                  <a:latin typeface="+mn-lt"/>
-                  <a:ea typeface="+mn-ea"/>
-                  <a:cs typeface="+mn-cs"/>
-                </a:defRPr>
-              </a:lvl7pPr>
-              <a:lvl8pPr marL="3200400" indent="0">
-                <a:defRPr sz="1100">
-                  <a:solidFill>
-                    <a:schemeClr val="lt1"/>
-                  </a:solidFill>
-                  <a:latin typeface="+mn-lt"/>
-                  <a:ea typeface="+mn-ea"/>
-                  <a:cs typeface="+mn-cs"/>
-                </a:defRPr>
-              </a:lvl8pPr>
-              <a:lvl9pPr marL="3657600" indent="0">
-                <a:defRPr sz="1100">
-                  <a:solidFill>
-                    <a:schemeClr val="lt1"/>
-                  </a:solidFill>
-                  <a:latin typeface="+mn-lt"/>
-                  <a:ea typeface="+mn-ea"/>
-                  <a:cs typeface="+mn-cs"/>
-                </a:defRPr>
-              </a:lvl9pPr>
-            </a:lstStyle>
-            <a:p>
-              <a:pPr algn="l"/>
-              <a:endParaRPr lang="en-US" sz="1100"/>
-            </a:p>
-          </p:txBody>
-        </p:sp>
-        <p:sp>
-          <p:nvSpPr>
-            <p:cNvPr id="13" name="Arrow: Down 12">
-              <a:extLst>
-                <a:ext uri="{FF2B5EF4-FFF2-40B4-BE49-F238E27FC236}">
-                  <a16:creationId xmlns:a16="http://schemas.microsoft.com/office/drawing/2014/main" id="{12EFEC0D-C0E0-489C-8B8E-A494AF8738BD}"/>
-                </a:ext>
-              </a:extLst>
-            </p:cNvPr>
-            <p:cNvSpPr/>
-            <p:nvPr/>
-          </p:nvSpPr>
-          <p:spPr>
-            <a:xfrm flipV="1">
-              <a:off x="6195787" y="4651829"/>
-              <a:ext cx="184150" cy="215900"/>
-            </a:xfrm>
-            <a:prstGeom prst="downArrow">
-              <a:avLst/>
-            </a:prstGeom>
-          </p:spPr>
-          <p:style>
-            <a:lnRef idx="2">
-              <a:schemeClr val="dk1">
-                <a:shade val="50000"/>
-              </a:schemeClr>
-            </a:lnRef>
-            <a:fillRef idx="1">
-              <a:schemeClr val="dk1"/>
-            </a:fillRef>
-            <a:effectRef idx="0">
-              <a:schemeClr val="dk1"/>
-            </a:effectRef>
-            <a:fontRef idx="minor">
-              <a:schemeClr val="lt1"/>
-            </a:fontRef>
-          </p:style>
-          <p:txBody>
-            <a:bodyPr rot="0" spcFirstLastPara="0" vert="horz" wrap="square" lIns="91440" tIns="45720" rIns="91440" bIns="45720" numCol="1" spcCol="0" rtlCol="0" fromWordArt="0" anchor="t" anchorCtr="0" forceAA="0" compatLnSpc="1">
-              <a:prstTxWarp prst="textNoShape">
-                <a:avLst/>
-              </a:prstTxWarp>
-              <a:noAutofit/>
-            </a:bodyPr>
-            <a:lstStyle>
-              <a:lvl1pPr marL="0" indent="0">
-                <a:defRPr sz="1100">
-                  <a:solidFill>
-                    <a:schemeClr val="lt1"/>
-                  </a:solidFill>
-                  <a:latin typeface="+mn-lt"/>
-                  <a:ea typeface="+mn-ea"/>
-                  <a:cs typeface="+mn-cs"/>
-                </a:defRPr>
-              </a:lvl1pPr>
-              <a:lvl2pPr marL="457200" indent="0">
-                <a:defRPr sz="1100">
-                  <a:solidFill>
-                    <a:schemeClr val="lt1"/>
-                  </a:solidFill>
-                  <a:latin typeface="+mn-lt"/>
-                  <a:ea typeface="+mn-ea"/>
-                  <a:cs typeface="+mn-cs"/>
-                </a:defRPr>
-              </a:lvl2pPr>
-              <a:lvl3pPr marL="914400" indent="0">
-                <a:defRPr sz="1100">
-                  <a:solidFill>
-                    <a:schemeClr val="lt1"/>
-                  </a:solidFill>
-                  <a:latin typeface="+mn-lt"/>
-                  <a:ea typeface="+mn-ea"/>
-                  <a:cs typeface="+mn-cs"/>
-                </a:defRPr>
-              </a:lvl3pPr>
-              <a:lvl4pPr marL="1371600" indent="0">
-                <a:defRPr sz="1100">
-                  <a:solidFill>
-                    <a:schemeClr val="lt1"/>
-                  </a:solidFill>
-                  <a:latin typeface="+mn-lt"/>
-                  <a:ea typeface="+mn-ea"/>
-                  <a:cs typeface="+mn-cs"/>
-                </a:defRPr>
-              </a:lvl4pPr>
-              <a:lvl5pPr marL="1828800" indent="0">
-                <a:defRPr sz="1100">
-                  <a:solidFill>
-                    <a:schemeClr val="lt1"/>
-                  </a:solidFill>
-                  <a:latin typeface="+mn-lt"/>
-                  <a:ea typeface="+mn-ea"/>
-                  <a:cs typeface="+mn-cs"/>
-                </a:defRPr>
-              </a:lvl5pPr>
-              <a:lvl6pPr marL="2286000" indent="0">
-                <a:defRPr sz="1100">
-                  <a:solidFill>
-                    <a:schemeClr val="lt1"/>
-                  </a:solidFill>
-                  <a:latin typeface="+mn-lt"/>
-                  <a:ea typeface="+mn-ea"/>
-                  <a:cs typeface="+mn-cs"/>
-                </a:defRPr>
-              </a:lvl6pPr>
-              <a:lvl7pPr marL="2743200" indent="0">
-                <a:defRPr sz="1100">
-                  <a:solidFill>
-                    <a:schemeClr val="lt1"/>
-                  </a:solidFill>
-                  <a:latin typeface="+mn-lt"/>
-                  <a:ea typeface="+mn-ea"/>
-                  <a:cs typeface="+mn-cs"/>
-                </a:defRPr>
-              </a:lvl7pPr>
-              <a:lvl8pPr marL="3200400" indent="0">
-                <a:defRPr sz="1100">
-                  <a:solidFill>
-                    <a:schemeClr val="lt1"/>
-                  </a:solidFill>
-                  <a:latin typeface="+mn-lt"/>
-                  <a:ea typeface="+mn-ea"/>
-                  <a:cs typeface="+mn-cs"/>
-                </a:defRPr>
-              </a:lvl8pPr>
-              <a:lvl9pPr marL="3657600" indent="0">
-                <a:defRPr sz="1100">
-                  <a:solidFill>
-                    <a:schemeClr val="lt1"/>
-                  </a:solidFill>
-                  <a:latin typeface="+mn-lt"/>
-                  <a:ea typeface="+mn-ea"/>
-                  <a:cs typeface="+mn-cs"/>
-                </a:defRPr>
-              </a:lvl9pPr>
-            </a:lstStyle>
-            <a:p>
-              <a:pPr algn="l"/>
-              <a:endParaRPr lang="en-US" sz="1100"/>
-            </a:p>
-          </p:txBody>
-        </p:sp>
-        <p:sp>
-          <p:nvSpPr>
-            <p:cNvPr id="14" name="Arrow: Down 13">
-              <a:extLst>
-                <a:ext uri="{FF2B5EF4-FFF2-40B4-BE49-F238E27FC236}">
-                  <a16:creationId xmlns:a16="http://schemas.microsoft.com/office/drawing/2014/main" id="{AB069AEA-A386-498C-A1D7-F979F1D34171}"/>
-                </a:ext>
-              </a:extLst>
-            </p:cNvPr>
-            <p:cNvSpPr/>
-            <p:nvPr/>
-          </p:nvSpPr>
-          <p:spPr>
-            <a:xfrm flipV="1">
-              <a:off x="6195787" y="4013427"/>
-              <a:ext cx="184150" cy="215900"/>
-            </a:xfrm>
-            <a:prstGeom prst="downArrow">
-              <a:avLst/>
-            </a:prstGeom>
-          </p:spPr>
-          <p:style>
-            <a:lnRef idx="2">
-              <a:schemeClr val="dk1">
-                <a:shade val="50000"/>
-              </a:schemeClr>
-            </a:lnRef>
-            <a:fillRef idx="1">
-              <a:schemeClr val="dk1"/>
-            </a:fillRef>
-            <a:effectRef idx="0">
-              <a:schemeClr val="dk1"/>
-            </a:effectRef>
-            <a:fontRef idx="minor">
-              <a:schemeClr val="lt1"/>
-            </a:fontRef>
-          </p:style>
-          <p:txBody>
-            <a:bodyPr rot="0" spcFirstLastPara="0" vert="horz" wrap="square" lIns="91440" tIns="45720" rIns="91440" bIns="45720" numCol="1" spcCol="0" rtlCol="0" fromWordArt="0" anchor="t" anchorCtr="0" forceAA="0" compatLnSpc="1">
-              <a:prstTxWarp prst="textNoShape">
-                <a:avLst/>
-              </a:prstTxWarp>
-              <a:noAutofit/>
-            </a:bodyPr>
-            <a:lstStyle>
-              <a:lvl1pPr marL="0" indent="0">
-                <a:defRPr sz="1100">
-                  <a:solidFill>
-                    <a:schemeClr val="lt1"/>
-                  </a:solidFill>
-                  <a:latin typeface="+mn-lt"/>
-                  <a:ea typeface="+mn-ea"/>
-                  <a:cs typeface="+mn-cs"/>
-                </a:defRPr>
-              </a:lvl1pPr>
-              <a:lvl2pPr marL="457200" indent="0">
-                <a:defRPr sz="1100">
-                  <a:solidFill>
-                    <a:schemeClr val="lt1"/>
-                  </a:solidFill>
-                  <a:latin typeface="+mn-lt"/>
-                  <a:ea typeface="+mn-ea"/>
-                  <a:cs typeface="+mn-cs"/>
-                </a:defRPr>
-              </a:lvl2pPr>
-              <a:lvl3pPr marL="914400" indent="0">
-                <a:defRPr sz="1100">
-                  <a:solidFill>
-                    <a:schemeClr val="lt1"/>
-                  </a:solidFill>
-                  <a:latin typeface="+mn-lt"/>
-                  <a:ea typeface="+mn-ea"/>
-                  <a:cs typeface="+mn-cs"/>
-                </a:defRPr>
-              </a:lvl3pPr>
-              <a:lvl4pPr marL="1371600" indent="0">
-                <a:defRPr sz="1100">
-                  <a:solidFill>
-                    <a:schemeClr val="lt1"/>
-                  </a:solidFill>
-                  <a:latin typeface="+mn-lt"/>
-                  <a:ea typeface="+mn-ea"/>
-                  <a:cs typeface="+mn-cs"/>
-                </a:defRPr>
-              </a:lvl4pPr>
-              <a:lvl5pPr marL="1828800" indent="0">
-                <a:defRPr sz="1100">
-                  <a:solidFill>
-                    <a:schemeClr val="lt1"/>
-                  </a:solidFill>
-                  <a:latin typeface="+mn-lt"/>
-                  <a:ea typeface="+mn-ea"/>
-                  <a:cs typeface="+mn-cs"/>
-                </a:defRPr>
-              </a:lvl5pPr>
-              <a:lvl6pPr marL="2286000" indent="0">
-                <a:defRPr sz="1100">
-                  <a:solidFill>
-                    <a:schemeClr val="lt1"/>
-                  </a:solidFill>
-                  <a:latin typeface="+mn-lt"/>
-                  <a:ea typeface="+mn-ea"/>
-                  <a:cs typeface="+mn-cs"/>
-                </a:defRPr>
-              </a:lvl6pPr>
-              <a:lvl7pPr marL="2743200" indent="0">
-                <a:defRPr sz="1100">
-                  <a:solidFill>
-                    <a:schemeClr val="lt1"/>
-                  </a:solidFill>
-                  <a:latin typeface="+mn-lt"/>
-                  <a:ea typeface="+mn-ea"/>
-                  <a:cs typeface="+mn-cs"/>
-                </a:defRPr>
-              </a:lvl7pPr>
-              <a:lvl8pPr marL="3200400" indent="0">
-                <a:defRPr sz="1100">
-                  <a:solidFill>
-                    <a:schemeClr val="lt1"/>
-                  </a:solidFill>
-                  <a:latin typeface="+mn-lt"/>
-                  <a:ea typeface="+mn-ea"/>
-                  <a:cs typeface="+mn-cs"/>
-                </a:defRPr>
-              </a:lvl8pPr>
-              <a:lvl9pPr marL="3657600" indent="0">
-                <a:defRPr sz="1100">
-                  <a:solidFill>
-                    <a:schemeClr val="lt1"/>
-                  </a:solidFill>
-                  <a:latin typeface="+mn-lt"/>
-                  <a:ea typeface="+mn-ea"/>
-                  <a:cs typeface="+mn-cs"/>
-                </a:defRPr>
-              </a:lvl9pPr>
-            </a:lstStyle>
-            <a:p>
-              <a:pPr algn="l"/>
-              <a:endParaRPr lang="en-US" sz="1100"/>
-            </a:p>
-          </p:txBody>
-        </p:sp>
-        <p:sp>
-          <p:nvSpPr>
-            <p:cNvPr id="15" name="Arrow: Down 14">
-              <a:extLst>
-                <a:ext uri="{FF2B5EF4-FFF2-40B4-BE49-F238E27FC236}">
-                  <a16:creationId xmlns:a16="http://schemas.microsoft.com/office/drawing/2014/main" id="{13C7F6BD-FFCD-48E9-95DE-9199F1EFAA4E}"/>
-                </a:ext>
-              </a:extLst>
-            </p:cNvPr>
-            <p:cNvSpPr/>
-            <p:nvPr/>
-          </p:nvSpPr>
-          <p:spPr>
-            <a:xfrm rot="5400000" flipV="1">
-              <a:off x="4374923" y="3392489"/>
-              <a:ext cx="184150" cy="215900"/>
-            </a:xfrm>
-            <a:prstGeom prst="downArrow">
-              <a:avLst/>
-            </a:prstGeom>
-          </p:spPr>
-          <p:style>
-            <a:lnRef idx="2">
-              <a:schemeClr val="dk1">
-                <a:shade val="50000"/>
-              </a:schemeClr>
-            </a:lnRef>
-            <a:fillRef idx="1">
-              <a:schemeClr val="dk1"/>
-            </a:fillRef>
-            <a:effectRef idx="0">
-              <a:schemeClr val="dk1"/>
-            </a:effectRef>
-            <a:fontRef idx="minor">
-              <a:schemeClr val="lt1"/>
-            </a:fontRef>
-          </p:style>
-          <p:txBody>
-            <a:bodyPr rot="0" spcFirstLastPara="0" vert="horz" wrap="square" lIns="91440" tIns="45720" rIns="91440" bIns="45720" numCol="1" spcCol="0" rtlCol="0" fromWordArt="0" anchor="t" anchorCtr="0" forceAA="0" compatLnSpc="1">
-              <a:prstTxWarp prst="textNoShape">
-                <a:avLst/>
-              </a:prstTxWarp>
-              <a:noAutofit/>
-            </a:bodyPr>
-            <a:lstStyle>
-              <a:lvl1pPr marL="0" indent="0">
-                <a:defRPr sz="1100">
-                  <a:solidFill>
-                    <a:schemeClr val="lt1"/>
-                  </a:solidFill>
-                  <a:latin typeface="+mn-lt"/>
-                  <a:ea typeface="+mn-ea"/>
-                  <a:cs typeface="+mn-cs"/>
-                </a:defRPr>
-              </a:lvl1pPr>
-              <a:lvl2pPr marL="457200" indent="0">
-                <a:defRPr sz="1100">
-                  <a:solidFill>
-                    <a:schemeClr val="lt1"/>
-                  </a:solidFill>
-                  <a:latin typeface="+mn-lt"/>
-                  <a:ea typeface="+mn-ea"/>
-                  <a:cs typeface="+mn-cs"/>
-                </a:defRPr>
-              </a:lvl2pPr>
-              <a:lvl3pPr marL="914400" indent="0">
-                <a:defRPr sz="1100">
-                  <a:solidFill>
-                    <a:schemeClr val="lt1"/>
-                  </a:solidFill>
-                  <a:latin typeface="+mn-lt"/>
-                  <a:ea typeface="+mn-ea"/>
-                  <a:cs typeface="+mn-cs"/>
-                </a:defRPr>
-              </a:lvl3pPr>
-              <a:lvl4pPr marL="1371600" indent="0">
-                <a:defRPr sz="1100">
-                  <a:solidFill>
-                    <a:schemeClr val="lt1"/>
-                  </a:solidFill>
-                  <a:latin typeface="+mn-lt"/>
-                  <a:ea typeface="+mn-ea"/>
-                  <a:cs typeface="+mn-cs"/>
-                </a:defRPr>
-              </a:lvl4pPr>
-              <a:lvl5pPr marL="1828800" indent="0">
-                <a:defRPr sz="1100">
-                  <a:solidFill>
-                    <a:schemeClr val="lt1"/>
-                  </a:solidFill>
-                  <a:latin typeface="+mn-lt"/>
-                  <a:ea typeface="+mn-ea"/>
-                  <a:cs typeface="+mn-cs"/>
-                </a:defRPr>
-              </a:lvl5pPr>
-              <a:lvl6pPr marL="2286000" indent="0">
-                <a:defRPr sz="1100">
-                  <a:solidFill>
-                    <a:schemeClr val="lt1"/>
-                  </a:solidFill>
-                  <a:latin typeface="+mn-lt"/>
-                  <a:ea typeface="+mn-ea"/>
-                  <a:cs typeface="+mn-cs"/>
-                </a:defRPr>
-              </a:lvl6pPr>
-              <a:lvl7pPr marL="2743200" indent="0">
-                <a:defRPr sz="1100">
-                  <a:solidFill>
-                    <a:schemeClr val="lt1"/>
-                  </a:solidFill>
-                  <a:latin typeface="+mn-lt"/>
-                  <a:ea typeface="+mn-ea"/>
-                  <a:cs typeface="+mn-cs"/>
-                </a:defRPr>
-              </a:lvl7pPr>
-              <a:lvl8pPr marL="3200400" indent="0">
-                <a:defRPr sz="1100">
-                  <a:solidFill>
-                    <a:schemeClr val="lt1"/>
-                  </a:solidFill>
-                  <a:latin typeface="+mn-lt"/>
-                  <a:ea typeface="+mn-ea"/>
-                  <a:cs typeface="+mn-cs"/>
-                </a:defRPr>
-              </a:lvl8pPr>
-              <a:lvl9pPr marL="3657600" indent="0">
-                <a:defRPr sz="1100">
-                  <a:solidFill>
-                    <a:schemeClr val="lt1"/>
-                  </a:solidFill>
-                  <a:latin typeface="+mn-lt"/>
-                  <a:ea typeface="+mn-ea"/>
-                  <a:cs typeface="+mn-cs"/>
-                </a:defRPr>
-              </a:lvl9pPr>
-            </a:lstStyle>
-            <a:p>
-              <a:pPr algn="l"/>
-              <a:endParaRPr lang="en-US" sz="1100"/>
-            </a:p>
-          </p:txBody>
-        </p:sp>
-        <p:sp>
-          <p:nvSpPr>
-            <p:cNvPr id="16" name="Arrow: Down 15">
-              <a:extLst>
-                <a:ext uri="{FF2B5EF4-FFF2-40B4-BE49-F238E27FC236}">
-                  <a16:creationId xmlns:a16="http://schemas.microsoft.com/office/drawing/2014/main" id="{773C6D50-0F10-440C-82A3-16BBB224B137}"/>
-                </a:ext>
-              </a:extLst>
-            </p:cNvPr>
-            <p:cNvSpPr/>
-            <p:nvPr/>
-          </p:nvSpPr>
-          <p:spPr>
-            <a:xfrm rot="5400000" flipV="1">
-              <a:off x="5301797" y="3389540"/>
-              <a:ext cx="184150" cy="215900"/>
-            </a:xfrm>
-            <a:prstGeom prst="downArrow">
-              <a:avLst/>
-            </a:prstGeom>
-          </p:spPr>
-          <p:style>
-            <a:lnRef idx="2">
-              <a:schemeClr val="dk1">
-                <a:shade val="50000"/>
-              </a:schemeClr>
-            </a:lnRef>
-            <a:fillRef idx="1">
-              <a:schemeClr val="dk1"/>
-            </a:fillRef>
-            <a:effectRef idx="0">
-              <a:schemeClr val="dk1"/>
-            </a:effectRef>
-            <a:fontRef idx="minor">
-              <a:schemeClr val="lt1"/>
-            </a:fontRef>
-          </p:style>
-          <p:txBody>
-            <a:bodyPr rot="0" spcFirstLastPara="0" vert="horz" wrap="square" lIns="91440" tIns="45720" rIns="91440" bIns="45720" numCol="1" spcCol="0" rtlCol="0" fromWordArt="0" anchor="t" anchorCtr="0" forceAA="0" compatLnSpc="1">
-              <a:prstTxWarp prst="textNoShape">
-                <a:avLst/>
-              </a:prstTxWarp>
-              <a:noAutofit/>
-            </a:bodyPr>
-            <a:lstStyle>
-              <a:lvl1pPr marL="0" indent="0">
-                <a:defRPr sz="1100">
-                  <a:solidFill>
-                    <a:schemeClr val="lt1"/>
-                  </a:solidFill>
-                  <a:latin typeface="+mn-lt"/>
-                  <a:ea typeface="+mn-ea"/>
-                  <a:cs typeface="+mn-cs"/>
-                </a:defRPr>
-              </a:lvl1pPr>
-              <a:lvl2pPr marL="457200" indent="0">
-                <a:defRPr sz="1100">
-                  <a:solidFill>
-                    <a:schemeClr val="lt1"/>
-                  </a:solidFill>
-                  <a:latin typeface="+mn-lt"/>
-                  <a:ea typeface="+mn-ea"/>
-                  <a:cs typeface="+mn-cs"/>
-                </a:defRPr>
-              </a:lvl2pPr>
-              <a:lvl3pPr marL="914400" indent="0">
-                <a:defRPr sz="1100">
-                  <a:solidFill>
-                    <a:schemeClr val="lt1"/>
-                  </a:solidFill>
-                  <a:latin typeface="+mn-lt"/>
-                  <a:ea typeface="+mn-ea"/>
-                  <a:cs typeface="+mn-cs"/>
-                </a:defRPr>
-              </a:lvl3pPr>
-              <a:lvl4pPr marL="1371600" indent="0">
-                <a:defRPr sz="1100">
-                  <a:solidFill>
-                    <a:schemeClr val="lt1"/>
-                  </a:solidFill>
-                  <a:latin typeface="+mn-lt"/>
-                  <a:ea typeface="+mn-ea"/>
-                  <a:cs typeface="+mn-cs"/>
-                </a:defRPr>
-              </a:lvl4pPr>
-              <a:lvl5pPr marL="1828800" indent="0">
-                <a:defRPr sz="1100">
-                  <a:solidFill>
-                    <a:schemeClr val="lt1"/>
-                  </a:solidFill>
-                  <a:latin typeface="+mn-lt"/>
-                  <a:ea typeface="+mn-ea"/>
-                  <a:cs typeface="+mn-cs"/>
-                </a:defRPr>
-              </a:lvl5pPr>
-              <a:lvl6pPr marL="2286000" indent="0">
-                <a:defRPr sz="1100">
-                  <a:solidFill>
-                    <a:schemeClr val="lt1"/>
-                  </a:solidFill>
-                  <a:latin typeface="+mn-lt"/>
-                  <a:ea typeface="+mn-ea"/>
-                  <a:cs typeface="+mn-cs"/>
-                </a:defRPr>
-              </a:lvl6pPr>
-              <a:lvl7pPr marL="2743200" indent="0">
-                <a:defRPr sz="1100">
-                  <a:solidFill>
-                    <a:schemeClr val="lt1"/>
-                  </a:solidFill>
-                  <a:latin typeface="+mn-lt"/>
-                  <a:ea typeface="+mn-ea"/>
-                  <a:cs typeface="+mn-cs"/>
-                </a:defRPr>
-              </a:lvl7pPr>
-              <a:lvl8pPr marL="3200400" indent="0">
-                <a:defRPr sz="1100">
-                  <a:solidFill>
-                    <a:schemeClr val="lt1"/>
-                  </a:solidFill>
-                  <a:latin typeface="+mn-lt"/>
-                  <a:ea typeface="+mn-ea"/>
-                  <a:cs typeface="+mn-cs"/>
-                </a:defRPr>
-              </a:lvl8pPr>
-              <a:lvl9pPr marL="3657600" indent="0">
-                <a:defRPr sz="1100">
-                  <a:solidFill>
-                    <a:schemeClr val="lt1"/>
-                  </a:solidFill>
-                  <a:latin typeface="+mn-lt"/>
-                  <a:ea typeface="+mn-ea"/>
-                  <a:cs typeface="+mn-cs"/>
-                </a:defRPr>
-              </a:lvl9pPr>
-            </a:lstStyle>
-            <a:p>
-              <a:pPr algn="l"/>
-              <a:endParaRPr lang="en-US" sz="1100"/>
-            </a:p>
-          </p:txBody>
-        </p:sp>
-      </p:grpSp>
-    </p:spTree>
-    <p:extLst>
-      <p:ext uri="{BB962C8B-B14F-4D97-AF65-F5344CB8AC3E}">
-        <p14:creationId xmlns:p14="http://schemas.microsoft.com/office/powerpoint/2010/main" val="427665357"/>
-      </p:ext>
-    </p:extLst>
-  </p:cSld>
-  <p:clrMapOvr>
-    <a:masterClrMapping/>
-  </p:clrMapOvr>
-</p:sld>
-</file>
-
 <file path=ppt/theme/theme1.xml><?xml version="1.0" encoding="utf-8"?>
 <a:theme xmlns:a="http://schemas.openxmlformats.org/drawingml/2006/main" name="Dividend">
   <a:themeElements>
